--- a/NetFlix_TAIWO_OLUWAFEMI.pptx
+++ b/NetFlix_TAIWO_OLUWAFEMI.pptx
@@ -2,7 +2,7 @@
 <file path=ppt/presentation.xml><?xml version="1.0" encoding="utf-8"?>
 <p:presentation xmlns:a="http://schemas.openxmlformats.org/drawingml/2006/main" xmlns:r="http://schemas.openxmlformats.org/officeDocument/2006/relationships" xmlns:p="http://schemas.openxmlformats.org/presentationml/2006/main" saveSubsetFonts="1">
   <p:sldMasterIdLst>
-    <p:sldMasterId id="2147483648" r:id="rId1"/>
+    <p:sldMasterId id="2147483735" r:id="rId1"/>
   </p:sldMasterIdLst>
   <p:sldIdLst>
     <p:sldId id="256" r:id="rId2"/>
@@ -116,11 +116,16 @@
       </a:defRPr>
     </a:lvl9pPr>
   </p:defaultTextStyle>
+  <p:extLst>
+    <p:ext uri="{EFAFB233-063F-42B5-8137-9DF3F51BA10A}">
+      <p15:sldGuideLst xmlns:p15="http://schemas.microsoft.com/office/powerpoint/2012/main"/>
+    </p:ext>
+  </p:extLst>
 </p:presentation>
 </file>
 
 <file path=ppt/slideLayouts/slideLayout1.xml><?xml version="1.0" encoding="utf-8"?>
-<p:sldLayout xmlns:a="http://schemas.openxmlformats.org/drawingml/2006/main" xmlns:r="http://schemas.openxmlformats.org/officeDocument/2006/relationships" xmlns:p="http://schemas.openxmlformats.org/presentationml/2006/main" type="title" preserve="1">
+<p:sldLayout xmlns:a="http://schemas.openxmlformats.org/drawingml/2006/main" xmlns:r="http://schemas.openxmlformats.org/officeDocument/2006/relationships" xmlns:p="http://schemas.openxmlformats.org/presentationml/2006/main" showMasterSp="0" type="title" preserve="1">
   <p:cSld name="Title Slide">
     <p:spTree>
       <p:nvGrpSpPr>
@@ -136,6 +141,536 @@
           <a:chExt cx="0" cy="0"/>
         </a:xfrm>
       </p:grpSpPr>
+      <p:grpSp>
+        <p:nvGrpSpPr>
+          <p:cNvPr id="7" name="Group 6"/>
+          <p:cNvGrpSpPr/>
+          <p:nvPr/>
+        </p:nvGrpSpPr>
+        <p:grpSpPr>
+          <a:xfrm>
+            <a:off x="0" y="-8467"/>
+            <a:ext cx="12192000" cy="6866467"/>
+            <a:chOff x="0" y="-8467"/>
+            <a:chExt cx="12192000" cy="6866467"/>
+          </a:xfrm>
+        </p:grpSpPr>
+        <p:cxnSp>
+          <p:nvCxnSpPr>
+            <p:cNvPr id="32" name="Straight Connector 31"/>
+            <p:cNvCxnSpPr/>
+            <p:nvPr/>
+          </p:nvCxnSpPr>
+          <p:spPr>
+            <a:xfrm>
+              <a:off x="9371012" y="0"/>
+              <a:ext cx="1219200" cy="6858000"/>
+            </a:xfrm>
+            <a:prstGeom prst="line">
+              <a:avLst/>
+            </a:prstGeom>
+            <a:ln w="9525">
+              <a:solidFill>
+                <a:schemeClr val="bg1">
+                  <a:lumMod val="75000"/>
+                </a:schemeClr>
+              </a:solidFill>
+            </a:ln>
+          </p:spPr>
+          <p:style>
+            <a:lnRef idx="2">
+              <a:schemeClr val="accent1"/>
+            </a:lnRef>
+            <a:fillRef idx="0">
+              <a:schemeClr val="accent1"/>
+            </a:fillRef>
+            <a:effectRef idx="1">
+              <a:schemeClr val="accent1"/>
+            </a:effectRef>
+            <a:fontRef idx="minor">
+              <a:schemeClr val="tx1"/>
+            </a:fontRef>
+          </p:style>
+        </p:cxnSp>
+        <p:cxnSp>
+          <p:nvCxnSpPr>
+            <p:cNvPr id="21" name="Straight Connector 20"/>
+            <p:cNvCxnSpPr/>
+            <p:nvPr/>
+          </p:nvCxnSpPr>
+          <p:spPr>
+            <a:xfrm flipH="1">
+              <a:off x="7425267" y="3681413"/>
+              <a:ext cx="4763558" cy="3176587"/>
+            </a:xfrm>
+            <a:prstGeom prst="line">
+              <a:avLst/>
+            </a:prstGeom>
+            <a:ln w="9525">
+              <a:solidFill>
+                <a:schemeClr val="bg1">
+                  <a:lumMod val="85000"/>
+                </a:schemeClr>
+              </a:solidFill>
+            </a:ln>
+          </p:spPr>
+          <p:style>
+            <a:lnRef idx="2">
+              <a:schemeClr val="accent1"/>
+            </a:lnRef>
+            <a:fillRef idx="0">
+              <a:schemeClr val="accent1"/>
+            </a:fillRef>
+            <a:effectRef idx="1">
+              <a:schemeClr val="accent1"/>
+            </a:effectRef>
+            <a:fontRef idx="minor">
+              <a:schemeClr val="tx1"/>
+            </a:fontRef>
+          </p:style>
+        </p:cxnSp>
+        <p:sp>
+          <p:nvSpPr>
+            <p:cNvPr id="24" name="Rectangle 23"/>
+            <p:cNvSpPr/>
+            <p:nvPr/>
+          </p:nvSpPr>
+          <p:spPr>
+            <a:xfrm>
+              <a:off x="9181476" y="-8467"/>
+              <a:ext cx="3007349" cy="6866467"/>
+            </a:xfrm>
+            <a:custGeom>
+              <a:avLst/>
+              <a:gdLst/>
+              <a:ahLst/>
+              <a:cxnLst/>
+              <a:rect l="l" t="t" r="r" b="b"/>
+              <a:pathLst>
+                <a:path w="3007349" h="6866467">
+                  <a:moveTo>
+                    <a:pt x="2045532" y="0"/>
+                  </a:moveTo>
+                  <a:lnTo>
+                    <a:pt x="3007349" y="0"/>
+                  </a:lnTo>
+                  <a:lnTo>
+                    <a:pt x="3007349" y="6866467"/>
+                  </a:lnTo>
+                  <a:lnTo>
+                    <a:pt x="0" y="6866467"/>
+                  </a:lnTo>
+                  <a:lnTo>
+                    <a:pt x="2045532" y="0"/>
+                  </a:lnTo>
+                  <a:close/>
+                </a:path>
+              </a:pathLst>
+            </a:custGeom>
+            <a:solidFill>
+              <a:schemeClr val="accent1">
+                <a:alpha val="30000"/>
+              </a:schemeClr>
+            </a:solidFill>
+            <a:ln>
+              <a:noFill/>
+            </a:ln>
+            <a:effectLst/>
+          </p:spPr>
+          <p:style>
+            <a:lnRef idx="1">
+              <a:schemeClr val="accent1"/>
+            </a:lnRef>
+            <a:fillRef idx="3">
+              <a:schemeClr val="accent1"/>
+            </a:fillRef>
+            <a:effectRef idx="2">
+              <a:schemeClr val="accent1"/>
+            </a:effectRef>
+            <a:fontRef idx="minor">
+              <a:schemeClr val="lt1"/>
+            </a:fontRef>
+          </p:style>
+        </p:sp>
+        <p:sp>
+          <p:nvSpPr>
+            <p:cNvPr id="26" name="Rectangle 25"/>
+            <p:cNvSpPr/>
+            <p:nvPr/>
+          </p:nvSpPr>
+          <p:spPr>
+            <a:xfrm>
+              <a:off x="9603442" y="-8467"/>
+              <a:ext cx="2588558" cy="6866467"/>
+            </a:xfrm>
+            <a:custGeom>
+              <a:avLst/>
+              <a:gdLst/>
+              <a:ahLst/>
+              <a:cxnLst/>
+              <a:rect l="l" t="t" r="r" b="b"/>
+              <a:pathLst>
+                <a:path w="2573311" h="6866467">
+                  <a:moveTo>
+                    <a:pt x="0" y="0"/>
+                  </a:moveTo>
+                  <a:lnTo>
+                    <a:pt x="2573311" y="0"/>
+                  </a:lnTo>
+                  <a:lnTo>
+                    <a:pt x="2573311" y="6866467"/>
+                  </a:lnTo>
+                  <a:lnTo>
+                    <a:pt x="1202336" y="6866467"/>
+                  </a:lnTo>
+                  <a:lnTo>
+                    <a:pt x="0" y="0"/>
+                  </a:lnTo>
+                  <a:close/>
+                </a:path>
+              </a:pathLst>
+            </a:custGeom>
+            <a:solidFill>
+              <a:schemeClr val="accent1">
+                <a:alpha val="20000"/>
+              </a:schemeClr>
+            </a:solidFill>
+            <a:ln>
+              <a:noFill/>
+            </a:ln>
+            <a:effectLst/>
+          </p:spPr>
+          <p:style>
+            <a:lnRef idx="1">
+              <a:schemeClr val="accent1"/>
+            </a:lnRef>
+            <a:fillRef idx="3">
+              <a:schemeClr val="accent1"/>
+            </a:fillRef>
+            <a:effectRef idx="2">
+              <a:schemeClr val="accent1"/>
+            </a:effectRef>
+            <a:fontRef idx="minor">
+              <a:schemeClr val="lt1"/>
+            </a:fontRef>
+          </p:style>
+        </p:sp>
+        <p:sp>
+          <p:nvSpPr>
+            <p:cNvPr id="27" name="Isosceles Triangle 26"/>
+            <p:cNvSpPr/>
+            <p:nvPr/>
+          </p:nvSpPr>
+          <p:spPr>
+            <a:xfrm>
+              <a:off x="8932333" y="3048000"/>
+              <a:ext cx="3259667" cy="3810000"/>
+            </a:xfrm>
+            <a:prstGeom prst="triangle">
+              <a:avLst>
+                <a:gd name="adj" fmla="val 100000"/>
+              </a:avLst>
+            </a:prstGeom>
+            <a:solidFill>
+              <a:schemeClr val="accent2">
+                <a:alpha val="72000"/>
+              </a:schemeClr>
+            </a:solidFill>
+            <a:ln>
+              <a:noFill/>
+            </a:ln>
+            <a:effectLst/>
+          </p:spPr>
+          <p:style>
+            <a:lnRef idx="1">
+              <a:schemeClr val="accent1"/>
+            </a:lnRef>
+            <a:fillRef idx="3">
+              <a:schemeClr val="accent1"/>
+            </a:fillRef>
+            <a:effectRef idx="2">
+              <a:schemeClr val="accent1"/>
+            </a:effectRef>
+            <a:fontRef idx="minor">
+              <a:schemeClr val="lt1"/>
+            </a:fontRef>
+          </p:style>
+        </p:sp>
+        <p:sp>
+          <p:nvSpPr>
+            <p:cNvPr id="28" name="Rectangle 27"/>
+            <p:cNvSpPr/>
+            <p:nvPr/>
+          </p:nvSpPr>
+          <p:spPr>
+            <a:xfrm>
+              <a:off x="9334500" y="-8467"/>
+              <a:ext cx="2854326" cy="6866467"/>
+            </a:xfrm>
+            <a:custGeom>
+              <a:avLst/>
+              <a:gdLst/>
+              <a:ahLst/>
+              <a:cxnLst/>
+              <a:rect l="l" t="t" r="r" b="b"/>
+              <a:pathLst>
+                <a:path w="2858013" h="6866467">
+                  <a:moveTo>
+                    <a:pt x="0" y="0"/>
+                  </a:moveTo>
+                  <a:lnTo>
+                    <a:pt x="2858013" y="0"/>
+                  </a:lnTo>
+                  <a:lnTo>
+                    <a:pt x="2858013" y="6866467"/>
+                  </a:lnTo>
+                  <a:lnTo>
+                    <a:pt x="2473942" y="6866467"/>
+                  </a:lnTo>
+                  <a:lnTo>
+                    <a:pt x="0" y="0"/>
+                  </a:lnTo>
+                  <a:close/>
+                </a:path>
+              </a:pathLst>
+            </a:custGeom>
+            <a:solidFill>
+              <a:schemeClr val="accent2">
+                <a:lumMod val="75000"/>
+                <a:alpha val="70000"/>
+              </a:schemeClr>
+            </a:solidFill>
+            <a:ln>
+              <a:noFill/>
+            </a:ln>
+            <a:effectLst/>
+          </p:spPr>
+          <p:style>
+            <a:lnRef idx="1">
+              <a:schemeClr val="accent1"/>
+            </a:lnRef>
+            <a:fillRef idx="3">
+              <a:schemeClr val="accent1"/>
+            </a:fillRef>
+            <a:effectRef idx="2">
+              <a:schemeClr val="accent1"/>
+            </a:effectRef>
+            <a:fontRef idx="minor">
+              <a:schemeClr val="lt1"/>
+            </a:fontRef>
+          </p:style>
+        </p:sp>
+        <p:sp>
+          <p:nvSpPr>
+            <p:cNvPr id="29" name="Rectangle 28"/>
+            <p:cNvSpPr/>
+            <p:nvPr/>
+          </p:nvSpPr>
+          <p:spPr>
+            <a:xfrm>
+              <a:off x="10898730" y="-8467"/>
+              <a:ext cx="1290094" cy="6866467"/>
+            </a:xfrm>
+            <a:custGeom>
+              <a:avLst/>
+              <a:gdLst/>
+              <a:ahLst/>
+              <a:cxnLst/>
+              <a:rect l="l" t="t" r="r" b="b"/>
+              <a:pathLst>
+                <a:path w="1290094" h="6858000">
+                  <a:moveTo>
+                    <a:pt x="1019735" y="0"/>
+                  </a:moveTo>
+                  <a:lnTo>
+                    <a:pt x="1290094" y="0"/>
+                  </a:lnTo>
+                  <a:lnTo>
+                    <a:pt x="1290094" y="6858000"/>
+                  </a:lnTo>
+                  <a:lnTo>
+                    <a:pt x="0" y="6858000"/>
+                  </a:lnTo>
+                  <a:lnTo>
+                    <a:pt x="1019735" y="0"/>
+                  </a:lnTo>
+                  <a:close/>
+                </a:path>
+              </a:pathLst>
+            </a:custGeom>
+            <a:solidFill>
+              <a:schemeClr val="accent1">
+                <a:lumMod val="60000"/>
+                <a:lumOff val="40000"/>
+                <a:alpha val="70000"/>
+              </a:schemeClr>
+            </a:solidFill>
+            <a:ln>
+              <a:noFill/>
+            </a:ln>
+            <a:effectLst/>
+          </p:spPr>
+          <p:style>
+            <a:lnRef idx="1">
+              <a:schemeClr val="accent1"/>
+            </a:lnRef>
+            <a:fillRef idx="3">
+              <a:schemeClr val="accent1"/>
+            </a:fillRef>
+            <a:effectRef idx="2">
+              <a:schemeClr val="accent1"/>
+            </a:effectRef>
+            <a:fontRef idx="minor">
+              <a:schemeClr val="lt1"/>
+            </a:fontRef>
+          </p:style>
+        </p:sp>
+        <p:sp>
+          <p:nvSpPr>
+            <p:cNvPr id="30" name="Rectangle 29"/>
+            <p:cNvSpPr/>
+            <p:nvPr/>
+          </p:nvSpPr>
+          <p:spPr>
+            <a:xfrm>
+              <a:off x="10938999" y="-8467"/>
+              <a:ext cx="1249825" cy="6866467"/>
+            </a:xfrm>
+            <a:custGeom>
+              <a:avLst/>
+              <a:gdLst/>
+              <a:ahLst/>
+              <a:cxnLst/>
+              <a:rect l="l" t="t" r="r" b="b"/>
+              <a:pathLst>
+                <a:path w="1249825" h="6858000">
+                  <a:moveTo>
+                    <a:pt x="0" y="0"/>
+                  </a:moveTo>
+                  <a:lnTo>
+                    <a:pt x="1249825" y="0"/>
+                  </a:lnTo>
+                  <a:lnTo>
+                    <a:pt x="1249825" y="6858000"/>
+                  </a:lnTo>
+                  <a:lnTo>
+                    <a:pt x="1109382" y="6858000"/>
+                  </a:lnTo>
+                  <a:lnTo>
+                    <a:pt x="0" y="0"/>
+                  </a:lnTo>
+                  <a:close/>
+                </a:path>
+              </a:pathLst>
+            </a:custGeom>
+            <a:solidFill>
+              <a:schemeClr val="accent1">
+                <a:alpha val="65000"/>
+              </a:schemeClr>
+            </a:solidFill>
+            <a:ln>
+              <a:noFill/>
+            </a:ln>
+            <a:effectLst/>
+          </p:spPr>
+          <p:style>
+            <a:lnRef idx="1">
+              <a:schemeClr val="accent1"/>
+            </a:lnRef>
+            <a:fillRef idx="3">
+              <a:schemeClr val="accent1"/>
+            </a:fillRef>
+            <a:effectRef idx="2">
+              <a:schemeClr val="accent1"/>
+            </a:effectRef>
+            <a:fontRef idx="minor">
+              <a:schemeClr val="lt1"/>
+            </a:fontRef>
+          </p:style>
+        </p:sp>
+        <p:sp>
+          <p:nvSpPr>
+            <p:cNvPr id="31" name="Isosceles Triangle 30"/>
+            <p:cNvSpPr/>
+            <p:nvPr/>
+          </p:nvSpPr>
+          <p:spPr>
+            <a:xfrm>
+              <a:off x="10371666" y="3589867"/>
+              <a:ext cx="1817159" cy="3268133"/>
+            </a:xfrm>
+            <a:prstGeom prst="triangle">
+              <a:avLst>
+                <a:gd name="adj" fmla="val 100000"/>
+              </a:avLst>
+            </a:prstGeom>
+            <a:solidFill>
+              <a:schemeClr val="accent1">
+                <a:alpha val="80000"/>
+              </a:schemeClr>
+            </a:solidFill>
+            <a:ln>
+              <a:noFill/>
+            </a:ln>
+            <a:effectLst/>
+          </p:spPr>
+          <p:style>
+            <a:lnRef idx="1">
+              <a:schemeClr val="accent1"/>
+            </a:lnRef>
+            <a:fillRef idx="3">
+              <a:schemeClr val="accent1"/>
+            </a:fillRef>
+            <a:effectRef idx="2">
+              <a:schemeClr val="accent1"/>
+            </a:effectRef>
+            <a:fontRef idx="minor">
+              <a:schemeClr val="lt1"/>
+            </a:fontRef>
+          </p:style>
+        </p:sp>
+        <p:sp>
+          <p:nvSpPr>
+            <p:cNvPr id="19" name="Isosceles Triangle 18"/>
+            <p:cNvSpPr/>
+            <p:nvPr/>
+          </p:nvSpPr>
+          <p:spPr>
+            <a:xfrm rot="10800000">
+              <a:off x="0" y="0"/>
+              <a:ext cx="842596" cy="5666154"/>
+            </a:xfrm>
+            <a:prstGeom prst="triangle">
+              <a:avLst>
+                <a:gd name="adj" fmla="val 100000"/>
+              </a:avLst>
+            </a:prstGeom>
+            <a:solidFill>
+              <a:schemeClr val="accent1">
+                <a:alpha val="85000"/>
+              </a:schemeClr>
+            </a:solidFill>
+            <a:ln>
+              <a:noFill/>
+            </a:ln>
+            <a:effectLst/>
+          </p:spPr>
+          <p:style>
+            <a:lnRef idx="1">
+              <a:schemeClr val="accent1"/>
+            </a:lnRef>
+            <a:fillRef idx="3">
+              <a:schemeClr val="accent1"/>
+            </a:fillRef>
+            <a:effectRef idx="2">
+              <a:schemeClr val="accent1"/>
+            </a:effectRef>
+            <a:fontRef idx="minor">
+              <a:schemeClr val="lt1"/>
+            </a:fontRef>
+          </p:style>
+        </p:sp>
+      </p:grpSp>
       <p:sp>
         <p:nvSpPr>
           <p:cNvPr id="2" name="Title 1"/>
@@ -148,15 +683,21 @@
         </p:nvSpPr>
         <p:spPr>
           <a:xfrm>
-            <a:off x="1524000" y="1122363"/>
-            <a:ext cx="9144000" cy="2387600"/>
+            <a:off x="1507067" y="2404534"/>
+            <a:ext cx="7766936" cy="1646302"/>
           </a:xfrm>
         </p:spPr>
         <p:txBody>
-          <a:bodyPr anchor="b"/>
+          <a:bodyPr anchor="b">
+            <a:noAutofit/>
+          </a:bodyPr>
           <a:lstStyle>
-            <a:lvl1pPr algn="ctr">
-              <a:defRPr sz="6000"/>
+            <a:lvl1pPr algn="r">
+              <a:defRPr sz="5400">
+                <a:solidFill>
+                  <a:schemeClr val="accent1"/>
+                </a:solidFill>
+              </a:defRPr>
             </a:lvl1pPr>
           </a:lstStyle>
           <a:p>
@@ -164,7 +705,7 @@
               <a:rPr lang="en-US" smtClean="0"/>
               <a:t>Click to edit Master title style</a:t>
             </a:r>
-            <a:endParaRPr lang="en-US"/>
+            <a:endParaRPr lang="en-US" dirty="0"/>
           </a:p>
         </p:txBody>
       </p:sp>
@@ -180,48 +721,103 @@
         </p:nvSpPr>
         <p:spPr>
           <a:xfrm>
-            <a:off x="1524000" y="3602038"/>
-            <a:ext cx="9144000" cy="1655762"/>
+            <a:off x="1507067" y="4050833"/>
+            <a:ext cx="7766936" cy="1096899"/>
           </a:xfrm>
         </p:spPr>
         <p:txBody>
-          <a:bodyPr/>
+          <a:bodyPr anchor="t"/>
           <a:lstStyle>
-            <a:lvl1pPr marL="0" indent="0" algn="ctr">
-              <a:buNone/>
-              <a:defRPr sz="2400"/>
+            <a:lvl1pPr marL="0" indent="0" algn="r">
+              <a:buNone/>
+              <a:defRPr>
+                <a:solidFill>
+                  <a:schemeClr val="tx1">
+                    <a:lumMod val="50000"/>
+                    <a:lumOff val="50000"/>
+                  </a:schemeClr>
+                </a:solidFill>
+              </a:defRPr>
             </a:lvl1pPr>
             <a:lvl2pPr marL="457200" indent="0" algn="ctr">
               <a:buNone/>
-              <a:defRPr sz="2000"/>
+              <a:defRPr>
+                <a:solidFill>
+                  <a:schemeClr val="tx1">
+                    <a:tint val="75000"/>
+                  </a:schemeClr>
+                </a:solidFill>
+              </a:defRPr>
             </a:lvl2pPr>
             <a:lvl3pPr marL="914400" indent="0" algn="ctr">
               <a:buNone/>
-              <a:defRPr sz="1800"/>
+              <a:defRPr>
+                <a:solidFill>
+                  <a:schemeClr val="tx1">
+                    <a:tint val="75000"/>
+                  </a:schemeClr>
+                </a:solidFill>
+              </a:defRPr>
             </a:lvl3pPr>
             <a:lvl4pPr marL="1371600" indent="0" algn="ctr">
               <a:buNone/>
-              <a:defRPr sz="1600"/>
+              <a:defRPr>
+                <a:solidFill>
+                  <a:schemeClr val="tx1">
+                    <a:tint val="75000"/>
+                  </a:schemeClr>
+                </a:solidFill>
+              </a:defRPr>
             </a:lvl4pPr>
             <a:lvl5pPr marL="1828800" indent="0" algn="ctr">
               <a:buNone/>
-              <a:defRPr sz="1600"/>
+              <a:defRPr>
+                <a:solidFill>
+                  <a:schemeClr val="tx1">
+                    <a:tint val="75000"/>
+                  </a:schemeClr>
+                </a:solidFill>
+              </a:defRPr>
             </a:lvl5pPr>
             <a:lvl6pPr marL="2286000" indent="0" algn="ctr">
               <a:buNone/>
-              <a:defRPr sz="1600"/>
+              <a:defRPr>
+                <a:solidFill>
+                  <a:schemeClr val="tx1">
+                    <a:tint val="75000"/>
+                  </a:schemeClr>
+                </a:solidFill>
+              </a:defRPr>
             </a:lvl6pPr>
             <a:lvl7pPr marL="2743200" indent="0" algn="ctr">
               <a:buNone/>
-              <a:defRPr sz="1600"/>
+              <a:defRPr>
+                <a:solidFill>
+                  <a:schemeClr val="tx1">
+                    <a:tint val="75000"/>
+                  </a:schemeClr>
+                </a:solidFill>
+              </a:defRPr>
             </a:lvl7pPr>
             <a:lvl8pPr marL="3200400" indent="0" algn="ctr">
               <a:buNone/>
-              <a:defRPr sz="1600"/>
+              <a:defRPr>
+                <a:solidFill>
+                  <a:schemeClr val="tx1">
+                    <a:tint val="75000"/>
+                  </a:schemeClr>
+                </a:solidFill>
+              </a:defRPr>
             </a:lvl8pPr>
             <a:lvl9pPr marL="3657600" indent="0" algn="ctr">
               <a:buNone/>
-              <a:defRPr sz="1600"/>
+              <a:defRPr>
+                <a:solidFill>
+                  <a:schemeClr val="tx1">
+                    <a:tint val="75000"/>
+                  </a:schemeClr>
+                </a:solidFill>
+              </a:defRPr>
             </a:lvl9pPr>
           </a:lstStyle>
           <a:p>
@@ -229,7 +825,7 @@
               <a:rPr lang="en-US" smtClean="0"/>
               <a:t>Click to edit Master subtitle style</a:t>
             </a:r>
-            <a:endParaRPr lang="en-US"/>
+            <a:endParaRPr lang="en-US" dirty="0"/>
           </a:p>
         </p:txBody>
       </p:sp>
@@ -250,7 +846,7 @@
           <a:p>
             <a:fld id="{535BF83A-C96E-4538-A700-40CFEE0A1F45}" type="datetimeFigureOut">
               <a:rPr lang="en-US" smtClean="0"/>
-              <a:t>06-05-2024</a:t>
+              <a:t>22-06-2024</a:t>
             </a:fld>
             <a:endParaRPr lang="en-US"/>
           </a:p>
@@ -301,7 +897,7 @@
     </p:spTree>
     <p:extLst>
       <p:ext uri="{BB962C8B-B14F-4D97-AF65-F5344CB8AC3E}">
-        <p14:creationId xmlns:p14="http://schemas.microsoft.com/office/powerpoint/2010/main" val="1437681128"/>
+        <p14:creationId xmlns:p14="http://schemas.microsoft.com/office/powerpoint/2010/main" val="3367593300"/>
       </p:ext>
     </p:extLst>
   </p:cSld>
@@ -312,6 +908,1619 @@
 </file>
 
 <file path=ppt/slideLayouts/slideLayout10.xml><?xml version="1.0" encoding="utf-8"?>
+<p:sldLayout xmlns:a="http://schemas.openxmlformats.org/drawingml/2006/main" xmlns:r="http://schemas.openxmlformats.org/officeDocument/2006/relationships" xmlns:p="http://schemas.openxmlformats.org/presentationml/2006/main" preserve="1">
+  <p:cSld name="Title and Caption">
+    <p:spTree>
+      <p:nvGrpSpPr>
+        <p:cNvPr id="1" name=""/>
+        <p:cNvGrpSpPr/>
+        <p:nvPr/>
+      </p:nvGrpSpPr>
+      <p:grpSpPr>
+        <a:xfrm>
+          <a:off x="0" y="0"/>
+          <a:ext cx="0" cy="0"/>
+          <a:chOff x="0" y="0"/>
+          <a:chExt cx="0" cy="0"/>
+        </a:xfrm>
+      </p:grpSpPr>
+      <p:sp>
+        <p:nvSpPr>
+          <p:cNvPr id="2" name="Title 1"/>
+          <p:cNvSpPr>
+            <a:spLocks noGrp="1"/>
+          </p:cNvSpPr>
+          <p:nvPr>
+            <p:ph type="title"/>
+          </p:nvPr>
+        </p:nvSpPr>
+        <p:spPr>
+          <a:xfrm>
+            <a:off x="677335" y="609600"/>
+            <a:ext cx="8596668" cy="3403600"/>
+          </a:xfrm>
+        </p:spPr>
+        <p:txBody>
+          <a:bodyPr anchor="ctr">
+            <a:normAutofit/>
+          </a:bodyPr>
+          <a:lstStyle>
+            <a:lvl1pPr algn="l">
+              <a:defRPr sz="4400" b="0" cap="none"/>
+            </a:lvl1pPr>
+          </a:lstStyle>
+          <a:p>
+            <a:r>
+              <a:rPr lang="en-US" smtClean="0"/>
+              <a:t>Click to edit Master title style</a:t>
+            </a:r>
+            <a:endParaRPr lang="en-US" dirty="0"/>
+          </a:p>
+        </p:txBody>
+      </p:sp>
+      <p:sp>
+        <p:nvSpPr>
+          <p:cNvPr id="3" name="Text Placeholder 2"/>
+          <p:cNvSpPr>
+            <a:spLocks noGrp="1"/>
+          </p:cNvSpPr>
+          <p:nvPr>
+            <p:ph type="body" idx="1"/>
+          </p:nvPr>
+        </p:nvSpPr>
+        <p:spPr>
+          <a:xfrm>
+            <a:off x="677335" y="4470400"/>
+            <a:ext cx="8596668" cy="1570962"/>
+          </a:xfrm>
+        </p:spPr>
+        <p:txBody>
+          <a:bodyPr anchor="ctr">
+            <a:normAutofit/>
+          </a:bodyPr>
+          <a:lstStyle>
+            <a:lvl1pPr marL="0" indent="0" algn="l">
+              <a:buNone/>
+              <a:defRPr sz="1800">
+                <a:solidFill>
+                  <a:schemeClr val="tx1">
+                    <a:lumMod val="75000"/>
+                    <a:lumOff val="25000"/>
+                  </a:schemeClr>
+                </a:solidFill>
+              </a:defRPr>
+            </a:lvl1pPr>
+            <a:lvl2pPr marL="457200" indent="0">
+              <a:buNone/>
+              <a:defRPr sz="1800">
+                <a:solidFill>
+                  <a:schemeClr val="tx1">
+                    <a:tint val="75000"/>
+                  </a:schemeClr>
+                </a:solidFill>
+              </a:defRPr>
+            </a:lvl2pPr>
+            <a:lvl3pPr marL="914400" indent="0">
+              <a:buNone/>
+              <a:defRPr sz="1600">
+                <a:solidFill>
+                  <a:schemeClr val="tx1">
+                    <a:tint val="75000"/>
+                  </a:schemeClr>
+                </a:solidFill>
+              </a:defRPr>
+            </a:lvl3pPr>
+            <a:lvl4pPr marL="1371600" indent="0">
+              <a:buNone/>
+              <a:defRPr sz="1400">
+                <a:solidFill>
+                  <a:schemeClr val="tx1">
+                    <a:tint val="75000"/>
+                  </a:schemeClr>
+                </a:solidFill>
+              </a:defRPr>
+            </a:lvl4pPr>
+            <a:lvl5pPr marL="1828800" indent="0">
+              <a:buNone/>
+              <a:defRPr sz="1400">
+                <a:solidFill>
+                  <a:schemeClr val="tx1">
+                    <a:tint val="75000"/>
+                  </a:schemeClr>
+                </a:solidFill>
+              </a:defRPr>
+            </a:lvl5pPr>
+            <a:lvl6pPr marL="2286000" indent="0">
+              <a:buNone/>
+              <a:defRPr sz="1400">
+                <a:solidFill>
+                  <a:schemeClr val="tx1">
+                    <a:tint val="75000"/>
+                  </a:schemeClr>
+                </a:solidFill>
+              </a:defRPr>
+            </a:lvl6pPr>
+            <a:lvl7pPr marL="2743200" indent="0">
+              <a:buNone/>
+              <a:defRPr sz="1400">
+                <a:solidFill>
+                  <a:schemeClr val="tx1">
+                    <a:tint val="75000"/>
+                  </a:schemeClr>
+                </a:solidFill>
+              </a:defRPr>
+            </a:lvl7pPr>
+            <a:lvl8pPr marL="3200400" indent="0">
+              <a:buNone/>
+              <a:defRPr sz="1400">
+                <a:solidFill>
+                  <a:schemeClr val="tx1">
+                    <a:tint val="75000"/>
+                  </a:schemeClr>
+                </a:solidFill>
+              </a:defRPr>
+            </a:lvl8pPr>
+            <a:lvl9pPr marL="3657600" indent="0">
+              <a:buNone/>
+              <a:defRPr sz="1400">
+                <a:solidFill>
+                  <a:schemeClr val="tx1">
+                    <a:tint val="75000"/>
+                  </a:schemeClr>
+                </a:solidFill>
+              </a:defRPr>
+            </a:lvl9pPr>
+          </a:lstStyle>
+          <a:p>
+            <a:pPr lvl="0"/>
+            <a:r>
+              <a:rPr lang="en-US" smtClean="0"/>
+              <a:t>Click to edit Master text styles</a:t>
+            </a:r>
+          </a:p>
+        </p:txBody>
+      </p:sp>
+      <p:sp>
+        <p:nvSpPr>
+          <p:cNvPr id="4" name="Date Placeholder 3"/>
+          <p:cNvSpPr>
+            <a:spLocks noGrp="1"/>
+          </p:cNvSpPr>
+          <p:nvPr>
+            <p:ph type="dt" sz="half" idx="10"/>
+          </p:nvPr>
+        </p:nvSpPr>
+        <p:spPr/>
+        <p:txBody>
+          <a:bodyPr/>
+          <a:lstStyle/>
+          <a:p>
+            <a:fld id="{535BF83A-C96E-4538-A700-40CFEE0A1F45}" type="datetimeFigureOut">
+              <a:rPr lang="en-US" smtClean="0"/>
+              <a:t>22-06-2024</a:t>
+            </a:fld>
+            <a:endParaRPr lang="en-US"/>
+          </a:p>
+        </p:txBody>
+      </p:sp>
+      <p:sp>
+        <p:nvSpPr>
+          <p:cNvPr id="5" name="Footer Placeholder 4"/>
+          <p:cNvSpPr>
+            <a:spLocks noGrp="1"/>
+          </p:cNvSpPr>
+          <p:nvPr>
+            <p:ph type="ftr" sz="quarter" idx="11"/>
+          </p:nvPr>
+        </p:nvSpPr>
+        <p:spPr/>
+        <p:txBody>
+          <a:bodyPr/>
+          <a:lstStyle/>
+          <a:p>
+            <a:endParaRPr lang="en-US"/>
+          </a:p>
+        </p:txBody>
+      </p:sp>
+      <p:sp>
+        <p:nvSpPr>
+          <p:cNvPr id="6" name="Slide Number Placeholder 5"/>
+          <p:cNvSpPr>
+            <a:spLocks noGrp="1"/>
+          </p:cNvSpPr>
+          <p:nvPr>
+            <p:ph type="sldNum" sz="quarter" idx="12"/>
+          </p:nvPr>
+        </p:nvSpPr>
+        <p:spPr/>
+        <p:txBody>
+          <a:bodyPr/>
+          <a:lstStyle/>
+          <a:p>
+            <a:fld id="{3C624E69-56A1-4EC7-8597-EE733A901775}" type="slidenum">
+              <a:rPr lang="en-US" smtClean="0"/>
+              <a:t>‹#›</a:t>
+            </a:fld>
+            <a:endParaRPr lang="en-US"/>
+          </a:p>
+        </p:txBody>
+      </p:sp>
+    </p:spTree>
+    <p:extLst>
+      <p:ext uri="{BB962C8B-B14F-4D97-AF65-F5344CB8AC3E}">
+        <p14:creationId xmlns:p14="http://schemas.microsoft.com/office/powerpoint/2010/main" val="2341043643"/>
+      </p:ext>
+    </p:extLst>
+  </p:cSld>
+  <p:clrMapOvr>
+    <a:masterClrMapping/>
+  </p:clrMapOvr>
+</p:sldLayout>
+</file>
+
+<file path=ppt/slideLayouts/slideLayout11.xml><?xml version="1.0" encoding="utf-8"?>
+<p:sldLayout xmlns:a="http://schemas.openxmlformats.org/drawingml/2006/main" xmlns:r="http://schemas.openxmlformats.org/officeDocument/2006/relationships" xmlns:p="http://schemas.openxmlformats.org/presentationml/2006/main" preserve="1">
+  <p:cSld name="Quote with Caption">
+    <p:spTree>
+      <p:nvGrpSpPr>
+        <p:cNvPr id="1" name=""/>
+        <p:cNvGrpSpPr/>
+        <p:nvPr/>
+      </p:nvGrpSpPr>
+      <p:grpSpPr>
+        <a:xfrm>
+          <a:off x="0" y="0"/>
+          <a:ext cx="0" cy="0"/>
+          <a:chOff x="0" y="0"/>
+          <a:chExt cx="0" cy="0"/>
+        </a:xfrm>
+      </p:grpSpPr>
+      <p:sp>
+        <p:nvSpPr>
+          <p:cNvPr id="2" name="Title 1"/>
+          <p:cNvSpPr>
+            <a:spLocks noGrp="1"/>
+          </p:cNvSpPr>
+          <p:nvPr>
+            <p:ph type="title"/>
+          </p:nvPr>
+        </p:nvSpPr>
+        <p:spPr>
+          <a:xfrm>
+            <a:off x="931334" y="609600"/>
+            <a:ext cx="8094134" cy="3022600"/>
+          </a:xfrm>
+        </p:spPr>
+        <p:txBody>
+          <a:bodyPr anchor="ctr">
+            <a:normAutofit/>
+          </a:bodyPr>
+          <a:lstStyle>
+            <a:lvl1pPr algn="l">
+              <a:defRPr sz="4400" b="0" cap="none"/>
+            </a:lvl1pPr>
+          </a:lstStyle>
+          <a:p>
+            <a:r>
+              <a:rPr lang="en-US" smtClean="0"/>
+              <a:t>Click to edit Master title style</a:t>
+            </a:r>
+            <a:endParaRPr lang="en-US" dirty="0"/>
+          </a:p>
+        </p:txBody>
+      </p:sp>
+      <p:sp>
+        <p:nvSpPr>
+          <p:cNvPr id="23" name="Text Placeholder 9"/>
+          <p:cNvSpPr>
+            <a:spLocks noGrp="1"/>
+          </p:cNvSpPr>
+          <p:nvPr>
+            <p:ph type="body" sz="quarter" idx="13"/>
+          </p:nvPr>
+        </p:nvSpPr>
+        <p:spPr>
+          <a:xfrm>
+            <a:off x="1366139" y="3632200"/>
+            <a:ext cx="7224524" cy="381000"/>
+          </a:xfrm>
+        </p:spPr>
+        <p:txBody>
+          <a:bodyPr anchor="ctr">
+            <a:noAutofit/>
+          </a:bodyPr>
+          <a:lstStyle>
+            <a:lvl1pPr marL="0" indent="0">
+              <a:buFontTx/>
+              <a:buNone/>
+              <a:defRPr sz="1600">
+                <a:solidFill>
+                  <a:schemeClr val="tx1">
+                    <a:lumMod val="50000"/>
+                    <a:lumOff val="50000"/>
+                  </a:schemeClr>
+                </a:solidFill>
+              </a:defRPr>
+            </a:lvl1pPr>
+            <a:lvl2pPr marL="457200" indent="0">
+              <a:buFontTx/>
+              <a:buNone/>
+              <a:defRPr/>
+            </a:lvl2pPr>
+            <a:lvl3pPr marL="914400" indent="0">
+              <a:buFontTx/>
+              <a:buNone/>
+              <a:defRPr/>
+            </a:lvl3pPr>
+            <a:lvl4pPr marL="1371600" indent="0">
+              <a:buFontTx/>
+              <a:buNone/>
+              <a:defRPr/>
+            </a:lvl4pPr>
+            <a:lvl5pPr marL="1828800" indent="0">
+              <a:buFontTx/>
+              <a:buNone/>
+              <a:defRPr/>
+            </a:lvl5pPr>
+          </a:lstStyle>
+          <a:p>
+            <a:pPr lvl="0"/>
+            <a:r>
+              <a:rPr lang="en-US" smtClean="0"/>
+              <a:t>Click to edit Master text styles</a:t>
+            </a:r>
+          </a:p>
+        </p:txBody>
+      </p:sp>
+      <p:sp>
+        <p:nvSpPr>
+          <p:cNvPr id="3" name="Text Placeholder 2"/>
+          <p:cNvSpPr>
+            <a:spLocks noGrp="1"/>
+          </p:cNvSpPr>
+          <p:nvPr>
+            <p:ph type="body" idx="1"/>
+          </p:nvPr>
+        </p:nvSpPr>
+        <p:spPr>
+          <a:xfrm>
+            <a:off x="677335" y="4470400"/>
+            <a:ext cx="8596668" cy="1570962"/>
+          </a:xfrm>
+        </p:spPr>
+        <p:txBody>
+          <a:bodyPr anchor="ctr">
+            <a:normAutofit/>
+          </a:bodyPr>
+          <a:lstStyle>
+            <a:lvl1pPr marL="0" indent="0" algn="l">
+              <a:buNone/>
+              <a:defRPr sz="1800">
+                <a:solidFill>
+                  <a:schemeClr val="tx1">
+                    <a:lumMod val="75000"/>
+                    <a:lumOff val="25000"/>
+                  </a:schemeClr>
+                </a:solidFill>
+              </a:defRPr>
+            </a:lvl1pPr>
+            <a:lvl2pPr marL="457200" indent="0">
+              <a:buNone/>
+              <a:defRPr sz="1800">
+                <a:solidFill>
+                  <a:schemeClr val="tx1">
+                    <a:tint val="75000"/>
+                  </a:schemeClr>
+                </a:solidFill>
+              </a:defRPr>
+            </a:lvl2pPr>
+            <a:lvl3pPr marL="914400" indent="0">
+              <a:buNone/>
+              <a:defRPr sz="1600">
+                <a:solidFill>
+                  <a:schemeClr val="tx1">
+                    <a:tint val="75000"/>
+                  </a:schemeClr>
+                </a:solidFill>
+              </a:defRPr>
+            </a:lvl3pPr>
+            <a:lvl4pPr marL="1371600" indent="0">
+              <a:buNone/>
+              <a:defRPr sz="1400">
+                <a:solidFill>
+                  <a:schemeClr val="tx1">
+                    <a:tint val="75000"/>
+                  </a:schemeClr>
+                </a:solidFill>
+              </a:defRPr>
+            </a:lvl4pPr>
+            <a:lvl5pPr marL="1828800" indent="0">
+              <a:buNone/>
+              <a:defRPr sz="1400">
+                <a:solidFill>
+                  <a:schemeClr val="tx1">
+                    <a:tint val="75000"/>
+                  </a:schemeClr>
+                </a:solidFill>
+              </a:defRPr>
+            </a:lvl5pPr>
+            <a:lvl6pPr marL="2286000" indent="0">
+              <a:buNone/>
+              <a:defRPr sz="1400">
+                <a:solidFill>
+                  <a:schemeClr val="tx1">
+                    <a:tint val="75000"/>
+                  </a:schemeClr>
+                </a:solidFill>
+              </a:defRPr>
+            </a:lvl6pPr>
+            <a:lvl7pPr marL="2743200" indent="0">
+              <a:buNone/>
+              <a:defRPr sz="1400">
+                <a:solidFill>
+                  <a:schemeClr val="tx1">
+                    <a:tint val="75000"/>
+                  </a:schemeClr>
+                </a:solidFill>
+              </a:defRPr>
+            </a:lvl7pPr>
+            <a:lvl8pPr marL="3200400" indent="0">
+              <a:buNone/>
+              <a:defRPr sz="1400">
+                <a:solidFill>
+                  <a:schemeClr val="tx1">
+                    <a:tint val="75000"/>
+                  </a:schemeClr>
+                </a:solidFill>
+              </a:defRPr>
+            </a:lvl8pPr>
+            <a:lvl9pPr marL="3657600" indent="0">
+              <a:buNone/>
+              <a:defRPr sz="1400">
+                <a:solidFill>
+                  <a:schemeClr val="tx1">
+                    <a:tint val="75000"/>
+                  </a:schemeClr>
+                </a:solidFill>
+              </a:defRPr>
+            </a:lvl9pPr>
+          </a:lstStyle>
+          <a:p>
+            <a:pPr lvl="0"/>
+            <a:r>
+              <a:rPr lang="en-US" smtClean="0"/>
+              <a:t>Click to edit Master text styles</a:t>
+            </a:r>
+          </a:p>
+        </p:txBody>
+      </p:sp>
+      <p:sp>
+        <p:nvSpPr>
+          <p:cNvPr id="4" name="Date Placeholder 3"/>
+          <p:cNvSpPr>
+            <a:spLocks noGrp="1"/>
+          </p:cNvSpPr>
+          <p:nvPr>
+            <p:ph type="dt" sz="half" idx="10"/>
+          </p:nvPr>
+        </p:nvSpPr>
+        <p:spPr/>
+        <p:txBody>
+          <a:bodyPr/>
+          <a:lstStyle/>
+          <a:p>
+            <a:fld id="{535BF83A-C96E-4538-A700-40CFEE0A1F45}" type="datetimeFigureOut">
+              <a:rPr lang="en-US" smtClean="0"/>
+              <a:t>22-06-2024</a:t>
+            </a:fld>
+            <a:endParaRPr lang="en-US"/>
+          </a:p>
+        </p:txBody>
+      </p:sp>
+      <p:sp>
+        <p:nvSpPr>
+          <p:cNvPr id="5" name="Footer Placeholder 4"/>
+          <p:cNvSpPr>
+            <a:spLocks noGrp="1"/>
+          </p:cNvSpPr>
+          <p:nvPr>
+            <p:ph type="ftr" sz="quarter" idx="11"/>
+          </p:nvPr>
+        </p:nvSpPr>
+        <p:spPr/>
+        <p:txBody>
+          <a:bodyPr/>
+          <a:lstStyle/>
+          <a:p>
+            <a:endParaRPr lang="en-US"/>
+          </a:p>
+        </p:txBody>
+      </p:sp>
+      <p:sp>
+        <p:nvSpPr>
+          <p:cNvPr id="6" name="Slide Number Placeholder 5"/>
+          <p:cNvSpPr>
+            <a:spLocks noGrp="1"/>
+          </p:cNvSpPr>
+          <p:nvPr>
+            <p:ph type="sldNum" sz="quarter" idx="12"/>
+          </p:nvPr>
+        </p:nvSpPr>
+        <p:spPr/>
+        <p:txBody>
+          <a:bodyPr/>
+          <a:lstStyle/>
+          <a:p>
+            <a:fld id="{3C624E69-56A1-4EC7-8597-EE733A901775}" type="slidenum">
+              <a:rPr lang="en-US" smtClean="0"/>
+              <a:t>‹#›</a:t>
+            </a:fld>
+            <a:endParaRPr lang="en-US"/>
+          </a:p>
+        </p:txBody>
+      </p:sp>
+      <p:sp>
+        <p:nvSpPr>
+          <p:cNvPr id="20" name="TextBox 19"/>
+          <p:cNvSpPr txBox="1"/>
+          <p:nvPr/>
+        </p:nvSpPr>
+        <p:spPr>
+          <a:xfrm>
+            <a:off x="541870" y="790378"/>
+            <a:ext cx="609600" cy="584776"/>
+          </a:xfrm>
+          <a:prstGeom prst="rect">
+            <a:avLst/>
+          </a:prstGeom>
+        </p:spPr>
+        <p:txBody>
+          <a:bodyPr vert="horz" lIns="91440" tIns="45720" rIns="91440" bIns="45720" rtlCol="0" anchor="ctr">
+            <a:noAutofit/>
+          </a:bodyPr>
+          <a:lstStyle/>
+          <a:p>
+            <a:pPr lvl="0"/>
+            <a:r>
+              <a:rPr lang="en-US" sz="8000" baseline="0" dirty="0">
+                <a:ln w="3175" cmpd="sng">
+                  <a:noFill/>
+                </a:ln>
+                <a:solidFill>
+                  <a:schemeClr val="accent1">
+                    <a:lumMod val="60000"/>
+                    <a:lumOff val="40000"/>
+                  </a:schemeClr>
+                </a:solidFill>
+                <a:effectLst/>
+                <a:latin typeface="Arial"/>
+              </a:rPr>
+              <a:t>“</a:t>
+            </a:r>
+          </a:p>
+        </p:txBody>
+      </p:sp>
+      <p:sp>
+        <p:nvSpPr>
+          <p:cNvPr id="22" name="TextBox 21"/>
+          <p:cNvSpPr txBox="1"/>
+          <p:nvPr/>
+        </p:nvSpPr>
+        <p:spPr>
+          <a:xfrm>
+            <a:off x="8893011" y="2886556"/>
+            <a:ext cx="609600" cy="584776"/>
+          </a:xfrm>
+          <a:prstGeom prst="rect">
+            <a:avLst/>
+          </a:prstGeom>
+        </p:spPr>
+        <p:txBody>
+          <a:bodyPr vert="horz" lIns="91440" tIns="45720" rIns="91440" bIns="45720" rtlCol="0" anchor="ctr">
+            <a:noAutofit/>
+          </a:bodyPr>
+          <a:lstStyle/>
+          <a:p>
+            <a:pPr lvl="0"/>
+            <a:r>
+              <a:rPr lang="en-US" sz="8000" baseline="0" dirty="0">
+                <a:ln w="3175" cmpd="sng">
+                  <a:noFill/>
+                </a:ln>
+                <a:solidFill>
+                  <a:schemeClr val="accent1">
+                    <a:lumMod val="60000"/>
+                    <a:lumOff val="40000"/>
+                  </a:schemeClr>
+                </a:solidFill>
+                <a:latin typeface="Arial"/>
+              </a:rPr>
+              <a:t>”</a:t>
+            </a:r>
+            <a:endParaRPr lang="en-US" dirty="0">
+              <a:solidFill>
+                <a:schemeClr val="accent1">
+                  <a:lumMod val="60000"/>
+                  <a:lumOff val="40000"/>
+                </a:schemeClr>
+              </a:solidFill>
+              <a:latin typeface="Arial"/>
+            </a:endParaRPr>
+          </a:p>
+        </p:txBody>
+      </p:sp>
+    </p:spTree>
+    <p:extLst>
+      <p:ext uri="{BB962C8B-B14F-4D97-AF65-F5344CB8AC3E}">
+        <p14:creationId xmlns:p14="http://schemas.microsoft.com/office/powerpoint/2010/main" val="1259391009"/>
+      </p:ext>
+    </p:extLst>
+  </p:cSld>
+  <p:clrMapOvr>
+    <a:masterClrMapping/>
+  </p:clrMapOvr>
+</p:sldLayout>
+</file>
+
+<file path=ppt/slideLayouts/slideLayout12.xml><?xml version="1.0" encoding="utf-8"?>
+<p:sldLayout xmlns:a="http://schemas.openxmlformats.org/drawingml/2006/main" xmlns:r="http://schemas.openxmlformats.org/officeDocument/2006/relationships" xmlns:p="http://schemas.openxmlformats.org/presentationml/2006/main" preserve="1">
+  <p:cSld name="Name Card">
+    <p:spTree>
+      <p:nvGrpSpPr>
+        <p:cNvPr id="1" name=""/>
+        <p:cNvGrpSpPr/>
+        <p:nvPr/>
+      </p:nvGrpSpPr>
+      <p:grpSpPr>
+        <a:xfrm>
+          <a:off x="0" y="0"/>
+          <a:ext cx="0" cy="0"/>
+          <a:chOff x="0" y="0"/>
+          <a:chExt cx="0" cy="0"/>
+        </a:xfrm>
+      </p:grpSpPr>
+      <p:sp>
+        <p:nvSpPr>
+          <p:cNvPr id="2" name="Title 1"/>
+          <p:cNvSpPr>
+            <a:spLocks noGrp="1"/>
+          </p:cNvSpPr>
+          <p:nvPr>
+            <p:ph type="title"/>
+          </p:nvPr>
+        </p:nvSpPr>
+        <p:spPr>
+          <a:xfrm>
+            <a:off x="677335" y="1931988"/>
+            <a:ext cx="8596668" cy="2595460"/>
+          </a:xfrm>
+        </p:spPr>
+        <p:txBody>
+          <a:bodyPr anchor="b">
+            <a:normAutofit/>
+          </a:bodyPr>
+          <a:lstStyle>
+            <a:lvl1pPr algn="l">
+              <a:defRPr sz="4400" b="0" cap="none"/>
+            </a:lvl1pPr>
+          </a:lstStyle>
+          <a:p>
+            <a:r>
+              <a:rPr lang="en-US" smtClean="0"/>
+              <a:t>Click to edit Master title style</a:t>
+            </a:r>
+            <a:endParaRPr lang="en-US" dirty="0"/>
+          </a:p>
+        </p:txBody>
+      </p:sp>
+      <p:sp>
+        <p:nvSpPr>
+          <p:cNvPr id="3" name="Text Placeholder 2"/>
+          <p:cNvSpPr>
+            <a:spLocks noGrp="1"/>
+          </p:cNvSpPr>
+          <p:nvPr>
+            <p:ph type="body" idx="1"/>
+          </p:nvPr>
+        </p:nvSpPr>
+        <p:spPr>
+          <a:xfrm>
+            <a:off x="677335" y="4527448"/>
+            <a:ext cx="8596668" cy="1513914"/>
+          </a:xfrm>
+        </p:spPr>
+        <p:txBody>
+          <a:bodyPr anchor="t">
+            <a:normAutofit/>
+          </a:bodyPr>
+          <a:lstStyle>
+            <a:lvl1pPr marL="0" indent="0" algn="l">
+              <a:buNone/>
+              <a:defRPr sz="1800">
+                <a:solidFill>
+                  <a:schemeClr val="tx1">
+                    <a:lumMod val="75000"/>
+                    <a:lumOff val="25000"/>
+                  </a:schemeClr>
+                </a:solidFill>
+              </a:defRPr>
+            </a:lvl1pPr>
+            <a:lvl2pPr marL="457200" indent="0">
+              <a:buNone/>
+              <a:defRPr sz="1800">
+                <a:solidFill>
+                  <a:schemeClr val="tx1">
+                    <a:tint val="75000"/>
+                  </a:schemeClr>
+                </a:solidFill>
+              </a:defRPr>
+            </a:lvl2pPr>
+            <a:lvl3pPr marL="914400" indent="0">
+              <a:buNone/>
+              <a:defRPr sz="1600">
+                <a:solidFill>
+                  <a:schemeClr val="tx1">
+                    <a:tint val="75000"/>
+                  </a:schemeClr>
+                </a:solidFill>
+              </a:defRPr>
+            </a:lvl3pPr>
+            <a:lvl4pPr marL="1371600" indent="0">
+              <a:buNone/>
+              <a:defRPr sz="1400">
+                <a:solidFill>
+                  <a:schemeClr val="tx1">
+                    <a:tint val="75000"/>
+                  </a:schemeClr>
+                </a:solidFill>
+              </a:defRPr>
+            </a:lvl4pPr>
+            <a:lvl5pPr marL="1828800" indent="0">
+              <a:buNone/>
+              <a:defRPr sz="1400">
+                <a:solidFill>
+                  <a:schemeClr val="tx1">
+                    <a:tint val="75000"/>
+                  </a:schemeClr>
+                </a:solidFill>
+              </a:defRPr>
+            </a:lvl5pPr>
+            <a:lvl6pPr marL="2286000" indent="0">
+              <a:buNone/>
+              <a:defRPr sz="1400">
+                <a:solidFill>
+                  <a:schemeClr val="tx1">
+                    <a:tint val="75000"/>
+                  </a:schemeClr>
+                </a:solidFill>
+              </a:defRPr>
+            </a:lvl6pPr>
+            <a:lvl7pPr marL="2743200" indent="0">
+              <a:buNone/>
+              <a:defRPr sz="1400">
+                <a:solidFill>
+                  <a:schemeClr val="tx1">
+                    <a:tint val="75000"/>
+                  </a:schemeClr>
+                </a:solidFill>
+              </a:defRPr>
+            </a:lvl7pPr>
+            <a:lvl8pPr marL="3200400" indent="0">
+              <a:buNone/>
+              <a:defRPr sz="1400">
+                <a:solidFill>
+                  <a:schemeClr val="tx1">
+                    <a:tint val="75000"/>
+                  </a:schemeClr>
+                </a:solidFill>
+              </a:defRPr>
+            </a:lvl8pPr>
+            <a:lvl9pPr marL="3657600" indent="0">
+              <a:buNone/>
+              <a:defRPr sz="1400">
+                <a:solidFill>
+                  <a:schemeClr val="tx1">
+                    <a:tint val="75000"/>
+                  </a:schemeClr>
+                </a:solidFill>
+              </a:defRPr>
+            </a:lvl9pPr>
+          </a:lstStyle>
+          <a:p>
+            <a:pPr lvl="0"/>
+            <a:r>
+              <a:rPr lang="en-US" smtClean="0"/>
+              <a:t>Click to edit Master text styles</a:t>
+            </a:r>
+          </a:p>
+        </p:txBody>
+      </p:sp>
+      <p:sp>
+        <p:nvSpPr>
+          <p:cNvPr id="4" name="Date Placeholder 3"/>
+          <p:cNvSpPr>
+            <a:spLocks noGrp="1"/>
+          </p:cNvSpPr>
+          <p:nvPr>
+            <p:ph type="dt" sz="half" idx="10"/>
+          </p:nvPr>
+        </p:nvSpPr>
+        <p:spPr/>
+        <p:txBody>
+          <a:bodyPr/>
+          <a:lstStyle/>
+          <a:p>
+            <a:fld id="{535BF83A-C96E-4538-A700-40CFEE0A1F45}" type="datetimeFigureOut">
+              <a:rPr lang="en-US" smtClean="0"/>
+              <a:t>22-06-2024</a:t>
+            </a:fld>
+            <a:endParaRPr lang="en-US"/>
+          </a:p>
+        </p:txBody>
+      </p:sp>
+      <p:sp>
+        <p:nvSpPr>
+          <p:cNvPr id="5" name="Footer Placeholder 4"/>
+          <p:cNvSpPr>
+            <a:spLocks noGrp="1"/>
+          </p:cNvSpPr>
+          <p:nvPr>
+            <p:ph type="ftr" sz="quarter" idx="11"/>
+          </p:nvPr>
+        </p:nvSpPr>
+        <p:spPr/>
+        <p:txBody>
+          <a:bodyPr/>
+          <a:lstStyle/>
+          <a:p>
+            <a:endParaRPr lang="en-US"/>
+          </a:p>
+        </p:txBody>
+      </p:sp>
+      <p:sp>
+        <p:nvSpPr>
+          <p:cNvPr id="6" name="Slide Number Placeholder 5"/>
+          <p:cNvSpPr>
+            <a:spLocks noGrp="1"/>
+          </p:cNvSpPr>
+          <p:nvPr>
+            <p:ph type="sldNum" sz="quarter" idx="12"/>
+          </p:nvPr>
+        </p:nvSpPr>
+        <p:spPr/>
+        <p:txBody>
+          <a:bodyPr/>
+          <a:lstStyle/>
+          <a:p>
+            <a:fld id="{3C624E69-56A1-4EC7-8597-EE733A901775}" type="slidenum">
+              <a:rPr lang="en-US" smtClean="0"/>
+              <a:t>‹#›</a:t>
+            </a:fld>
+            <a:endParaRPr lang="en-US"/>
+          </a:p>
+        </p:txBody>
+      </p:sp>
+    </p:spTree>
+    <p:extLst>
+      <p:ext uri="{BB962C8B-B14F-4D97-AF65-F5344CB8AC3E}">
+        <p14:creationId xmlns:p14="http://schemas.microsoft.com/office/powerpoint/2010/main" val="2481917264"/>
+      </p:ext>
+    </p:extLst>
+  </p:cSld>
+  <p:clrMapOvr>
+    <a:masterClrMapping/>
+  </p:clrMapOvr>
+</p:sldLayout>
+</file>
+
+<file path=ppt/slideLayouts/slideLayout13.xml><?xml version="1.0" encoding="utf-8"?>
+<p:sldLayout xmlns:a="http://schemas.openxmlformats.org/drawingml/2006/main" xmlns:r="http://schemas.openxmlformats.org/officeDocument/2006/relationships" xmlns:p="http://schemas.openxmlformats.org/presentationml/2006/main" preserve="1">
+  <p:cSld name="Quote Name Card">
+    <p:spTree>
+      <p:nvGrpSpPr>
+        <p:cNvPr id="1" name=""/>
+        <p:cNvGrpSpPr/>
+        <p:nvPr/>
+      </p:nvGrpSpPr>
+      <p:grpSpPr>
+        <a:xfrm>
+          <a:off x="0" y="0"/>
+          <a:ext cx="0" cy="0"/>
+          <a:chOff x="0" y="0"/>
+          <a:chExt cx="0" cy="0"/>
+        </a:xfrm>
+      </p:grpSpPr>
+      <p:sp>
+        <p:nvSpPr>
+          <p:cNvPr id="2" name="Title 1"/>
+          <p:cNvSpPr>
+            <a:spLocks noGrp="1"/>
+          </p:cNvSpPr>
+          <p:nvPr>
+            <p:ph type="title"/>
+          </p:nvPr>
+        </p:nvSpPr>
+        <p:spPr>
+          <a:xfrm>
+            <a:off x="931334" y="609600"/>
+            <a:ext cx="8094134" cy="3022600"/>
+          </a:xfrm>
+        </p:spPr>
+        <p:txBody>
+          <a:bodyPr anchor="ctr">
+            <a:normAutofit/>
+          </a:bodyPr>
+          <a:lstStyle>
+            <a:lvl1pPr algn="l">
+              <a:defRPr sz="4400" b="0" cap="none"/>
+            </a:lvl1pPr>
+          </a:lstStyle>
+          <a:p>
+            <a:r>
+              <a:rPr lang="en-US" smtClean="0"/>
+              <a:t>Click to edit Master title style</a:t>
+            </a:r>
+            <a:endParaRPr lang="en-US" dirty="0"/>
+          </a:p>
+        </p:txBody>
+      </p:sp>
+      <p:sp>
+        <p:nvSpPr>
+          <p:cNvPr id="23" name="Text Placeholder 9"/>
+          <p:cNvSpPr>
+            <a:spLocks noGrp="1"/>
+          </p:cNvSpPr>
+          <p:nvPr>
+            <p:ph type="body" sz="quarter" idx="13"/>
+          </p:nvPr>
+        </p:nvSpPr>
+        <p:spPr>
+          <a:xfrm>
+            <a:off x="677332" y="4013200"/>
+            <a:ext cx="8596669" cy="514248"/>
+          </a:xfrm>
+        </p:spPr>
+        <p:txBody>
+          <a:bodyPr anchor="b">
+            <a:noAutofit/>
+          </a:bodyPr>
+          <a:lstStyle>
+            <a:lvl1pPr marL="0" indent="0">
+              <a:buFontTx/>
+              <a:buNone/>
+              <a:defRPr sz="2400">
+                <a:solidFill>
+                  <a:schemeClr val="tx1">
+                    <a:lumMod val="75000"/>
+                    <a:lumOff val="25000"/>
+                  </a:schemeClr>
+                </a:solidFill>
+              </a:defRPr>
+            </a:lvl1pPr>
+            <a:lvl2pPr marL="457200" indent="0">
+              <a:buFontTx/>
+              <a:buNone/>
+              <a:defRPr/>
+            </a:lvl2pPr>
+            <a:lvl3pPr marL="914400" indent="0">
+              <a:buFontTx/>
+              <a:buNone/>
+              <a:defRPr/>
+            </a:lvl3pPr>
+            <a:lvl4pPr marL="1371600" indent="0">
+              <a:buFontTx/>
+              <a:buNone/>
+              <a:defRPr/>
+            </a:lvl4pPr>
+            <a:lvl5pPr marL="1828800" indent="0">
+              <a:buFontTx/>
+              <a:buNone/>
+              <a:defRPr/>
+            </a:lvl5pPr>
+          </a:lstStyle>
+          <a:p>
+            <a:pPr lvl="0"/>
+            <a:r>
+              <a:rPr lang="en-US" smtClean="0"/>
+              <a:t>Click to edit Master text styles</a:t>
+            </a:r>
+          </a:p>
+        </p:txBody>
+      </p:sp>
+      <p:sp>
+        <p:nvSpPr>
+          <p:cNvPr id="3" name="Text Placeholder 2"/>
+          <p:cNvSpPr>
+            <a:spLocks noGrp="1"/>
+          </p:cNvSpPr>
+          <p:nvPr>
+            <p:ph type="body" idx="1"/>
+          </p:nvPr>
+        </p:nvSpPr>
+        <p:spPr>
+          <a:xfrm>
+            <a:off x="677335" y="4527448"/>
+            <a:ext cx="8596668" cy="1513914"/>
+          </a:xfrm>
+        </p:spPr>
+        <p:txBody>
+          <a:bodyPr anchor="t">
+            <a:normAutofit/>
+          </a:bodyPr>
+          <a:lstStyle>
+            <a:lvl1pPr marL="0" indent="0" algn="l">
+              <a:buNone/>
+              <a:defRPr sz="1800">
+                <a:solidFill>
+                  <a:schemeClr val="tx1">
+                    <a:lumMod val="50000"/>
+                    <a:lumOff val="50000"/>
+                  </a:schemeClr>
+                </a:solidFill>
+              </a:defRPr>
+            </a:lvl1pPr>
+            <a:lvl2pPr marL="457200" indent="0">
+              <a:buNone/>
+              <a:defRPr sz="1800">
+                <a:solidFill>
+                  <a:schemeClr val="tx1">
+                    <a:tint val="75000"/>
+                  </a:schemeClr>
+                </a:solidFill>
+              </a:defRPr>
+            </a:lvl2pPr>
+            <a:lvl3pPr marL="914400" indent="0">
+              <a:buNone/>
+              <a:defRPr sz="1600">
+                <a:solidFill>
+                  <a:schemeClr val="tx1">
+                    <a:tint val="75000"/>
+                  </a:schemeClr>
+                </a:solidFill>
+              </a:defRPr>
+            </a:lvl3pPr>
+            <a:lvl4pPr marL="1371600" indent="0">
+              <a:buNone/>
+              <a:defRPr sz="1400">
+                <a:solidFill>
+                  <a:schemeClr val="tx1">
+                    <a:tint val="75000"/>
+                  </a:schemeClr>
+                </a:solidFill>
+              </a:defRPr>
+            </a:lvl4pPr>
+            <a:lvl5pPr marL="1828800" indent="0">
+              <a:buNone/>
+              <a:defRPr sz="1400">
+                <a:solidFill>
+                  <a:schemeClr val="tx1">
+                    <a:tint val="75000"/>
+                  </a:schemeClr>
+                </a:solidFill>
+              </a:defRPr>
+            </a:lvl5pPr>
+            <a:lvl6pPr marL="2286000" indent="0">
+              <a:buNone/>
+              <a:defRPr sz="1400">
+                <a:solidFill>
+                  <a:schemeClr val="tx1">
+                    <a:tint val="75000"/>
+                  </a:schemeClr>
+                </a:solidFill>
+              </a:defRPr>
+            </a:lvl6pPr>
+            <a:lvl7pPr marL="2743200" indent="0">
+              <a:buNone/>
+              <a:defRPr sz="1400">
+                <a:solidFill>
+                  <a:schemeClr val="tx1">
+                    <a:tint val="75000"/>
+                  </a:schemeClr>
+                </a:solidFill>
+              </a:defRPr>
+            </a:lvl7pPr>
+            <a:lvl8pPr marL="3200400" indent="0">
+              <a:buNone/>
+              <a:defRPr sz="1400">
+                <a:solidFill>
+                  <a:schemeClr val="tx1">
+                    <a:tint val="75000"/>
+                  </a:schemeClr>
+                </a:solidFill>
+              </a:defRPr>
+            </a:lvl8pPr>
+            <a:lvl9pPr marL="3657600" indent="0">
+              <a:buNone/>
+              <a:defRPr sz="1400">
+                <a:solidFill>
+                  <a:schemeClr val="tx1">
+                    <a:tint val="75000"/>
+                  </a:schemeClr>
+                </a:solidFill>
+              </a:defRPr>
+            </a:lvl9pPr>
+          </a:lstStyle>
+          <a:p>
+            <a:pPr lvl="0"/>
+            <a:r>
+              <a:rPr lang="en-US" smtClean="0"/>
+              <a:t>Click to edit Master text styles</a:t>
+            </a:r>
+          </a:p>
+        </p:txBody>
+      </p:sp>
+      <p:sp>
+        <p:nvSpPr>
+          <p:cNvPr id="4" name="Date Placeholder 3"/>
+          <p:cNvSpPr>
+            <a:spLocks noGrp="1"/>
+          </p:cNvSpPr>
+          <p:nvPr>
+            <p:ph type="dt" sz="half" idx="10"/>
+          </p:nvPr>
+        </p:nvSpPr>
+        <p:spPr/>
+        <p:txBody>
+          <a:bodyPr/>
+          <a:lstStyle/>
+          <a:p>
+            <a:fld id="{535BF83A-C96E-4538-A700-40CFEE0A1F45}" type="datetimeFigureOut">
+              <a:rPr lang="en-US" smtClean="0"/>
+              <a:t>22-06-2024</a:t>
+            </a:fld>
+            <a:endParaRPr lang="en-US"/>
+          </a:p>
+        </p:txBody>
+      </p:sp>
+      <p:sp>
+        <p:nvSpPr>
+          <p:cNvPr id="5" name="Footer Placeholder 4"/>
+          <p:cNvSpPr>
+            <a:spLocks noGrp="1"/>
+          </p:cNvSpPr>
+          <p:nvPr>
+            <p:ph type="ftr" sz="quarter" idx="11"/>
+          </p:nvPr>
+        </p:nvSpPr>
+        <p:spPr/>
+        <p:txBody>
+          <a:bodyPr/>
+          <a:lstStyle/>
+          <a:p>
+            <a:endParaRPr lang="en-US"/>
+          </a:p>
+        </p:txBody>
+      </p:sp>
+      <p:sp>
+        <p:nvSpPr>
+          <p:cNvPr id="6" name="Slide Number Placeholder 5"/>
+          <p:cNvSpPr>
+            <a:spLocks noGrp="1"/>
+          </p:cNvSpPr>
+          <p:nvPr>
+            <p:ph type="sldNum" sz="quarter" idx="12"/>
+          </p:nvPr>
+        </p:nvSpPr>
+        <p:spPr/>
+        <p:txBody>
+          <a:bodyPr/>
+          <a:lstStyle/>
+          <a:p>
+            <a:fld id="{3C624E69-56A1-4EC7-8597-EE733A901775}" type="slidenum">
+              <a:rPr lang="en-US" smtClean="0"/>
+              <a:t>‹#›</a:t>
+            </a:fld>
+            <a:endParaRPr lang="en-US"/>
+          </a:p>
+        </p:txBody>
+      </p:sp>
+      <p:sp>
+        <p:nvSpPr>
+          <p:cNvPr id="24" name="TextBox 23"/>
+          <p:cNvSpPr txBox="1"/>
+          <p:nvPr/>
+        </p:nvSpPr>
+        <p:spPr>
+          <a:xfrm>
+            <a:off x="541870" y="790378"/>
+            <a:ext cx="609600" cy="584776"/>
+          </a:xfrm>
+          <a:prstGeom prst="rect">
+            <a:avLst/>
+          </a:prstGeom>
+        </p:spPr>
+        <p:txBody>
+          <a:bodyPr vert="horz" lIns="91440" tIns="45720" rIns="91440" bIns="45720" rtlCol="0" anchor="ctr">
+            <a:noAutofit/>
+          </a:bodyPr>
+          <a:lstStyle/>
+          <a:p>
+            <a:pPr lvl="0"/>
+            <a:r>
+              <a:rPr lang="en-US" sz="8000" baseline="0" dirty="0">
+                <a:ln w="3175" cmpd="sng">
+                  <a:noFill/>
+                </a:ln>
+                <a:solidFill>
+                  <a:schemeClr val="accent1">
+                    <a:lumMod val="60000"/>
+                    <a:lumOff val="40000"/>
+                  </a:schemeClr>
+                </a:solidFill>
+                <a:effectLst/>
+                <a:latin typeface="Arial"/>
+              </a:rPr>
+              <a:t>“</a:t>
+            </a:r>
+          </a:p>
+        </p:txBody>
+      </p:sp>
+      <p:sp>
+        <p:nvSpPr>
+          <p:cNvPr id="25" name="TextBox 24"/>
+          <p:cNvSpPr txBox="1"/>
+          <p:nvPr/>
+        </p:nvSpPr>
+        <p:spPr>
+          <a:xfrm>
+            <a:off x="8893011" y="2886556"/>
+            <a:ext cx="609600" cy="584776"/>
+          </a:xfrm>
+          <a:prstGeom prst="rect">
+            <a:avLst/>
+          </a:prstGeom>
+        </p:spPr>
+        <p:txBody>
+          <a:bodyPr vert="horz" lIns="91440" tIns="45720" rIns="91440" bIns="45720" rtlCol="0" anchor="ctr">
+            <a:noAutofit/>
+          </a:bodyPr>
+          <a:lstStyle/>
+          <a:p>
+            <a:pPr lvl="0"/>
+            <a:r>
+              <a:rPr lang="en-US" sz="8000" baseline="0" dirty="0">
+                <a:ln w="3175" cmpd="sng">
+                  <a:noFill/>
+                </a:ln>
+                <a:solidFill>
+                  <a:schemeClr val="accent1">
+                    <a:lumMod val="60000"/>
+                    <a:lumOff val="40000"/>
+                  </a:schemeClr>
+                </a:solidFill>
+                <a:effectLst/>
+                <a:latin typeface="Arial"/>
+              </a:rPr>
+              <a:t>”</a:t>
+            </a:r>
+          </a:p>
+        </p:txBody>
+      </p:sp>
+    </p:spTree>
+    <p:extLst>
+      <p:ext uri="{BB962C8B-B14F-4D97-AF65-F5344CB8AC3E}">
+        <p14:creationId xmlns:p14="http://schemas.microsoft.com/office/powerpoint/2010/main" val="1326728301"/>
+      </p:ext>
+    </p:extLst>
+  </p:cSld>
+  <p:clrMapOvr>
+    <a:masterClrMapping/>
+  </p:clrMapOvr>
+</p:sldLayout>
+</file>
+
+<file path=ppt/slideLayouts/slideLayout14.xml><?xml version="1.0" encoding="utf-8"?>
+<p:sldLayout xmlns:a="http://schemas.openxmlformats.org/drawingml/2006/main" xmlns:r="http://schemas.openxmlformats.org/officeDocument/2006/relationships" xmlns:p="http://schemas.openxmlformats.org/presentationml/2006/main" preserve="1">
+  <p:cSld name="True or False">
+    <p:spTree>
+      <p:nvGrpSpPr>
+        <p:cNvPr id="1" name=""/>
+        <p:cNvGrpSpPr/>
+        <p:nvPr/>
+      </p:nvGrpSpPr>
+      <p:grpSpPr>
+        <a:xfrm>
+          <a:off x="0" y="0"/>
+          <a:ext cx="0" cy="0"/>
+          <a:chOff x="0" y="0"/>
+          <a:chExt cx="0" cy="0"/>
+        </a:xfrm>
+      </p:grpSpPr>
+      <p:sp>
+        <p:nvSpPr>
+          <p:cNvPr id="2" name="Title 1"/>
+          <p:cNvSpPr>
+            <a:spLocks noGrp="1"/>
+          </p:cNvSpPr>
+          <p:nvPr>
+            <p:ph type="title"/>
+          </p:nvPr>
+        </p:nvSpPr>
+        <p:spPr>
+          <a:xfrm>
+            <a:off x="685799" y="609600"/>
+            <a:ext cx="8588203" cy="3022600"/>
+          </a:xfrm>
+        </p:spPr>
+        <p:txBody>
+          <a:bodyPr anchor="ctr">
+            <a:normAutofit/>
+          </a:bodyPr>
+          <a:lstStyle>
+            <a:lvl1pPr algn="l">
+              <a:defRPr sz="4400" b="0" cap="none"/>
+            </a:lvl1pPr>
+          </a:lstStyle>
+          <a:p>
+            <a:r>
+              <a:rPr lang="en-US" smtClean="0"/>
+              <a:t>Click to edit Master title style</a:t>
+            </a:r>
+            <a:endParaRPr lang="en-US" dirty="0"/>
+          </a:p>
+        </p:txBody>
+      </p:sp>
+      <p:sp>
+        <p:nvSpPr>
+          <p:cNvPr id="23" name="Text Placeholder 9"/>
+          <p:cNvSpPr>
+            <a:spLocks noGrp="1"/>
+          </p:cNvSpPr>
+          <p:nvPr>
+            <p:ph type="body" sz="quarter" idx="13"/>
+          </p:nvPr>
+        </p:nvSpPr>
+        <p:spPr>
+          <a:xfrm>
+            <a:off x="677332" y="4013200"/>
+            <a:ext cx="8596669" cy="514248"/>
+          </a:xfrm>
+        </p:spPr>
+        <p:txBody>
+          <a:bodyPr anchor="b">
+            <a:noAutofit/>
+          </a:bodyPr>
+          <a:lstStyle>
+            <a:lvl1pPr marL="0" indent="0">
+              <a:buFontTx/>
+              <a:buNone/>
+              <a:defRPr sz="2400">
+                <a:solidFill>
+                  <a:schemeClr val="accent1"/>
+                </a:solidFill>
+              </a:defRPr>
+            </a:lvl1pPr>
+            <a:lvl2pPr marL="457200" indent="0">
+              <a:buFontTx/>
+              <a:buNone/>
+              <a:defRPr/>
+            </a:lvl2pPr>
+            <a:lvl3pPr marL="914400" indent="0">
+              <a:buFontTx/>
+              <a:buNone/>
+              <a:defRPr/>
+            </a:lvl3pPr>
+            <a:lvl4pPr marL="1371600" indent="0">
+              <a:buFontTx/>
+              <a:buNone/>
+              <a:defRPr/>
+            </a:lvl4pPr>
+            <a:lvl5pPr marL="1828800" indent="0">
+              <a:buFontTx/>
+              <a:buNone/>
+              <a:defRPr/>
+            </a:lvl5pPr>
+          </a:lstStyle>
+          <a:p>
+            <a:pPr lvl="0"/>
+            <a:r>
+              <a:rPr lang="en-US" smtClean="0"/>
+              <a:t>Click to edit Master text styles</a:t>
+            </a:r>
+          </a:p>
+        </p:txBody>
+      </p:sp>
+      <p:sp>
+        <p:nvSpPr>
+          <p:cNvPr id="3" name="Text Placeholder 2"/>
+          <p:cNvSpPr>
+            <a:spLocks noGrp="1"/>
+          </p:cNvSpPr>
+          <p:nvPr>
+            <p:ph type="body" idx="1"/>
+          </p:nvPr>
+        </p:nvSpPr>
+        <p:spPr>
+          <a:xfrm>
+            <a:off x="677335" y="4527448"/>
+            <a:ext cx="8596668" cy="1513914"/>
+          </a:xfrm>
+        </p:spPr>
+        <p:txBody>
+          <a:bodyPr anchor="t">
+            <a:normAutofit/>
+          </a:bodyPr>
+          <a:lstStyle>
+            <a:lvl1pPr marL="0" indent="0" algn="l">
+              <a:buNone/>
+              <a:defRPr sz="1800">
+                <a:solidFill>
+                  <a:schemeClr val="tx1">
+                    <a:lumMod val="50000"/>
+                    <a:lumOff val="50000"/>
+                  </a:schemeClr>
+                </a:solidFill>
+              </a:defRPr>
+            </a:lvl1pPr>
+            <a:lvl2pPr marL="457200" indent="0">
+              <a:buNone/>
+              <a:defRPr sz="1800">
+                <a:solidFill>
+                  <a:schemeClr val="tx1">
+                    <a:tint val="75000"/>
+                  </a:schemeClr>
+                </a:solidFill>
+              </a:defRPr>
+            </a:lvl2pPr>
+            <a:lvl3pPr marL="914400" indent="0">
+              <a:buNone/>
+              <a:defRPr sz="1600">
+                <a:solidFill>
+                  <a:schemeClr val="tx1">
+                    <a:tint val="75000"/>
+                  </a:schemeClr>
+                </a:solidFill>
+              </a:defRPr>
+            </a:lvl3pPr>
+            <a:lvl4pPr marL="1371600" indent="0">
+              <a:buNone/>
+              <a:defRPr sz="1400">
+                <a:solidFill>
+                  <a:schemeClr val="tx1">
+                    <a:tint val="75000"/>
+                  </a:schemeClr>
+                </a:solidFill>
+              </a:defRPr>
+            </a:lvl4pPr>
+            <a:lvl5pPr marL="1828800" indent="0">
+              <a:buNone/>
+              <a:defRPr sz="1400">
+                <a:solidFill>
+                  <a:schemeClr val="tx1">
+                    <a:tint val="75000"/>
+                  </a:schemeClr>
+                </a:solidFill>
+              </a:defRPr>
+            </a:lvl5pPr>
+            <a:lvl6pPr marL="2286000" indent="0">
+              <a:buNone/>
+              <a:defRPr sz="1400">
+                <a:solidFill>
+                  <a:schemeClr val="tx1">
+                    <a:tint val="75000"/>
+                  </a:schemeClr>
+                </a:solidFill>
+              </a:defRPr>
+            </a:lvl6pPr>
+            <a:lvl7pPr marL="2743200" indent="0">
+              <a:buNone/>
+              <a:defRPr sz="1400">
+                <a:solidFill>
+                  <a:schemeClr val="tx1">
+                    <a:tint val="75000"/>
+                  </a:schemeClr>
+                </a:solidFill>
+              </a:defRPr>
+            </a:lvl7pPr>
+            <a:lvl8pPr marL="3200400" indent="0">
+              <a:buNone/>
+              <a:defRPr sz="1400">
+                <a:solidFill>
+                  <a:schemeClr val="tx1">
+                    <a:tint val="75000"/>
+                  </a:schemeClr>
+                </a:solidFill>
+              </a:defRPr>
+            </a:lvl8pPr>
+            <a:lvl9pPr marL="3657600" indent="0">
+              <a:buNone/>
+              <a:defRPr sz="1400">
+                <a:solidFill>
+                  <a:schemeClr val="tx1">
+                    <a:tint val="75000"/>
+                  </a:schemeClr>
+                </a:solidFill>
+              </a:defRPr>
+            </a:lvl9pPr>
+          </a:lstStyle>
+          <a:p>
+            <a:pPr lvl="0"/>
+            <a:r>
+              <a:rPr lang="en-US" smtClean="0"/>
+              <a:t>Click to edit Master text styles</a:t>
+            </a:r>
+          </a:p>
+        </p:txBody>
+      </p:sp>
+      <p:sp>
+        <p:nvSpPr>
+          <p:cNvPr id="4" name="Date Placeholder 3"/>
+          <p:cNvSpPr>
+            <a:spLocks noGrp="1"/>
+          </p:cNvSpPr>
+          <p:nvPr>
+            <p:ph type="dt" sz="half" idx="10"/>
+          </p:nvPr>
+        </p:nvSpPr>
+        <p:spPr/>
+        <p:txBody>
+          <a:bodyPr/>
+          <a:lstStyle/>
+          <a:p>
+            <a:fld id="{535BF83A-C96E-4538-A700-40CFEE0A1F45}" type="datetimeFigureOut">
+              <a:rPr lang="en-US" smtClean="0"/>
+              <a:t>22-06-2024</a:t>
+            </a:fld>
+            <a:endParaRPr lang="en-US"/>
+          </a:p>
+        </p:txBody>
+      </p:sp>
+      <p:sp>
+        <p:nvSpPr>
+          <p:cNvPr id="5" name="Footer Placeholder 4"/>
+          <p:cNvSpPr>
+            <a:spLocks noGrp="1"/>
+          </p:cNvSpPr>
+          <p:nvPr>
+            <p:ph type="ftr" sz="quarter" idx="11"/>
+          </p:nvPr>
+        </p:nvSpPr>
+        <p:spPr/>
+        <p:txBody>
+          <a:bodyPr/>
+          <a:lstStyle/>
+          <a:p>
+            <a:endParaRPr lang="en-US"/>
+          </a:p>
+        </p:txBody>
+      </p:sp>
+      <p:sp>
+        <p:nvSpPr>
+          <p:cNvPr id="6" name="Slide Number Placeholder 5"/>
+          <p:cNvSpPr>
+            <a:spLocks noGrp="1"/>
+          </p:cNvSpPr>
+          <p:nvPr>
+            <p:ph type="sldNum" sz="quarter" idx="12"/>
+          </p:nvPr>
+        </p:nvSpPr>
+        <p:spPr/>
+        <p:txBody>
+          <a:bodyPr/>
+          <a:lstStyle/>
+          <a:p>
+            <a:fld id="{3C624E69-56A1-4EC7-8597-EE733A901775}" type="slidenum">
+              <a:rPr lang="en-US" smtClean="0"/>
+              <a:t>‹#›</a:t>
+            </a:fld>
+            <a:endParaRPr lang="en-US"/>
+          </a:p>
+        </p:txBody>
+      </p:sp>
+    </p:spTree>
+    <p:extLst>
+      <p:ext uri="{BB962C8B-B14F-4D97-AF65-F5344CB8AC3E}">
+        <p14:creationId xmlns:p14="http://schemas.microsoft.com/office/powerpoint/2010/main" val="1617771544"/>
+      </p:ext>
+    </p:extLst>
+  </p:cSld>
+  <p:clrMapOvr>
+    <a:masterClrMapping/>
+  </p:clrMapOvr>
+</p:sldLayout>
+</file>
+
+<file path=ppt/slideLayouts/slideLayout15.xml><?xml version="1.0" encoding="utf-8"?>
 <p:sldLayout xmlns:a="http://schemas.openxmlformats.org/drawingml/2006/main" xmlns:r="http://schemas.openxmlformats.org/officeDocument/2006/relationships" xmlns:p="http://schemas.openxmlformats.org/presentationml/2006/main" type="vertTx" preserve="1">
   <p:cSld name="Title and Vertical Text">
     <p:spTree>
@@ -347,7 +2556,7 @@
               <a:rPr lang="en-US" smtClean="0"/>
               <a:t>Click to edit Master title style</a:t>
             </a:r>
-            <a:endParaRPr lang="en-US"/>
+            <a:endParaRPr lang="en-US" dirty="0"/>
           </a:p>
         </p:txBody>
       </p:sp>
@@ -399,7 +2608,7 @@
               <a:rPr lang="en-US" smtClean="0"/>
               <a:t>Fifth level</a:t>
             </a:r>
-            <a:endParaRPr lang="en-US"/>
+            <a:endParaRPr lang="en-US" dirty="0"/>
           </a:p>
         </p:txBody>
       </p:sp>
@@ -420,7 +2629,7 @@
           <a:p>
             <a:fld id="{535BF83A-C96E-4538-A700-40CFEE0A1F45}" type="datetimeFigureOut">
               <a:rPr lang="en-US" smtClean="0"/>
-              <a:t>06-05-2024</a:t>
+              <a:t>22-06-2024</a:t>
             </a:fld>
             <a:endParaRPr lang="en-US"/>
           </a:p>
@@ -471,7 +2680,7 @@
     </p:spTree>
     <p:extLst>
       <p:ext uri="{BB962C8B-B14F-4D97-AF65-F5344CB8AC3E}">
-        <p14:creationId xmlns:p14="http://schemas.microsoft.com/office/powerpoint/2010/main" val="204391769"/>
+        <p14:creationId xmlns:p14="http://schemas.microsoft.com/office/powerpoint/2010/main" val="1355178788"/>
       </p:ext>
     </p:extLst>
   </p:cSld>
@@ -481,7 +2690,7 @@
 </p:sldLayout>
 </file>
 
-<file path=ppt/slideLayouts/slideLayout11.xml><?xml version="1.0" encoding="utf-8"?>
+<file path=ppt/slideLayouts/slideLayout16.xml><?xml version="1.0" encoding="utf-8"?>
 <p:sldLayout xmlns:a="http://schemas.openxmlformats.org/drawingml/2006/main" xmlns:r="http://schemas.openxmlformats.org/officeDocument/2006/relationships" xmlns:p="http://schemas.openxmlformats.org/presentationml/2006/main" type="vertTitleAndTx" preserve="1">
   <p:cSld name="Vertical Title and Text">
     <p:spTree>
@@ -510,19 +2719,19 @@
         </p:nvSpPr>
         <p:spPr>
           <a:xfrm>
-            <a:off x="8724900" y="365125"/>
-            <a:ext cx="2628900" cy="5811838"/>
+            <a:off x="7967673" y="609599"/>
+            <a:ext cx="1304743" cy="5251451"/>
           </a:xfrm>
         </p:spPr>
         <p:txBody>
-          <a:bodyPr vert="eaVert"/>
+          <a:bodyPr vert="eaVert" anchor="ctr"/>
           <a:lstStyle/>
           <a:p>
             <a:r>
               <a:rPr lang="en-US" smtClean="0"/>
               <a:t>Click to edit Master title style</a:t>
             </a:r>
-            <a:endParaRPr lang="en-US"/>
+            <a:endParaRPr lang="en-US" dirty="0"/>
           </a:p>
         </p:txBody>
       </p:sp>
@@ -538,8 +2747,8 @@
         </p:nvSpPr>
         <p:spPr>
           <a:xfrm>
-            <a:off x="838200" y="365125"/>
-            <a:ext cx="7734300" cy="5811838"/>
+            <a:off x="677335" y="609600"/>
+            <a:ext cx="7060150" cy="5251450"/>
           </a:xfrm>
         </p:spPr>
         <p:txBody>
@@ -579,7 +2788,7 @@
               <a:rPr lang="en-US" smtClean="0"/>
               <a:t>Fifth level</a:t>
             </a:r>
-            <a:endParaRPr lang="en-US"/>
+            <a:endParaRPr lang="en-US" dirty="0"/>
           </a:p>
         </p:txBody>
       </p:sp>
@@ -600,7 +2809,7 @@
           <a:p>
             <a:fld id="{535BF83A-C96E-4538-A700-40CFEE0A1F45}" type="datetimeFigureOut">
               <a:rPr lang="en-US" smtClean="0"/>
-              <a:t>06-05-2024</a:t>
+              <a:t>22-06-2024</a:t>
             </a:fld>
             <a:endParaRPr lang="en-US"/>
           </a:p>
@@ -651,7 +2860,7 @@
     </p:spTree>
     <p:extLst>
       <p:ext uri="{BB962C8B-B14F-4D97-AF65-F5344CB8AC3E}">
-        <p14:creationId xmlns:p14="http://schemas.microsoft.com/office/powerpoint/2010/main" val="3960318866"/>
+        <p14:creationId xmlns:p14="http://schemas.microsoft.com/office/powerpoint/2010/main" val="1620950219"/>
       </p:ext>
     </p:extLst>
   </p:cSld>
@@ -690,14 +2899,20 @@
         </p:nvSpPr>
         <p:spPr/>
         <p:txBody>
-          <a:bodyPr/>
-          <a:lstStyle/>
+          <a:bodyPr>
+            <a:normAutofit/>
+          </a:bodyPr>
+          <a:lstStyle>
+            <a:lvl1pPr>
+              <a:defRPr sz="3600"/>
+            </a:lvl1pPr>
+          </a:lstStyle>
           <a:p>
             <a:r>
               <a:rPr lang="en-US" smtClean="0"/>
               <a:t>Click to edit Master title style</a:t>
             </a:r>
-            <a:endParaRPr lang="en-US"/>
+            <a:endParaRPr lang="en-US" dirty="0"/>
           </a:p>
         </p:txBody>
       </p:sp>
@@ -749,7 +2964,7 @@
               <a:rPr lang="en-US" smtClean="0"/>
               <a:t>Fifth level</a:t>
             </a:r>
-            <a:endParaRPr lang="en-US"/>
+            <a:endParaRPr lang="en-US" dirty="0"/>
           </a:p>
         </p:txBody>
       </p:sp>
@@ -770,7 +2985,7 @@
           <a:p>
             <a:fld id="{535BF83A-C96E-4538-A700-40CFEE0A1F45}" type="datetimeFigureOut">
               <a:rPr lang="en-US" smtClean="0"/>
-              <a:t>06-05-2024</a:t>
+              <a:t>22-06-2024</a:t>
             </a:fld>
             <a:endParaRPr lang="en-US"/>
           </a:p>
@@ -821,7 +3036,7 @@
     </p:spTree>
     <p:extLst>
       <p:ext uri="{BB962C8B-B14F-4D97-AF65-F5344CB8AC3E}">
-        <p14:creationId xmlns:p14="http://schemas.microsoft.com/office/powerpoint/2010/main" val="4279799197"/>
+        <p14:creationId xmlns:p14="http://schemas.microsoft.com/office/powerpoint/2010/main" val="2530720512"/>
       </p:ext>
     </p:extLst>
   </p:cSld>
@@ -860,15 +3075,15 @@
         </p:nvSpPr>
         <p:spPr>
           <a:xfrm>
-            <a:off x="831850" y="1709738"/>
-            <a:ext cx="10515600" cy="2852737"/>
+            <a:off x="677335" y="2700867"/>
+            <a:ext cx="8596668" cy="1826581"/>
           </a:xfrm>
         </p:spPr>
         <p:txBody>
           <a:bodyPr anchor="b"/>
           <a:lstStyle>
-            <a:lvl1pPr>
-              <a:defRPr sz="6000"/>
+            <a:lvl1pPr algn="l">
+              <a:defRPr sz="4000" b="0" cap="none"/>
             </a:lvl1pPr>
           </a:lstStyle>
           <a:p>
@@ -876,7 +3091,7 @@
               <a:rPr lang="en-US" smtClean="0"/>
               <a:t>Click to edit Master title style</a:t>
             </a:r>
-            <a:endParaRPr lang="en-US"/>
+            <a:endParaRPr lang="en-US" dirty="0"/>
           </a:p>
         </p:txBody>
       </p:sp>
@@ -892,102 +3107,103 @@
         </p:nvSpPr>
         <p:spPr>
           <a:xfrm>
-            <a:off x="831850" y="4589463"/>
-            <a:ext cx="10515600" cy="1500187"/>
+            <a:off x="677335" y="4527448"/>
+            <a:ext cx="8596668" cy="860400"/>
           </a:xfrm>
         </p:spPr>
         <p:txBody>
-          <a:bodyPr/>
+          <a:bodyPr anchor="t"/>
           <a:lstStyle>
-            <a:lvl1pPr marL="0" indent="0">
-              <a:buNone/>
-              <a:defRPr sz="2400">
+            <a:lvl1pPr marL="0" indent="0" algn="l">
+              <a:buNone/>
+              <a:defRPr sz="2000">
+                <a:solidFill>
+                  <a:schemeClr val="tx1">
+                    <a:lumMod val="50000"/>
+                    <a:lumOff val="50000"/>
+                  </a:schemeClr>
+                </a:solidFill>
+              </a:defRPr>
+            </a:lvl1pPr>
+            <a:lvl2pPr marL="457200" indent="0">
+              <a:buNone/>
+              <a:defRPr sz="1800">
                 <a:solidFill>
                   <a:schemeClr val="tx1">
                     <a:tint val="75000"/>
                   </a:schemeClr>
                 </a:solidFill>
               </a:defRPr>
-            </a:lvl1pPr>
-            <a:lvl2pPr marL="457200" indent="0">
-              <a:buNone/>
-              <a:defRPr sz="2000">
+            </a:lvl2pPr>
+            <a:lvl3pPr marL="914400" indent="0">
+              <a:buNone/>
+              <a:defRPr sz="1600">
                 <a:solidFill>
                   <a:schemeClr val="tx1">
                     <a:tint val="75000"/>
                   </a:schemeClr>
                 </a:solidFill>
               </a:defRPr>
-            </a:lvl2pPr>
-            <a:lvl3pPr marL="914400" indent="0">
-              <a:buNone/>
-              <a:defRPr sz="1800">
+            </a:lvl3pPr>
+            <a:lvl4pPr marL="1371600" indent="0">
+              <a:buNone/>
+              <a:defRPr sz="1400">
                 <a:solidFill>
                   <a:schemeClr val="tx1">
                     <a:tint val="75000"/>
                   </a:schemeClr>
                 </a:solidFill>
               </a:defRPr>
-            </a:lvl3pPr>
-            <a:lvl4pPr marL="1371600" indent="0">
-              <a:buNone/>
-              <a:defRPr sz="1600">
+            </a:lvl4pPr>
+            <a:lvl5pPr marL="1828800" indent="0">
+              <a:buNone/>
+              <a:defRPr sz="1400">
                 <a:solidFill>
                   <a:schemeClr val="tx1">
                     <a:tint val="75000"/>
                   </a:schemeClr>
                 </a:solidFill>
               </a:defRPr>
-            </a:lvl4pPr>
-            <a:lvl5pPr marL="1828800" indent="0">
-              <a:buNone/>
-              <a:defRPr sz="1600">
+            </a:lvl5pPr>
+            <a:lvl6pPr marL="2286000" indent="0">
+              <a:buNone/>
+              <a:defRPr sz="1400">
                 <a:solidFill>
                   <a:schemeClr val="tx1">
                     <a:tint val="75000"/>
                   </a:schemeClr>
                 </a:solidFill>
               </a:defRPr>
-            </a:lvl5pPr>
-            <a:lvl6pPr marL="2286000" indent="0">
-              <a:buNone/>
-              <a:defRPr sz="1600">
+            </a:lvl6pPr>
+            <a:lvl7pPr marL="2743200" indent="0">
+              <a:buNone/>
+              <a:defRPr sz="1400">
                 <a:solidFill>
                   <a:schemeClr val="tx1">
                     <a:tint val="75000"/>
                   </a:schemeClr>
                 </a:solidFill>
               </a:defRPr>
-            </a:lvl6pPr>
-            <a:lvl7pPr marL="2743200" indent="0">
-              <a:buNone/>
-              <a:defRPr sz="1600">
+            </a:lvl7pPr>
+            <a:lvl8pPr marL="3200400" indent="0">
+              <a:buNone/>
+              <a:defRPr sz="1400">
                 <a:solidFill>
                   <a:schemeClr val="tx1">
                     <a:tint val="75000"/>
                   </a:schemeClr>
                 </a:solidFill>
               </a:defRPr>
-            </a:lvl7pPr>
-            <a:lvl8pPr marL="3200400" indent="0">
-              <a:buNone/>
-              <a:defRPr sz="1600">
+            </a:lvl8pPr>
+            <a:lvl9pPr marL="3657600" indent="0">
+              <a:buNone/>
+              <a:defRPr sz="1400">
                 <a:solidFill>
                   <a:schemeClr val="tx1">
                     <a:tint val="75000"/>
                   </a:schemeClr>
                 </a:solidFill>
               </a:defRPr>
-            </a:lvl8pPr>
-            <a:lvl9pPr marL="3657600" indent="0">
-              <a:buNone/>
-              <a:defRPr sz="1600">
-                <a:solidFill>
-                  <a:schemeClr val="tx1">
-                    <a:tint val="75000"/>
-                  </a:schemeClr>
-                </a:solidFill>
-              </a:defRPr>
             </a:lvl9pPr>
           </a:lstStyle>
           <a:p>
@@ -1016,7 +3232,7 @@
           <a:p>
             <a:fld id="{535BF83A-C96E-4538-A700-40CFEE0A1F45}" type="datetimeFigureOut">
               <a:rPr lang="en-US" smtClean="0"/>
-              <a:t>06-05-2024</a:t>
+              <a:t>22-06-2024</a:t>
             </a:fld>
             <a:endParaRPr lang="en-US"/>
           </a:p>
@@ -1067,7 +3283,7 @@
     </p:spTree>
     <p:extLst>
       <p:ext uri="{BB962C8B-B14F-4D97-AF65-F5344CB8AC3E}">
-        <p14:creationId xmlns:p14="http://schemas.microsoft.com/office/powerpoint/2010/main" val="199204845"/>
+        <p14:creationId xmlns:p14="http://schemas.microsoft.com/office/powerpoint/2010/main" val="1552595134"/>
       </p:ext>
     </p:extLst>
   </p:cSld>
@@ -1113,7 +3329,7 @@
               <a:rPr lang="en-US" smtClean="0"/>
               <a:t>Click to edit Master title style</a:t>
             </a:r>
-            <a:endParaRPr lang="en-US"/>
+            <a:endParaRPr lang="en-US" dirty="0"/>
           </a:p>
         </p:txBody>
       </p:sp>
@@ -1129,8 +3345,8 @@
         </p:nvSpPr>
         <p:spPr>
           <a:xfrm>
-            <a:off x="838200" y="1825625"/>
-            <a:ext cx="5181600" cy="4351338"/>
+            <a:off x="677334" y="2160589"/>
+            <a:ext cx="4184035" cy="3880772"/>
           </a:xfrm>
         </p:spPr>
         <p:txBody>
@@ -1170,7 +3386,7 @@
               <a:rPr lang="en-US" smtClean="0"/>
               <a:t>Fifth level</a:t>
             </a:r>
-            <a:endParaRPr lang="en-US"/>
+            <a:endParaRPr lang="en-US" dirty="0"/>
           </a:p>
         </p:txBody>
       </p:sp>
@@ -1186,8 +3402,8 @@
         </p:nvSpPr>
         <p:spPr>
           <a:xfrm>
-            <a:off x="6172200" y="1825625"/>
-            <a:ext cx="5181600" cy="4351338"/>
+            <a:off x="5089970" y="2160589"/>
+            <a:ext cx="4184034" cy="3880773"/>
           </a:xfrm>
         </p:spPr>
         <p:txBody>
@@ -1227,7 +3443,7 @@
               <a:rPr lang="en-US" smtClean="0"/>
               <a:t>Fifth level</a:t>
             </a:r>
-            <a:endParaRPr lang="en-US"/>
+            <a:endParaRPr lang="en-US" dirty="0"/>
           </a:p>
         </p:txBody>
       </p:sp>
@@ -1248,7 +3464,7 @@
           <a:p>
             <a:fld id="{535BF83A-C96E-4538-A700-40CFEE0A1F45}" type="datetimeFigureOut">
               <a:rPr lang="en-US" smtClean="0"/>
-              <a:t>06-05-2024</a:t>
+              <a:t>22-06-2024</a:t>
             </a:fld>
             <a:endParaRPr lang="en-US"/>
           </a:p>
@@ -1299,7 +3515,7 @@
     </p:spTree>
     <p:extLst>
       <p:ext uri="{BB962C8B-B14F-4D97-AF65-F5344CB8AC3E}">
-        <p14:creationId xmlns:p14="http://schemas.microsoft.com/office/powerpoint/2010/main" val="1850345512"/>
+        <p14:creationId xmlns:p14="http://schemas.microsoft.com/office/powerpoint/2010/main" val="3013219633"/>
       </p:ext>
     </p:extLst>
   </p:cSld>
@@ -1336,21 +3552,20 @@
             <p:ph type="title"/>
           </p:nvPr>
         </p:nvSpPr>
-        <p:spPr>
-          <a:xfrm>
-            <a:off x="839788" y="365125"/>
-            <a:ext cx="10515600" cy="1325563"/>
-          </a:xfrm>
-        </p:spPr>
+        <p:spPr/>
         <p:txBody>
           <a:bodyPr/>
-          <a:lstStyle/>
+          <a:lstStyle>
+            <a:lvl1pPr>
+              <a:defRPr/>
+            </a:lvl1pPr>
+          </a:lstStyle>
           <a:p>
             <a:r>
               <a:rPr lang="en-US" smtClean="0"/>
               <a:t>Click to edit Master title style</a:t>
             </a:r>
-            <a:endParaRPr lang="en-US"/>
+            <a:endParaRPr lang="en-US" dirty="0"/>
           </a:p>
         </p:txBody>
       </p:sp>
@@ -1366,16 +3581,18 @@
         </p:nvSpPr>
         <p:spPr>
           <a:xfrm>
-            <a:off x="839788" y="1681163"/>
-            <a:ext cx="5157787" cy="823912"/>
+            <a:off x="675745" y="2160983"/>
+            <a:ext cx="4185623" cy="576262"/>
           </a:xfrm>
         </p:spPr>
         <p:txBody>
-          <a:bodyPr anchor="b"/>
+          <a:bodyPr anchor="b">
+            <a:noAutofit/>
+          </a:bodyPr>
           <a:lstStyle>
             <a:lvl1pPr marL="0" indent="0">
               <a:buNone/>
-              <a:defRPr sz="2400" b="1"/>
+              <a:defRPr sz="2400" b="0"/>
             </a:lvl1pPr>
             <a:lvl2pPr marL="457200" indent="0">
               <a:buNone/>
@@ -1431,12 +3648,14 @@
         </p:nvSpPr>
         <p:spPr>
           <a:xfrm>
-            <a:off x="839788" y="2505075"/>
-            <a:ext cx="5157787" cy="3684588"/>
+            <a:off x="675745" y="2737245"/>
+            <a:ext cx="4185623" cy="3304117"/>
           </a:xfrm>
         </p:spPr>
         <p:txBody>
-          <a:bodyPr/>
+          <a:bodyPr>
+            <a:normAutofit/>
+          </a:bodyPr>
           <a:lstStyle/>
           <a:p>
             <a:pPr lvl="0"/>
@@ -1472,7 +3691,7 @@
               <a:rPr lang="en-US" smtClean="0"/>
               <a:t>Fifth level</a:t>
             </a:r>
-            <a:endParaRPr lang="en-US"/>
+            <a:endParaRPr lang="en-US" dirty="0"/>
           </a:p>
         </p:txBody>
       </p:sp>
@@ -1488,16 +3707,18 @@
         </p:nvSpPr>
         <p:spPr>
           <a:xfrm>
-            <a:off x="6172200" y="1681163"/>
-            <a:ext cx="5183188" cy="823912"/>
+            <a:off x="5088383" y="2160983"/>
+            <a:ext cx="4185618" cy="576262"/>
           </a:xfrm>
         </p:spPr>
         <p:txBody>
-          <a:bodyPr anchor="b"/>
+          <a:bodyPr anchor="b">
+            <a:noAutofit/>
+          </a:bodyPr>
           <a:lstStyle>
             <a:lvl1pPr marL="0" indent="0">
               <a:buNone/>
-              <a:defRPr sz="2400" b="1"/>
+              <a:defRPr sz="2400" b="0"/>
             </a:lvl1pPr>
             <a:lvl2pPr marL="457200" indent="0">
               <a:buNone/>
@@ -1553,12 +3774,14 @@
         </p:nvSpPr>
         <p:spPr>
           <a:xfrm>
-            <a:off x="6172200" y="2505075"/>
-            <a:ext cx="5183188" cy="3684588"/>
+            <a:off x="5088384" y="2737245"/>
+            <a:ext cx="4185617" cy="3304117"/>
           </a:xfrm>
         </p:spPr>
         <p:txBody>
-          <a:bodyPr/>
+          <a:bodyPr>
+            <a:normAutofit/>
+          </a:bodyPr>
           <a:lstStyle/>
           <a:p>
             <a:pPr lvl="0"/>
@@ -1594,7 +3817,7 @@
               <a:rPr lang="en-US" smtClean="0"/>
               <a:t>Fifth level</a:t>
             </a:r>
-            <a:endParaRPr lang="en-US"/>
+            <a:endParaRPr lang="en-US" dirty="0"/>
           </a:p>
         </p:txBody>
       </p:sp>
@@ -1615,7 +3838,7 @@
           <a:p>
             <a:fld id="{535BF83A-C96E-4538-A700-40CFEE0A1F45}" type="datetimeFigureOut">
               <a:rPr lang="en-US" smtClean="0"/>
-              <a:t>06-05-2024</a:t>
+              <a:t>22-06-2024</a:t>
             </a:fld>
             <a:endParaRPr lang="en-US"/>
           </a:p>
@@ -1666,7 +3889,7 @@
     </p:spTree>
     <p:extLst>
       <p:ext uri="{BB962C8B-B14F-4D97-AF65-F5344CB8AC3E}">
-        <p14:creationId xmlns:p14="http://schemas.microsoft.com/office/powerpoint/2010/main" val="90587999"/>
+        <p14:creationId xmlns:p14="http://schemas.microsoft.com/office/powerpoint/2010/main" val="2934230723"/>
       </p:ext>
     </p:extLst>
   </p:cSld>
@@ -1703,7 +3926,12 @@
             <p:ph type="title"/>
           </p:nvPr>
         </p:nvSpPr>
-        <p:spPr/>
+        <p:spPr>
+          <a:xfrm>
+            <a:off x="677334" y="609600"/>
+            <a:ext cx="8596668" cy="1320800"/>
+          </a:xfrm>
+        </p:spPr>
         <p:txBody>
           <a:bodyPr/>
           <a:lstStyle/>
@@ -1712,7 +3940,7 @@
               <a:rPr lang="en-US" smtClean="0"/>
               <a:t>Click to edit Master title style</a:t>
             </a:r>
-            <a:endParaRPr lang="en-US"/>
+            <a:endParaRPr lang="en-US" dirty="0"/>
           </a:p>
         </p:txBody>
       </p:sp>
@@ -1733,7 +3961,7 @@
           <a:p>
             <a:fld id="{535BF83A-C96E-4538-A700-40CFEE0A1F45}" type="datetimeFigureOut">
               <a:rPr lang="en-US" smtClean="0"/>
-              <a:t>06-05-2024</a:t>
+              <a:t>22-06-2024</a:t>
             </a:fld>
             <a:endParaRPr lang="en-US"/>
           </a:p>
@@ -1784,7 +4012,7 @@
     </p:spTree>
     <p:extLst>
       <p:ext uri="{BB962C8B-B14F-4D97-AF65-F5344CB8AC3E}">
-        <p14:creationId xmlns:p14="http://schemas.microsoft.com/office/powerpoint/2010/main" val="3712293120"/>
+        <p14:creationId xmlns:p14="http://schemas.microsoft.com/office/powerpoint/2010/main" val="1780118199"/>
       </p:ext>
     </p:extLst>
   </p:cSld>
@@ -1828,7 +4056,7 @@
           <a:p>
             <a:fld id="{535BF83A-C96E-4538-A700-40CFEE0A1F45}" type="datetimeFigureOut">
               <a:rPr lang="en-US" smtClean="0"/>
-              <a:t>06-05-2024</a:t>
+              <a:t>22-06-2024</a:t>
             </a:fld>
             <a:endParaRPr lang="en-US"/>
           </a:p>
@@ -1879,7 +4107,7 @@
     </p:spTree>
     <p:extLst>
       <p:ext uri="{BB962C8B-B14F-4D97-AF65-F5344CB8AC3E}">
-        <p14:creationId xmlns:p14="http://schemas.microsoft.com/office/powerpoint/2010/main" val="4090719693"/>
+        <p14:creationId xmlns:p14="http://schemas.microsoft.com/office/powerpoint/2010/main" val="3996720083"/>
       </p:ext>
     </p:extLst>
   </p:cSld>
@@ -1918,15 +4146,17 @@
         </p:nvSpPr>
         <p:spPr>
           <a:xfrm>
-            <a:off x="839788" y="457200"/>
-            <a:ext cx="3932237" cy="1600200"/>
+            <a:off x="677334" y="1498604"/>
+            <a:ext cx="3854528" cy="1278466"/>
           </a:xfrm>
         </p:spPr>
         <p:txBody>
-          <a:bodyPr anchor="b"/>
+          <a:bodyPr anchor="b">
+            <a:normAutofit/>
+          </a:bodyPr>
           <a:lstStyle>
             <a:lvl1pPr>
-              <a:defRPr sz="3200"/>
+              <a:defRPr sz="2000"/>
             </a:lvl1pPr>
           </a:lstStyle>
           <a:p>
@@ -1934,7 +4164,7 @@
               <a:rPr lang="en-US" smtClean="0"/>
               <a:t>Click to edit Master title style</a:t>
             </a:r>
-            <a:endParaRPr lang="en-US"/>
+            <a:endParaRPr lang="en-US" dirty="0"/>
           </a:p>
         </p:txBody>
       </p:sp>
@@ -1950,41 +4180,15 @@
         </p:nvSpPr>
         <p:spPr>
           <a:xfrm>
-            <a:off x="5183188" y="987425"/>
-            <a:ext cx="6172200" cy="4873625"/>
+            <a:off x="4760461" y="514924"/>
+            <a:ext cx="4513541" cy="5526437"/>
           </a:xfrm>
         </p:spPr>
         <p:txBody>
-          <a:bodyPr/>
-          <a:lstStyle>
-            <a:lvl1pPr>
-              <a:defRPr sz="3200"/>
-            </a:lvl1pPr>
-            <a:lvl2pPr>
-              <a:defRPr sz="2800"/>
-            </a:lvl2pPr>
-            <a:lvl3pPr>
-              <a:defRPr sz="2400"/>
-            </a:lvl3pPr>
-            <a:lvl4pPr>
-              <a:defRPr sz="2000"/>
-            </a:lvl4pPr>
-            <a:lvl5pPr>
-              <a:defRPr sz="2000"/>
-            </a:lvl5pPr>
-            <a:lvl6pPr>
-              <a:defRPr sz="2000"/>
-            </a:lvl6pPr>
-            <a:lvl7pPr>
-              <a:defRPr sz="2000"/>
-            </a:lvl7pPr>
-            <a:lvl8pPr>
-              <a:defRPr sz="2000"/>
-            </a:lvl8pPr>
-            <a:lvl9pPr>
-              <a:defRPr sz="2000"/>
-            </a:lvl9pPr>
-          </a:lstStyle>
+          <a:bodyPr>
+            <a:normAutofit/>
+          </a:bodyPr>
+          <a:lstStyle/>
           <a:p>
             <a:pPr lvl="0"/>
             <a:r>
@@ -2019,7 +4223,7 @@
               <a:rPr lang="en-US" smtClean="0"/>
               <a:t>Fifth level</a:t>
             </a:r>
-            <a:endParaRPr lang="en-US"/>
+            <a:endParaRPr lang="en-US" dirty="0"/>
           </a:p>
         </p:txBody>
       </p:sp>
@@ -2035,46 +4239,48 @@
         </p:nvSpPr>
         <p:spPr>
           <a:xfrm>
-            <a:off x="839788" y="2057400"/>
-            <a:ext cx="3932237" cy="3811588"/>
+            <a:off x="677334" y="2777069"/>
+            <a:ext cx="3854528" cy="2584449"/>
           </a:xfrm>
         </p:spPr>
         <p:txBody>
-          <a:bodyPr/>
+          <a:bodyPr>
+            <a:normAutofit/>
+          </a:bodyPr>
           <a:lstStyle>
             <a:lvl1pPr marL="0" indent="0">
               <a:buNone/>
-              <a:defRPr sz="1600"/>
+              <a:defRPr sz="1400"/>
             </a:lvl1pPr>
-            <a:lvl2pPr marL="457200" indent="0">
+            <a:lvl2pPr marL="457063" indent="0">
               <a:buNone/>
               <a:defRPr sz="1400"/>
             </a:lvl2pPr>
-            <a:lvl3pPr marL="914400" indent="0">
+            <a:lvl3pPr marL="914126" indent="0">
               <a:buNone/>
               <a:defRPr sz="1200"/>
             </a:lvl3pPr>
-            <a:lvl4pPr marL="1371600" indent="0">
+            <a:lvl4pPr marL="1371189" indent="0">
               <a:buNone/>
               <a:defRPr sz="1000"/>
             </a:lvl4pPr>
-            <a:lvl5pPr marL="1828800" indent="0">
+            <a:lvl5pPr marL="1828251" indent="0">
               <a:buNone/>
               <a:defRPr sz="1000"/>
             </a:lvl5pPr>
-            <a:lvl6pPr marL="2286000" indent="0">
+            <a:lvl6pPr marL="2285314" indent="0">
               <a:buNone/>
               <a:defRPr sz="1000"/>
             </a:lvl6pPr>
-            <a:lvl7pPr marL="2743200" indent="0">
+            <a:lvl7pPr marL="2742377" indent="0">
               <a:buNone/>
               <a:defRPr sz="1000"/>
             </a:lvl7pPr>
-            <a:lvl8pPr marL="3200400" indent="0">
+            <a:lvl8pPr marL="3199440" indent="0">
               <a:buNone/>
               <a:defRPr sz="1000"/>
             </a:lvl8pPr>
-            <a:lvl9pPr marL="3657600" indent="0">
+            <a:lvl9pPr marL="3656503" indent="0">
               <a:buNone/>
               <a:defRPr sz="1000"/>
             </a:lvl9pPr>
@@ -2105,7 +4311,7 @@
           <a:p>
             <a:fld id="{535BF83A-C96E-4538-A700-40CFEE0A1F45}" type="datetimeFigureOut">
               <a:rPr lang="en-US" smtClean="0"/>
-              <a:t>06-05-2024</a:t>
+              <a:t>22-06-2024</a:t>
             </a:fld>
             <a:endParaRPr lang="en-US"/>
           </a:p>
@@ -2156,7 +4362,7 @@
     </p:spTree>
     <p:extLst>
       <p:ext uri="{BB962C8B-B14F-4D97-AF65-F5344CB8AC3E}">
-        <p14:creationId xmlns:p14="http://schemas.microsoft.com/office/powerpoint/2010/main" val="2493364218"/>
+        <p14:creationId xmlns:p14="http://schemas.microsoft.com/office/powerpoint/2010/main" val="721956234"/>
       </p:ext>
     </p:extLst>
   </p:cSld>
@@ -2195,15 +4401,17 @@
         </p:nvSpPr>
         <p:spPr>
           <a:xfrm>
-            <a:off x="839788" y="457200"/>
-            <a:ext cx="3932237" cy="1600200"/>
+            <a:off x="677334" y="4800600"/>
+            <a:ext cx="8596667" cy="566738"/>
           </a:xfrm>
         </p:spPr>
         <p:txBody>
-          <a:bodyPr anchor="b"/>
+          <a:bodyPr anchor="b">
+            <a:normAutofit/>
+          </a:bodyPr>
           <a:lstStyle>
-            <a:lvl1pPr>
-              <a:defRPr sz="3200"/>
+            <a:lvl1pPr algn="l">
+              <a:defRPr sz="2400" b="0"/>
             </a:lvl1pPr>
           </a:lstStyle>
           <a:p>
@@ -2211,7 +4419,7 @@
               <a:rPr lang="en-US" smtClean="0"/>
               <a:t>Click to edit Master title style</a:t>
             </a:r>
-            <a:endParaRPr lang="en-US"/>
+            <a:endParaRPr lang="en-US" dirty="0"/>
           </a:p>
         </p:txBody>
       </p:sp>
@@ -2219,7 +4427,7 @@
         <p:nvSpPr>
           <p:cNvPr id="3" name="Picture Placeholder 2"/>
           <p:cNvSpPr>
-            <a:spLocks noGrp="1"/>
+            <a:spLocks noGrp="1" noChangeAspect="1"/>
           </p:cNvSpPr>
           <p:nvPr>
             <p:ph type="pic" idx="1"/>
@@ -2227,52 +4435,58 @@
         </p:nvSpPr>
         <p:spPr>
           <a:xfrm>
-            <a:off x="5183188" y="987425"/>
-            <a:ext cx="6172200" cy="4873625"/>
+            <a:off x="677334" y="609600"/>
+            <a:ext cx="8596668" cy="3845718"/>
           </a:xfrm>
         </p:spPr>
         <p:txBody>
-          <a:bodyPr/>
+          <a:bodyPr anchor="t">
+            <a:normAutofit/>
+          </a:bodyPr>
           <a:lstStyle>
-            <a:lvl1pPr marL="0" indent="0">
-              <a:buNone/>
-              <a:defRPr sz="3200"/>
+            <a:lvl1pPr marL="0" indent="0" algn="ctr">
+              <a:buNone/>
+              <a:defRPr sz="1600"/>
             </a:lvl1pPr>
             <a:lvl2pPr marL="457200" indent="0">
               <a:buNone/>
-              <a:defRPr sz="2800"/>
+              <a:defRPr sz="1600"/>
             </a:lvl2pPr>
             <a:lvl3pPr marL="914400" indent="0">
               <a:buNone/>
-              <a:defRPr sz="2400"/>
+              <a:defRPr sz="1600"/>
             </a:lvl3pPr>
             <a:lvl4pPr marL="1371600" indent="0">
               <a:buNone/>
-              <a:defRPr sz="2000"/>
+              <a:defRPr sz="1600"/>
             </a:lvl4pPr>
             <a:lvl5pPr marL="1828800" indent="0">
               <a:buNone/>
-              <a:defRPr sz="2000"/>
+              <a:defRPr sz="1600"/>
             </a:lvl5pPr>
             <a:lvl6pPr marL="2286000" indent="0">
               <a:buNone/>
-              <a:defRPr sz="2000"/>
+              <a:defRPr sz="1600"/>
             </a:lvl6pPr>
             <a:lvl7pPr marL="2743200" indent="0">
               <a:buNone/>
-              <a:defRPr sz="2000"/>
+              <a:defRPr sz="1600"/>
             </a:lvl7pPr>
             <a:lvl8pPr marL="3200400" indent="0">
               <a:buNone/>
-              <a:defRPr sz="2000"/>
+              <a:defRPr sz="1600"/>
             </a:lvl8pPr>
             <a:lvl9pPr marL="3657600" indent="0">
               <a:buNone/>
-              <a:defRPr sz="2000"/>
+              <a:defRPr sz="1600"/>
             </a:lvl9pPr>
           </a:lstStyle>
           <a:p>
-            <a:endParaRPr lang="en-US"/>
+            <a:r>
+              <a:rPr lang="en-US" smtClean="0"/>
+              <a:t>Click icon to add picture</a:t>
+            </a:r>
+            <a:endParaRPr lang="en-US" dirty="0"/>
           </a:p>
         </p:txBody>
       </p:sp>
@@ -2288,48 +4502,50 @@
         </p:nvSpPr>
         <p:spPr>
           <a:xfrm>
-            <a:off x="839788" y="2057400"/>
-            <a:ext cx="3932237" cy="3811588"/>
+            <a:off x="677334" y="5367338"/>
+            <a:ext cx="8596667" cy="674024"/>
           </a:xfrm>
         </p:spPr>
         <p:txBody>
-          <a:bodyPr/>
+          <a:bodyPr>
+            <a:normAutofit/>
+          </a:bodyPr>
           <a:lstStyle>
             <a:lvl1pPr marL="0" indent="0">
               <a:buNone/>
-              <a:defRPr sz="1600"/>
+              <a:defRPr sz="1200"/>
             </a:lvl1pPr>
             <a:lvl2pPr marL="457200" indent="0">
               <a:buNone/>
-              <a:defRPr sz="1400"/>
+              <a:defRPr sz="1200"/>
             </a:lvl2pPr>
             <a:lvl3pPr marL="914400" indent="0">
               <a:buNone/>
-              <a:defRPr sz="1200"/>
+              <a:defRPr sz="1000"/>
             </a:lvl3pPr>
             <a:lvl4pPr marL="1371600" indent="0">
               <a:buNone/>
-              <a:defRPr sz="1000"/>
+              <a:defRPr sz="900"/>
             </a:lvl4pPr>
             <a:lvl5pPr marL="1828800" indent="0">
               <a:buNone/>
-              <a:defRPr sz="1000"/>
+              <a:defRPr sz="900"/>
             </a:lvl5pPr>
             <a:lvl6pPr marL="2286000" indent="0">
               <a:buNone/>
-              <a:defRPr sz="1000"/>
+              <a:defRPr sz="900"/>
             </a:lvl6pPr>
             <a:lvl7pPr marL="2743200" indent="0">
               <a:buNone/>
-              <a:defRPr sz="1000"/>
+              <a:defRPr sz="900"/>
             </a:lvl7pPr>
             <a:lvl8pPr marL="3200400" indent="0">
               <a:buNone/>
-              <a:defRPr sz="1000"/>
+              <a:defRPr sz="900"/>
             </a:lvl8pPr>
             <a:lvl9pPr marL="3657600" indent="0">
               <a:buNone/>
-              <a:defRPr sz="1000"/>
+              <a:defRPr sz="900"/>
             </a:lvl9pPr>
           </a:lstStyle>
           <a:p>
@@ -2358,7 +4574,7 @@
           <a:p>
             <a:fld id="{535BF83A-C96E-4538-A700-40CFEE0A1F45}" type="datetimeFigureOut">
               <a:rPr lang="en-US" smtClean="0"/>
-              <a:t>06-05-2024</a:t>
+              <a:t>22-06-2024</a:t>
             </a:fld>
             <a:endParaRPr lang="en-US"/>
           </a:p>
@@ -2409,7 +4625,7 @@
     </p:spTree>
     <p:extLst>
       <p:ext uri="{BB962C8B-B14F-4D97-AF65-F5344CB8AC3E}">
-        <p14:creationId xmlns:p14="http://schemas.microsoft.com/office/powerpoint/2010/main" val="4105945730"/>
+        <p14:creationId xmlns:p14="http://schemas.microsoft.com/office/powerpoint/2010/main" val="981717680"/>
       </p:ext>
     </p:extLst>
   </p:cSld>
@@ -2441,6 +4657,536 @@
           <a:chExt cx="0" cy="0"/>
         </a:xfrm>
       </p:grpSpPr>
+      <p:grpSp>
+        <p:nvGrpSpPr>
+          <p:cNvPr id="7" name="Group 6"/>
+          <p:cNvGrpSpPr/>
+          <p:nvPr/>
+        </p:nvGrpSpPr>
+        <p:grpSpPr>
+          <a:xfrm>
+            <a:off x="0" y="-8467"/>
+            <a:ext cx="12192000" cy="6866467"/>
+            <a:chOff x="0" y="-8467"/>
+            <a:chExt cx="12192000" cy="6866467"/>
+          </a:xfrm>
+        </p:grpSpPr>
+        <p:cxnSp>
+          <p:nvCxnSpPr>
+            <p:cNvPr id="20" name="Straight Connector 19"/>
+            <p:cNvCxnSpPr/>
+            <p:nvPr/>
+          </p:nvCxnSpPr>
+          <p:spPr>
+            <a:xfrm>
+              <a:off x="9371012" y="0"/>
+              <a:ext cx="1219200" cy="6858000"/>
+            </a:xfrm>
+            <a:prstGeom prst="line">
+              <a:avLst/>
+            </a:prstGeom>
+            <a:ln w="9525">
+              <a:solidFill>
+                <a:schemeClr val="bg1">
+                  <a:lumMod val="75000"/>
+                </a:schemeClr>
+              </a:solidFill>
+            </a:ln>
+          </p:spPr>
+          <p:style>
+            <a:lnRef idx="2">
+              <a:schemeClr val="accent1"/>
+            </a:lnRef>
+            <a:fillRef idx="0">
+              <a:schemeClr val="accent1"/>
+            </a:fillRef>
+            <a:effectRef idx="1">
+              <a:schemeClr val="accent1"/>
+            </a:effectRef>
+            <a:fontRef idx="minor">
+              <a:schemeClr val="tx1"/>
+            </a:fontRef>
+          </p:style>
+        </p:cxnSp>
+        <p:cxnSp>
+          <p:nvCxnSpPr>
+            <p:cNvPr id="21" name="Straight Connector 20"/>
+            <p:cNvCxnSpPr/>
+            <p:nvPr/>
+          </p:nvCxnSpPr>
+          <p:spPr>
+            <a:xfrm flipH="1">
+              <a:off x="7425267" y="3681413"/>
+              <a:ext cx="4763558" cy="3176587"/>
+            </a:xfrm>
+            <a:prstGeom prst="line">
+              <a:avLst/>
+            </a:prstGeom>
+            <a:ln w="9525">
+              <a:solidFill>
+                <a:schemeClr val="bg1">
+                  <a:lumMod val="85000"/>
+                </a:schemeClr>
+              </a:solidFill>
+            </a:ln>
+          </p:spPr>
+          <p:style>
+            <a:lnRef idx="2">
+              <a:schemeClr val="accent1"/>
+            </a:lnRef>
+            <a:fillRef idx="0">
+              <a:schemeClr val="accent1"/>
+            </a:fillRef>
+            <a:effectRef idx="1">
+              <a:schemeClr val="accent1"/>
+            </a:effectRef>
+            <a:fontRef idx="minor">
+              <a:schemeClr val="tx1"/>
+            </a:fontRef>
+          </p:style>
+        </p:cxnSp>
+        <p:sp>
+          <p:nvSpPr>
+            <p:cNvPr id="22" name="Rectangle 23"/>
+            <p:cNvSpPr/>
+            <p:nvPr/>
+          </p:nvSpPr>
+          <p:spPr>
+            <a:xfrm>
+              <a:off x="9181476" y="-8467"/>
+              <a:ext cx="3007349" cy="6866467"/>
+            </a:xfrm>
+            <a:custGeom>
+              <a:avLst/>
+              <a:gdLst/>
+              <a:ahLst/>
+              <a:cxnLst/>
+              <a:rect l="l" t="t" r="r" b="b"/>
+              <a:pathLst>
+                <a:path w="3007349" h="6866467">
+                  <a:moveTo>
+                    <a:pt x="2045532" y="0"/>
+                  </a:moveTo>
+                  <a:lnTo>
+                    <a:pt x="3007349" y="0"/>
+                  </a:lnTo>
+                  <a:lnTo>
+                    <a:pt x="3007349" y="6866467"/>
+                  </a:lnTo>
+                  <a:lnTo>
+                    <a:pt x="0" y="6866467"/>
+                  </a:lnTo>
+                  <a:lnTo>
+                    <a:pt x="2045532" y="0"/>
+                  </a:lnTo>
+                  <a:close/>
+                </a:path>
+              </a:pathLst>
+            </a:custGeom>
+            <a:solidFill>
+              <a:schemeClr val="accent1">
+                <a:alpha val="30000"/>
+              </a:schemeClr>
+            </a:solidFill>
+            <a:ln>
+              <a:noFill/>
+            </a:ln>
+            <a:effectLst/>
+          </p:spPr>
+          <p:style>
+            <a:lnRef idx="1">
+              <a:schemeClr val="accent1"/>
+            </a:lnRef>
+            <a:fillRef idx="3">
+              <a:schemeClr val="accent1"/>
+            </a:fillRef>
+            <a:effectRef idx="2">
+              <a:schemeClr val="accent1"/>
+            </a:effectRef>
+            <a:fontRef idx="minor">
+              <a:schemeClr val="lt1"/>
+            </a:fontRef>
+          </p:style>
+        </p:sp>
+        <p:sp>
+          <p:nvSpPr>
+            <p:cNvPr id="23" name="Rectangle 25"/>
+            <p:cNvSpPr/>
+            <p:nvPr/>
+          </p:nvSpPr>
+          <p:spPr>
+            <a:xfrm>
+              <a:off x="9603442" y="-8467"/>
+              <a:ext cx="2588558" cy="6866467"/>
+            </a:xfrm>
+            <a:custGeom>
+              <a:avLst/>
+              <a:gdLst/>
+              <a:ahLst/>
+              <a:cxnLst/>
+              <a:rect l="l" t="t" r="r" b="b"/>
+              <a:pathLst>
+                <a:path w="2573311" h="6866467">
+                  <a:moveTo>
+                    <a:pt x="0" y="0"/>
+                  </a:moveTo>
+                  <a:lnTo>
+                    <a:pt x="2573311" y="0"/>
+                  </a:lnTo>
+                  <a:lnTo>
+                    <a:pt x="2573311" y="6866467"/>
+                  </a:lnTo>
+                  <a:lnTo>
+                    <a:pt x="1202336" y="6866467"/>
+                  </a:lnTo>
+                  <a:lnTo>
+                    <a:pt x="0" y="0"/>
+                  </a:lnTo>
+                  <a:close/>
+                </a:path>
+              </a:pathLst>
+            </a:custGeom>
+            <a:solidFill>
+              <a:schemeClr val="accent1">
+                <a:alpha val="20000"/>
+              </a:schemeClr>
+            </a:solidFill>
+            <a:ln>
+              <a:noFill/>
+            </a:ln>
+            <a:effectLst/>
+          </p:spPr>
+          <p:style>
+            <a:lnRef idx="1">
+              <a:schemeClr val="accent1"/>
+            </a:lnRef>
+            <a:fillRef idx="3">
+              <a:schemeClr val="accent1"/>
+            </a:fillRef>
+            <a:effectRef idx="2">
+              <a:schemeClr val="accent1"/>
+            </a:effectRef>
+            <a:fontRef idx="minor">
+              <a:schemeClr val="lt1"/>
+            </a:fontRef>
+          </p:style>
+        </p:sp>
+        <p:sp>
+          <p:nvSpPr>
+            <p:cNvPr id="24" name="Isosceles Triangle 23"/>
+            <p:cNvSpPr/>
+            <p:nvPr/>
+          </p:nvSpPr>
+          <p:spPr>
+            <a:xfrm>
+              <a:off x="8932333" y="3048000"/>
+              <a:ext cx="3259667" cy="3810000"/>
+            </a:xfrm>
+            <a:prstGeom prst="triangle">
+              <a:avLst>
+                <a:gd name="adj" fmla="val 100000"/>
+              </a:avLst>
+            </a:prstGeom>
+            <a:solidFill>
+              <a:schemeClr val="accent2">
+                <a:alpha val="72000"/>
+              </a:schemeClr>
+            </a:solidFill>
+            <a:ln>
+              <a:noFill/>
+            </a:ln>
+            <a:effectLst/>
+          </p:spPr>
+          <p:style>
+            <a:lnRef idx="1">
+              <a:schemeClr val="accent1"/>
+            </a:lnRef>
+            <a:fillRef idx="3">
+              <a:schemeClr val="accent1"/>
+            </a:fillRef>
+            <a:effectRef idx="2">
+              <a:schemeClr val="accent1"/>
+            </a:effectRef>
+            <a:fontRef idx="minor">
+              <a:schemeClr val="lt1"/>
+            </a:fontRef>
+          </p:style>
+        </p:sp>
+        <p:sp>
+          <p:nvSpPr>
+            <p:cNvPr id="25" name="Rectangle 27"/>
+            <p:cNvSpPr/>
+            <p:nvPr/>
+          </p:nvSpPr>
+          <p:spPr>
+            <a:xfrm>
+              <a:off x="9334500" y="-8467"/>
+              <a:ext cx="2854326" cy="6866467"/>
+            </a:xfrm>
+            <a:custGeom>
+              <a:avLst/>
+              <a:gdLst/>
+              <a:ahLst/>
+              <a:cxnLst/>
+              <a:rect l="l" t="t" r="r" b="b"/>
+              <a:pathLst>
+                <a:path w="2858013" h="6866467">
+                  <a:moveTo>
+                    <a:pt x="0" y="0"/>
+                  </a:moveTo>
+                  <a:lnTo>
+                    <a:pt x="2858013" y="0"/>
+                  </a:lnTo>
+                  <a:lnTo>
+                    <a:pt x="2858013" y="6866467"/>
+                  </a:lnTo>
+                  <a:lnTo>
+                    <a:pt x="2473942" y="6866467"/>
+                  </a:lnTo>
+                  <a:lnTo>
+                    <a:pt x="0" y="0"/>
+                  </a:lnTo>
+                  <a:close/>
+                </a:path>
+              </a:pathLst>
+            </a:custGeom>
+            <a:solidFill>
+              <a:schemeClr val="accent2">
+                <a:lumMod val="75000"/>
+                <a:alpha val="70000"/>
+              </a:schemeClr>
+            </a:solidFill>
+            <a:ln>
+              <a:noFill/>
+            </a:ln>
+            <a:effectLst/>
+          </p:spPr>
+          <p:style>
+            <a:lnRef idx="1">
+              <a:schemeClr val="accent1"/>
+            </a:lnRef>
+            <a:fillRef idx="3">
+              <a:schemeClr val="accent1"/>
+            </a:fillRef>
+            <a:effectRef idx="2">
+              <a:schemeClr val="accent1"/>
+            </a:effectRef>
+            <a:fontRef idx="minor">
+              <a:schemeClr val="lt1"/>
+            </a:fontRef>
+          </p:style>
+        </p:sp>
+        <p:sp>
+          <p:nvSpPr>
+            <p:cNvPr id="26" name="Rectangle 28"/>
+            <p:cNvSpPr/>
+            <p:nvPr/>
+          </p:nvSpPr>
+          <p:spPr>
+            <a:xfrm>
+              <a:off x="10898730" y="-8467"/>
+              <a:ext cx="1290094" cy="6866467"/>
+            </a:xfrm>
+            <a:custGeom>
+              <a:avLst/>
+              <a:gdLst/>
+              <a:ahLst/>
+              <a:cxnLst/>
+              <a:rect l="l" t="t" r="r" b="b"/>
+              <a:pathLst>
+                <a:path w="1290094" h="6858000">
+                  <a:moveTo>
+                    <a:pt x="1019735" y="0"/>
+                  </a:moveTo>
+                  <a:lnTo>
+                    <a:pt x="1290094" y="0"/>
+                  </a:lnTo>
+                  <a:lnTo>
+                    <a:pt x="1290094" y="6858000"/>
+                  </a:lnTo>
+                  <a:lnTo>
+                    <a:pt x="0" y="6858000"/>
+                  </a:lnTo>
+                  <a:lnTo>
+                    <a:pt x="1019735" y="0"/>
+                  </a:lnTo>
+                  <a:close/>
+                </a:path>
+              </a:pathLst>
+            </a:custGeom>
+            <a:solidFill>
+              <a:schemeClr val="accent1">
+                <a:lumMod val="60000"/>
+                <a:lumOff val="40000"/>
+                <a:alpha val="70000"/>
+              </a:schemeClr>
+            </a:solidFill>
+            <a:ln>
+              <a:noFill/>
+            </a:ln>
+            <a:effectLst/>
+          </p:spPr>
+          <p:style>
+            <a:lnRef idx="1">
+              <a:schemeClr val="accent1"/>
+            </a:lnRef>
+            <a:fillRef idx="3">
+              <a:schemeClr val="accent1"/>
+            </a:fillRef>
+            <a:effectRef idx="2">
+              <a:schemeClr val="accent1"/>
+            </a:effectRef>
+            <a:fontRef idx="minor">
+              <a:schemeClr val="lt1"/>
+            </a:fontRef>
+          </p:style>
+        </p:sp>
+        <p:sp>
+          <p:nvSpPr>
+            <p:cNvPr id="27" name="Rectangle 29"/>
+            <p:cNvSpPr/>
+            <p:nvPr/>
+          </p:nvSpPr>
+          <p:spPr>
+            <a:xfrm>
+              <a:off x="10938999" y="-8467"/>
+              <a:ext cx="1249825" cy="6866467"/>
+            </a:xfrm>
+            <a:custGeom>
+              <a:avLst/>
+              <a:gdLst/>
+              <a:ahLst/>
+              <a:cxnLst/>
+              <a:rect l="l" t="t" r="r" b="b"/>
+              <a:pathLst>
+                <a:path w="1249825" h="6858000">
+                  <a:moveTo>
+                    <a:pt x="0" y="0"/>
+                  </a:moveTo>
+                  <a:lnTo>
+                    <a:pt x="1249825" y="0"/>
+                  </a:lnTo>
+                  <a:lnTo>
+                    <a:pt x="1249825" y="6858000"/>
+                  </a:lnTo>
+                  <a:lnTo>
+                    <a:pt x="1109382" y="6858000"/>
+                  </a:lnTo>
+                  <a:lnTo>
+                    <a:pt x="0" y="0"/>
+                  </a:lnTo>
+                  <a:close/>
+                </a:path>
+              </a:pathLst>
+            </a:custGeom>
+            <a:solidFill>
+              <a:schemeClr val="accent1">
+                <a:alpha val="65000"/>
+              </a:schemeClr>
+            </a:solidFill>
+            <a:ln>
+              <a:noFill/>
+            </a:ln>
+            <a:effectLst/>
+          </p:spPr>
+          <p:style>
+            <a:lnRef idx="1">
+              <a:schemeClr val="accent1"/>
+            </a:lnRef>
+            <a:fillRef idx="3">
+              <a:schemeClr val="accent1"/>
+            </a:fillRef>
+            <a:effectRef idx="2">
+              <a:schemeClr val="accent1"/>
+            </a:effectRef>
+            <a:fontRef idx="minor">
+              <a:schemeClr val="lt1"/>
+            </a:fontRef>
+          </p:style>
+        </p:sp>
+        <p:sp>
+          <p:nvSpPr>
+            <p:cNvPr id="28" name="Isosceles Triangle 27"/>
+            <p:cNvSpPr/>
+            <p:nvPr/>
+          </p:nvSpPr>
+          <p:spPr>
+            <a:xfrm>
+              <a:off x="10371666" y="3589867"/>
+              <a:ext cx="1817159" cy="3268133"/>
+            </a:xfrm>
+            <a:prstGeom prst="triangle">
+              <a:avLst>
+                <a:gd name="adj" fmla="val 100000"/>
+              </a:avLst>
+            </a:prstGeom>
+            <a:solidFill>
+              <a:schemeClr val="accent1">
+                <a:alpha val="80000"/>
+              </a:schemeClr>
+            </a:solidFill>
+            <a:ln>
+              <a:noFill/>
+            </a:ln>
+            <a:effectLst/>
+          </p:spPr>
+          <p:style>
+            <a:lnRef idx="1">
+              <a:schemeClr val="accent1"/>
+            </a:lnRef>
+            <a:fillRef idx="3">
+              <a:schemeClr val="accent1"/>
+            </a:fillRef>
+            <a:effectRef idx="2">
+              <a:schemeClr val="accent1"/>
+            </a:effectRef>
+            <a:fontRef idx="minor">
+              <a:schemeClr val="lt1"/>
+            </a:fontRef>
+          </p:style>
+        </p:sp>
+        <p:sp>
+          <p:nvSpPr>
+            <p:cNvPr id="29" name="Isosceles Triangle 28"/>
+            <p:cNvSpPr/>
+            <p:nvPr/>
+          </p:nvSpPr>
+          <p:spPr>
+            <a:xfrm>
+              <a:off x="0" y="4013200"/>
+              <a:ext cx="448733" cy="2844800"/>
+            </a:xfrm>
+            <a:prstGeom prst="triangle">
+              <a:avLst>
+                <a:gd name="adj" fmla="val 0"/>
+              </a:avLst>
+            </a:prstGeom>
+            <a:solidFill>
+              <a:schemeClr val="accent1">
+                <a:alpha val="85000"/>
+              </a:schemeClr>
+            </a:solidFill>
+            <a:ln>
+              <a:noFill/>
+            </a:ln>
+            <a:effectLst/>
+          </p:spPr>
+          <p:style>
+            <a:lnRef idx="1">
+              <a:schemeClr val="accent1"/>
+            </a:lnRef>
+            <a:fillRef idx="3">
+              <a:schemeClr val="accent1"/>
+            </a:fillRef>
+            <a:effectRef idx="2">
+              <a:schemeClr val="accent1"/>
+            </a:effectRef>
+            <a:fontRef idx="minor">
+              <a:schemeClr val="lt1"/>
+            </a:fontRef>
+          </p:style>
+        </p:sp>
+      </p:grpSp>
       <p:sp>
         <p:nvSpPr>
           <p:cNvPr id="2" name="Title Placeholder 1"/>
@@ -2453,15 +5199,15 @@
         </p:nvSpPr>
         <p:spPr>
           <a:xfrm>
-            <a:off x="838200" y="365125"/>
-            <a:ext cx="10515600" cy="1325563"/>
+            <a:off x="677334" y="609600"/>
+            <a:ext cx="8596668" cy="1320800"/>
           </a:xfrm>
           <a:prstGeom prst="rect">
             <a:avLst/>
           </a:prstGeom>
         </p:spPr>
         <p:txBody>
-          <a:bodyPr vert="horz" lIns="91440" tIns="45720" rIns="91440" bIns="45720" rtlCol="0" anchor="ctr">
+          <a:bodyPr vert="horz" lIns="91440" tIns="45720" rIns="91440" bIns="45720" rtlCol="0" anchor="t">
             <a:normAutofit/>
           </a:bodyPr>
           <a:lstStyle/>
@@ -2470,7 +5216,7 @@
               <a:rPr lang="en-US" smtClean="0"/>
               <a:t>Click to edit Master title style</a:t>
             </a:r>
-            <a:endParaRPr lang="en-US"/>
+            <a:endParaRPr lang="en-US" dirty="0"/>
           </a:p>
         </p:txBody>
       </p:sp>
@@ -2486,8 +5232,8 @@
         </p:nvSpPr>
         <p:spPr>
           <a:xfrm>
-            <a:off x="838200" y="1825625"/>
-            <a:ext cx="10515600" cy="4351338"/>
+            <a:off x="677334" y="2160589"/>
+            <a:ext cx="8596668" cy="3880773"/>
           </a:xfrm>
           <a:prstGeom prst="rect">
             <a:avLst/>
@@ -2532,7 +5278,7 @@
               <a:rPr lang="en-US" smtClean="0"/>
               <a:t>Fifth level</a:t>
             </a:r>
-            <a:endParaRPr lang="en-US"/>
+            <a:endParaRPr lang="en-US" dirty="0"/>
           </a:p>
         </p:txBody>
       </p:sp>
@@ -2548,8 +5294,8 @@
         </p:nvSpPr>
         <p:spPr>
           <a:xfrm>
-            <a:off x="838200" y="6356350"/>
-            <a:ext cx="2743200" cy="365125"/>
+            <a:off x="7205133" y="6041362"/>
+            <a:ext cx="911939" cy="365125"/>
           </a:xfrm>
           <a:prstGeom prst="rect">
             <a:avLst/>
@@ -2558,8 +5304,8 @@
         <p:txBody>
           <a:bodyPr vert="horz" lIns="91440" tIns="45720" rIns="91440" bIns="45720" rtlCol="0" anchor="ctr"/>
           <a:lstStyle>
-            <a:lvl1pPr algn="l">
-              <a:defRPr sz="1200">
+            <a:lvl1pPr algn="r">
+              <a:defRPr sz="900">
                 <a:solidFill>
                   <a:schemeClr val="tx1">
                     <a:tint val="75000"/>
@@ -2571,7 +5317,7 @@
           <a:p>
             <a:fld id="{535BF83A-C96E-4538-A700-40CFEE0A1F45}" type="datetimeFigureOut">
               <a:rPr lang="en-US" smtClean="0"/>
-              <a:t>06-05-2024</a:t>
+              <a:t>22-06-2024</a:t>
             </a:fld>
             <a:endParaRPr lang="en-US"/>
           </a:p>
@@ -2589,8 +5335,8 @@
         </p:nvSpPr>
         <p:spPr>
           <a:xfrm>
-            <a:off x="4038600" y="6356350"/>
-            <a:ext cx="4114800" cy="365125"/>
+            <a:off x="677334" y="6041362"/>
+            <a:ext cx="6297612" cy="365125"/>
           </a:xfrm>
           <a:prstGeom prst="rect">
             <a:avLst/>
@@ -2599,8 +5345,8 @@
         <p:txBody>
           <a:bodyPr vert="horz" lIns="91440" tIns="45720" rIns="91440" bIns="45720" rtlCol="0" anchor="ctr"/>
           <a:lstStyle>
-            <a:lvl1pPr algn="ctr">
-              <a:defRPr sz="1200">
+            <a:lvl1pPr algn="l">
+              <a:defRPr sz="900">
                 <a:solidFill>
                   <a:schemeClr val="tx1">
                     <a:tint val="75000"/>
@@ -2626,8 +5372,8 @@
         </p:nvSpPr>
         <p:spPr>
           <a:xfrm>
-            <a:off x="8610600" y="6356350"/>
-            <a:ext cx="2743200" cy="365125"/>
+            <a:off x="8590663" y="6041362"/>
+            <a:ext cx="683339" cy="365125"/>
           </a:xfrm>
           <a:prstGeom prst="rect">
             <a:avLst/>
@@ -2637,11 +5383,9 @@
           <a:bodyPr vert="horz" lIns="91440" tIns="45720" rIns="91440" bIns="45720" rtlCol="0" anchor="ctr"/>
           <a:lstStyle>
             <a:lvl1pPr algn="r">
-              <a:defRPr sz="1200">
-                <a:solidFill>
-                  <a:schemeClr val="tx1">
-                    <a:tint val="75000"/>
-                  </a:schemeClr>
+              <a:defRPr sz="900">
+                <a:solidFill>
+                  <a:schemeClr val="accent1"/>
                 </a:solidFill>
               </a:defRPr>
             </a:lvl1pPr>
@@ -2658,201 +5402,322 @@
     </p:spTree>
     <p:extLst>
       <p:ext uri="{BB962C8B-B14F-4D97-AF65-F5344CB8AC3E}">
-        <p14:creationId xmlns:p14="http://schemas.microsoft.com/office/powerpoint/2010/main" val="3472024963"/>
+        <p14:creationId xmlns:p14="http://schemas.microsoft.com/office/powerpoint/2010/main" val="579839130"/>
       </p:ext>
     </p:extLst>
   </p:cSld>
   <p:clrMap bg1="lt1" tx1="dk1" bg2="lt2" tx2="dk2" accent1="accent1" accent2="accent2" accent3="accent3" accent4="accent4" accent5="accent5" accent6="accent6" hlink="hlink" folHlink="folHlink"/>
   <p:sldLayoutIdLst>
-    <p:sldLayoutId id="2147483649" r:id="rId1"/>
-    <p:sldLayoutId id="2147483650" r:id="rId2"/>
-    <p:sldLayoutId id="2147483651" r:id="rId3"/>
-    <p:sldLayoutId id="2147483652" r:id="rId4"/>
-    <p:sldLayoutId id="2147483653" r:id="rId5"/>
-    <p:sldLayoutId id="2147483654" r:id="rId6"/>
-    <p:sldLayoutId id="2147483655" r:id="rId7"/>
-    <p:sldLayoutId id="2147483656" r:id="rId8"/>
-    <p:sldLayoutId id="2147483657" r:id="rId9"/>
-    <p:sldLayoutId id="2147483658" r:id="rId10"/>
-    <p:sldLayoutId id="2147483659" r:id="rId11"/>
+    <p:sldLayoutId id="2147483736" r:id="rId1"/>
+    <p:sldLayoutId id="2147483737" r:id="rId2"/>
+    <p:sldLayoutId id="2147483738" r:id="rId3"/>
+    <p:sldLayoutId id="2147483739" r:id="rId4"/>
+    <p:sldLayoutId id="2147483740" r:id="rId5"/>
+    <p:sldLayoutId id="2147483741" r:id="rId6"/>
+    <p:sldLayoutId id="2147483742" r:id="rId7"/>
+    <p:sldLayoutId id="2147483743" r:id="rId8"/>
+    <p:sldLayoutId id="2147483744" r:id="rId9"/>
+    <p:sldLayoutId id="2147483745" r:id="rId10"/>
+    <p:sldLayoutId id="2147483746" r:id="rId11"/>
+    <p:sldLayoutId id="2147483747" r:id="rId12"/>
+    <p:sldLayoutId id="2147483748" r:id="rId13"/>
+    <p:sldLayoutId id="2147483749" r:id="rId14"/>
+    <p:sldLayoutId id="2147483750" r:id="rId15"/>
+    <p:sldLayoutId id="2147483751" r:id="rId16"/>
   </p:sldLayoutIdLst>
   <p:txStyles>
     <p:titleStyle>
-      <a:lvl1pPr algn="l" defTabSz="914400" rtl="0" eaLnBrk="1" latinLnBrk="0" hangingPunct="1">
-        <a:lnSpc>
-          <a:spcPct val="90000"/>
-        </a:lnSpc>
+      <a:lvl1pPr algn="l" defTabSz="457200" rtl="0" eaLnBrk="1" latinLnBrk="0" hangingPunct="1">
         <a:spcBef>
           <a:spcPct val="0"/>
         </a:spcBef>
         <a:buNone/>
-        <a:defRPr sz="4400" kern="1200">
+        <a:defRPr sz="3600" kern="1200">
           <a:solidFill>
-            <a:schemeClr val="tx1"/>
+            <a:schemeClr val="accent1"/>
           </a:solidFill>
           <a:latin typeface="+mj-lt"/>
           <a:ea typeface="+mj-ea"/>
           <a:cs typeface="+mj-cs"/>
         </a:defRPr>
       </a:lvl1pPr>
+      <a:lvl2pPr eaLnBrk="1" hangingPunct="1">
+        <a:defRPr>
+          <a:solidFill>
+            <a:schemeClr val="tx2"/>
+          </a:solidFill>
+        </a:defRPr>
+      </a:lvl2pPr>
+      <a:lvl3pPr eaLnBrk="1" hangingPunct="1">
+        <a:defRPr>
+          <a:solidFill>
+            <a:schemeClr val="tx2"/>
+          </a:solidFill>
+        </a:defRPr>
+      </a:lvl3pPr>
+      <a:lvl4pPr eaLnBrk="1" hangingPunct="1">
+        <a:defRPr>
+          <a:solidFill>
+            <a:schemeClr val="tx2"/>
+          </a:solidFill>
+        </a:defRPr>
+      </a:lvl4pPr>
+      <a:lvl5pPr eaLnBrk="1" hangingPunct="1">
+        <a:defRPr>
+          <a:solidFill>
+            <a:schemeClr val="tx2"/>
+          </a:solidFill>
+        </a:defRPr>
+      </a:lvl5pPr>
+      <a:lvl6pPr eaLnBrk="1" hangingPunct="1">
+        <a:defRPr>
+          <a:solidFill>
+            <a:schemeClr val="tx2"/>
+          </a:solidFill>
+        </a:defRPr>
+      </a:lvl6pPr>
+      <a:lvl7pPr eaLnBrk="1" hangingPunct="1">
+        <a:defRPr>
+          <a:solidFill>
+            <a:schemeClr val="tx2"/>
+          </a:solidFill>
+        </a:defRPr>
+      </a:lvl7pPr>
+      <a:lvl8pPr eaLnBrk="1" hangingPunct="1">
+        <a:defRPr>
+          <a:solidFill>
+            <a:schemeClr val="tx2"/>
+          </a:solidFill>
+        </a:defRPr>
+      </a:lvl8pPr>
+      <a:lvl9pPr eaLnBrk="1" hangingPunct="1">
+        <a:defRPr>
+          <a:solidFill>
+            <a:schemeClr val="tx2"/>
+          </a:solidFill>
+        </a:defRPr>
+      </a:lvl9pPr>
     </p:titleStyle>
     <p:bodyStyle>
-      <a:lvl1pPr marL="228600" indent="-228600" algn="l" defTabSz="914400" rtl="0" eaLnBrk="1" latinLnBrk="0" hangingPunct="1">
-        <a:lnSpc>
-          <a:spcPct val="90000"/>
-        </a:lnSpc>
+      <a:lvl1pPr marL="342900" indent="-342900" algn="l" defTabSz="457200" rtl="0" eaLnBrk="1" latinLnBrk="0" hangingPunct="1">
         <a:spcBef>
           <a:spcPts val="1000"/>
         </a:spcBef>
-        <a:buFont typeface="Arial" panose="020B0604020202020204" pitchFamily="34" charset="0"/>
-        <a:buChar char="•"/>
-        <a:defRPr sz="2800" kern="1200">
+        <a:spcAft>
+          <a:spcPts val="0"/>
+        </a:spcAft>
+        <a:buClr>
+          <a:schemeClr val="accent1"/>
+        </a:buClr>
+        <a:buSzPct val="80000"/>
+        <a:buFont typeface="Wingdings 3" charset="2"/>
+        <a:buChar char=""/>
+        <a:defRPr sz="1800" kern="1200">
           <a:solidFill>
-            <a:schemeClr val="tx1"/>
+            <a:schemeClr val="tx1">
+              <a:lumMod val="75000"/>
+              <a:lumOff val="25000"/>
+            </a:schemeClr>
           </a:solidFill>
           <a:latin typeface="+mn-lt"/>
           <a:ea typeface="+mn-ea"/>
           <a:cs typeface="+mn-cs"/>
         </a:defRPr>
       </a:lvl1pPr>
-      <a:lvl2pPr marL="685800" indent="-228600" algn="l" defTabSz="914400" rtl="0" eaLnBrk="1" latinLnBrk="0" hangingPunct="1">
-        <a:lnSpc>
-          <a:spcPct val="90000"/>
-        </a:lnSpc>
+      <a:lvl2pPr marL="742950" indent="-285750" algn="l" defTabSz="457200" rtl="0" eaLnBrk="1" latinLnBrk="0" hangingPunct="1">
         <a:spcBef>
-          <a:spcPts val="500"/>
+          <a:spcPts val="1000"/>
         </a:spcBef>
-        <a:buFont typeface="Arial" panose="020B0604020202020204" pitchFamily="34" charset="0"/>
-        <a:buChar char="•"/>
-        <a:defRPr sz="2400" kern="1200">
+        <a:spcAft>
+          <a:spcPts val="0"/>
+        </a:spcAft>
+        <a:buClr>
+          <a:schemeClr val="accent1"/>
+        </a:buClr>
+        <a:buSzPct val="80000"/>
+        <a:buFont typeface="Wingdings 3" charset="2"/>
+        <a:buChar char=""/>
+        <a:defRPr sz="1600" kern="1200">
           <a:solidFill>
-            <a:schemeClr val="tx1"/>
+            <a:schemeClr val="tx1">
+              <a:lumMod val="75000"/>
+              <a:lumOff val="25000"/>
+            </a:schemeClr>
           </a:solidFill>
           <a:latin typeface="+mn-lt"/>
           <a:ea typeface="+mn-ea"/>
           <a:cs typeface="+mn-cs"/>
         </a:defRPr>
       </a:lvl2pPr>
-      <a:lvl3pPr marL="1143000" indent="-228600" algn="l" defTabSz="914400" rtl="0" eaLnBrk="1" latinLnBrk="0" hangingPunct="1">
-        <a:lnSpc>
-          <a:spcPct val="90000"/>
-        </a:lnSpc>
+      <a:lvl3pPr marL="1143000" indent="-228600" algn="l" defTabSz="457200" rtl="0" eaLnBrk="1" latinLnBrk="0" hangingPunct="1">
         <a:spcBef>
-          <a:spcPts val="500"/>
+          <a:spcPts val="1000"/>
         </a:spcBef>
-        <a:buFont typeface="Arial" panose="020B0604020202020204" pitchFamily="34" charset="0"/>
-        <a:buChar char="•"/>
-        <a:defRPr sz="2000" kern="1200">
+        <a:spcAft>
+          <a:spcPts val="0"/>
+        </a:spcAft>
+        <a:buClr>
+          <a:schemeClr val="accent1"/>
+        </a:buClr>
+        <a:buSzPct val="80000"/>
+        <a:buFont typeface="Wingdings 3" charset="2"/>
+        <a:buChar char=""/>
+        <a:defRPr sz="1400" kern="1200">
           <a:solidFill>
-            <a:schemeClr val="tx1"/>
+            <a:schemeClr val="tx1">
+              <a:lumMod val="75000"/>
+              <a:lumOff val="25000"/>
+            </a:schemeClr>
           </a:solidFill>
           <a:latin typeface="+mn-lt"/>
           <a:ea typeface="+mn-ea"/>
           <a:cs typeface="+mn-cs"/>
         </a:defRPr>
       </a:lvl3pPr>
-      <a:lvl4pPr marL="1600200" indent="-228600" algn="l" defTabSz="914400" rtl="0" eaLnBrk="1" latinLnBrk="0" hangingPunct="1">
-        <a:lnSpc>
-          <a:spcPct val="90000"/>
-        </a:lnSpc>
+      <a:lvl4pPr marL="1600200" indent="-228600" algn="l" defTabSz="457200" rtl="0" eaLnBrk="1" latinLnBrk="0" hangingPunct="1">
         <a:spcBef>
-          <a:spcPts val="500"/>
+          <a:spcPts val="1000"/>
         </a:spcBef>
-        <a:buFont typeface="Arial" panose="020B0604020202020204" pitchFamily="34" charset="0"/>
-        <a:buChar char="•"/>
-        <a:defRPr sz="1800" kern="1200">
+        <a:spcAft>
+          <a:spcPts val="0"/>
+        </a:spcAft>
+        <a:buClr>
+          <a:schemeClr val="accent1"/>
+        </a:buClr>
+        <a:buSzPct val="80000"/>
+        <a:buFont typeface="Wingdings 3" charset="2"/>
+        <a:buChar char=""/>
+        <a:defRPr sz="1200" kern="1200">
           <a:solidFill>
-            <a:schemeClr val="tx1"/>
+            <a:schemeClr val="tx1">
+              <a:lumMod val="75000"/>
+              <a:lumOff val="25000"/>
+            </a:schemeClr>
           </a:solidFill>
           <a:latin typeface="+mn-lt"/>
           <a:ea typeface="+mn-ea"/>
           <a:cs typeface="+mn-cs"/>
         </a:defRPr>
       </a:lvl4pPr>
-      <a:lvl5pPr marL="2057400" indent="-228600" algn="l" defTabSz="914400" rtl="0" eaLnBrk="1" latinLnBrk="0" hangingPunct="1">
-        <a:lnSpc>
-          <a:spcPct val="90000"/>
-        </a:lnSpc>
+      <a:lvl5pPr marL="2057400" indent="-228600" algn="l" defTabSz="457200" rtl="0" eaLnBrk="1" latinLnBrk="0" hangingPunct="1">
         <a:spcBef>
-          <a:spcPts val="500"/>
+          <a:spcPts val="1000"/>
         </a:spcBef>
-        <a:buFont typeface="Arial" panose="020B0604020202020204" pitchFamily="34" charset="0"/>
-        <a:buChar char="•"/>
-        <a:defRPr sz="1800" kern="1200">
+        <a:spcAft>
+          <a:spcPts val="0"/>
+        </a:spcAft>
+        <a:buClr>
+          <a:schemeClr val="accent1"/>
+        </a:buClr>
+        <a:buSzPct val="80000"/>
+        <a:buFont typeface="Wingdings 3" charset="2"/>
+        <a:buChar char=""/>
+        <a:defRPr sz="1200" kern="1200">
           <a:solidFill>
-            <a:schemeClr val="tx1"/>
+            <a:schemeClr val="tx1">
+              <a:lumMod val="75000"/>
+              <a:lumOff val="25000"/>
+            </a:schemeClr>
           </a:solidFill>
           <a:latin typeface="+mn-lt"/>
           <a:ea typeface="+mn-ea"/>
           <a:cs typeface="+mn-cs"/>
         </a:defRPr>
       </a:lvl5pPr>
-      <a:lvl6pPr marL="2514600" indent="-228600" algn="l" defTabSz="914400" rtl="0" eaLnBrk="1" latinLnBrk="0" hangingPunct="1">
-        <a:lnSpc>
-          <a:spcPct val="90000"/>
-        </a:lnSpc>
+      <a:lvl6pPr marL="2514600" indent="-228600" algn="l" defTabSz="457200" rtl="0" eaLnBrk="1" latinLnBrk="0" hangingPunct="1">
         <a:spcBef>
-          <a:spcPts val="500"/>
+          <a:spcPts val="1000"/>
         </a:spcBef>
-        <a:buFont typeface="Arial" panose="020B0604020202020204" pitchFamily="34" charset="0"/>
-        <a:buChar char="•"/>
-        <a:defRPr sz="1800" kern="1200">
+        <a:spcAft>
+          <a:spcPts val="0"/>
+        </a:spcAft>
+        <a:buClr>
+          <a:schemeClr val="accent1"/>
+        </a:buClr>
+        <a:buSzPct val="80000"/>
+        <a:buFont typeface="Wingdings 3" charset="2"/>
+        <a:buChar char=""/>
+        <a:defRPr sz="1200" kern="1200">
           <a:solidFill>
-            <a:schemeClr val="tx1"/>
+            <a:schemeClr val="tx1">
+              <a:lumMod val="75000"/>
+              <a:lumOff val="25000"/>
+            </a:schemeClr>
           </a:solidFill>
           <a:latin typeface="+mn-lt"/>
           <a:ea typeface="+mn-ea"/>
           <a:cs typeface="+mn-cs"/>
         </a:defRPr>
       </a:lvl6pPr>
-      <a:lvl7pPr marL="2971800" indent="-228600" algn="l" defTabSz="914400" rtl="0" eaLnBrk="1" latinLnBrk="0" hangingPunct="1">
-        <a:lnSpc>
-          <a:spcPct val="90000"/>
-        </a:lnSpc>
+      <a:lvl7pPr marL="2971800" indent="-228600" algn="l" defTabSz="457200" rtl="0" eaLnBrk="1" latinLnBrk="0" hangingPunct="1">
         <a:spcBef>
-          <a:spcPts val="500"/>
+          <a:spcPts val="1000"/>
         </a:spcBef>
-        <a:buFont typeface="Arial" panose="020B0604020202020204" pitchFamily="34" charset="0"/>
-        <a:buChar char="•"/>
-        <a:defRPr sz="1800" kern="1200">
+        <a:spcAft>
+          <a:spcPts val="0"/>
+        </a:spcAft>
+        <a:buClr>
+          <a:schemeClr val="accent1"/>
+        </a:buClr>
+        <a:buSzPct val="80000"/>
+        <a:buFont typeface="Wingdings 3" charset="2"/>
+        <a:buChar char=""/>
+        <a:defRPr sz="1200" kern="1200">
           <a:solidFill>
-            <a:schemeClr val="tx1"/>
+            <a:schemeClr val="tx1">
+              <a:lumMod val="75000"/>
+              <a:lumOff val="25000"/>
+            </a:schemeClr>
           </a:solidFill>
           <a:latin typeface="+mn-lt"/>
           <a:ea typeface="+mn-ea"/>
           <a:cs typeface="+mn-cs"/>
         </a:defRPr>
       </a:lvl7pPr>
-      <a:lvl8pPr marL="3429000" indent="-228600" algn="l" defTabSz="914400" rtl="0" eaLnBrk="1" latinLnBrk="0" hangingPunct="1">
-        <a:lnSpc>
-          <a:spcPct val="90000"/>
-        </a:lnSpc>
+      <a:lvl8pPr marL="3429000" indent="-228600" algn="l" defTabSz="457200" rtl="0" eaLnBrk="1" latinLnBrk="0" hangingPunct="1">
         <a:spcBef>
-          <a:spcPts val="500"/>
+          <a:spcPts val="1000"/>
         </a:spcBef>
-        <a:buFont typeface="Arial" panose="020B0604020202020204" pitchFamily="34" charset="0"/>
-        <a:buChar char="•"/>
-        <a:defRPr sz="1800" kern="1200">
+        <a:spcAft>
+          <a:spcPts val="0"/>
+        </a:spcAft>
+        <a:buClr>
+          <a:schemeClr val="accent1"/>
+        </a:buClr>
+        <a:buSzPct val="80000"/>
+        <a:buFont typeface="Wingdings 3" charset="2"/>
+        <a:buChar char=""/>
+        <a:defRPr sz="1200" kern="1200">
           <a:solidFill>
-            <a:schemeClr val="tx1"/>
+            <a:schemeClr val="tx1">
+              <a:lumMod val="75000"/>
+              <a:lumOff val="25000"/>
+            </a:schemeClr>
           </a:solidFill>
           <a:latin typeface="+mn-lt"/>
           <a:ea typeface="+mn-ea"/>
           <a:cs typeface="+mn-cs"/>
         </a:defRPr>
       </a:lvl8pPr>
-      <a:lvl9pPr marL="3886200" indent="-228600" algn="l" defTabSz="914400" rtl="0" eaLnBrk="1" latinLnBrk="0" hangingPunct="1">
-        <a:lnSpc>
-          <a:spcPct val="90000"/>
-        </a:lnSpc>
+      <a:lvl9pPr marL="3886200" indent="-228600" algn="l" defTabSz="457200" rtl="0" eaLnBrk="1" latinLnBrk="0" hangingPunct="1">
         <a:spcBef>
-          <a:spcPts val="500"/>
+          <a:spcPts val="1000"/>
         </a:spcBef>
-        <a:buFont typeface="Arial" panose="020B0604020202020204" pitchFamily="34" charset="0"/>
-        <a:buChar char="•"/>
-        <a:defRPr sz="1800" kern="1200">
+        <a:spcAft>
+          <a:spcPts val="0"/>
+        </a:spcAft>
+        <a:buClr>
+          <a:schemeClr val="accent1"/>
+        </a:buClr>
+        <a:buSzPct val="80000"/>
+        <a:buFont typeface="Wingdings 3" charset="2"/>
+        <a:buChar char=""/>
+        <a:defRPr sz="1200" kern="1200">
           <a:solidFill>
-            <a:schemeClr val="tx1"/>
+            <a:schemeClr val="tx1">
+              <a:lumMod val="75000"/>
+              <a:lumOff val="25000"/>
+            </a:schemeClr>
           </a:solidFill>
           <a:latin typeface="+mn-lt"/>
           <a:ea typeface="+mn-ea"/>
@@ -2864,7 +5729,7 @@
       <a:defPPr>
         <a:defRPr lang="en-US"/>
       </a:defPPr>
-      <a:lvl1pPr marL="0" algn="l" defTabSz="914400" rtl="0" eaLnBrk="1" latinLnBrk="0" hangingPunct="1">
+      <a:lvl1pPr marL="0" algn="l" defTabSz="457200" rtl="0" eaLnBrk="1" latinLnBrk="0" hangingPunct="1">
         <a:defRPr sz="1800" kern="1200">
           <a:solidFill>
             <a:schemeClr val="tx1"/>
@@ -2874,7 +5739,7 @@
           <a:cs typeface="+mn-cs"/>
         </a:defRPr>
       </a:lvl1pPr>
-      <a:lvl2pPr marL="457200" algn="l" defTabSz="914400" rtl="0" eaLnBrk="1" latinLnBrk="0" hangingPunct="1">
+      <a:lvl2pPr marL="457200" algn="l" defTabSz="457200" rtl="0" eaLnBrk="1" latinLnBrk="0" hangingPunct="1">
         <a:defRPr sz="1800" kern="1200">
           <a:solidFill>
             <a:schemeClr val="tx1"/>
@@ -2884,7 +5749,7 @@
           <a:cs typeface="+mn-cs"/>
         </a:defRPr>
       </a:lvl2pPr>
-      <a:lvl3pPr marL="914400" algn="l" defTabSz="914400" rtl="0" eaLnBrk="1" latinLnBrk="0" hangingPunct="1">
+      <a:lvl3pPr marL="914400" algn="l" defTabSz="457200" rtl="0" eaLnBrk="1" latinLnBrk="0" hangingPunct="1">
         <a:defRPr sz="1800" kern="1200">
           <a:solidFill>
             <a:schemeClr val="tx1"/>
@@ -2894,7 +5759,7 @@
           <a:cs typeface="+mn-cs"/>
         </a:defRPr>
       </a:lvl3pPr>
-      <a:lvl4pPr marL="1371600" algn="l" defTabSz="914400" rtl="0" eaLnBrk="1" latinLnBrk="0" hangingPunct="1">
+      <a:lvl4pPr marL="1371600" algn="l" defTabSz="457200" rtl="0" eaLnBrk="1" latinLnBrk="0" hangingPunct="1">
         <a:defRPr sz="1800" kern="1200">
           <a:solidFill>
             <a:schemeClr val="tx1"/>
@@ -2904,7 +5769,7 @@
           <a:cs typeface="+mn-cs"/>
         </a:defRPr>
       </a:lvl4pPr>
-      <a:lvl5pPr marL="1828800" algn="l" defTabSz="914400" rtl="0" eaLnBrk="1" latinLnBrk="0" hangingPunct="1">
+      <a:lvl5pPr marL="1828800" algn="l" defTabSz="457200" rtl="0" eaLnBrk="1" latinLnBrk="0" hangingPunct="1">
         <a:defRPr sz="1800" kern="1200">
           <a:solidFill>
             <a:schemeClr val="tx1"/>
@@ -2914,7 +5779,7 @@
           <a:cs typeface="+mn-cs"/>
         </a:defRPr>
       </a:lvl5pPr>
-      <a:lvl6pPr marL="2286000" algn="l" defTabSz="914400" rtl="0" eaLnBrk="1" latinLnBrk="0" hangingPunct="1">
+      <a:lvl6pPr marL="2286000" algn="l" defTabSz="457200" rtl="0" eaLnBrk="1" latinLnBrk="0" hangingPunct="1">
         <a:defRPr sz="1800" kern="1200">
           <a:solidFill>
             <a:schemeClr val="tx1"/>
@@ -2924,7 +5789,7 @@
           <a:cs typeface="+mn-cs"/>
         </a:defRPr>
       </a:lvl6pPr>
-      <a:lvl7pPr marL="2743200" algn="l" defTabSz="914400" rtl="0" eaLnBrk="1" latinLnBrk="0" hangingPunct="1">
+      <a:lvl7pPr marL="2743200" algn="l" defTabSz="457200" rtl="0" eaLnBrk="1" latinLnBrk="0" hangingPunct="1">
         <a:defRPr sz="1800" kern="1200">
           <a:solidFill>
             <a:schemeClr val="tx1"/>
@@ -2934,7 +5799,7 @@
           <a:cs typeface="+mn-cs"/>
         </a:defRPr>
       </a:lvl7pPr>
-      <a:lvl8pPr marL="3200400" algn="l" defTabSz="914400" rtl="0" eaLnBrk="1" latinLnBrk="0" hangingPunct="1">
+      <a:lvl8pPr marL="3200400" algn="l" defTabSz="457200" rtl="0" eaLnBrk="1" latinLnBrk="0" hangingPunct="1">
         <a:defRPr sz="1800" kern="1200">
           <a:solidFill>
             <a:schemeClr val="tx1"/>
@@ -2944,7 +5809,7 @@
           <a:cs typeface="+mn-cs"/>
         </a:defRPr>
       </a:lvl8pPr>
-      <a:lvl9pPr marL="3657600" algn="l" defTabSz="914400" rtl="0" eaLnBrk="1" latinLnBrk="0" hangingPunct="1">
+      <a:lvl9pPr marL="3657600" algn="l" defTabSz="457200" rtl="0" eaLnBrk="1" latinLnBrk="0" hangingPunct="1">
         <a:defRPr sz="1800" kern="1200">
           <a:solidFill>
             <a:schemeClr val="tx1"/>
@@ -2988,7 +5853,7 @@
         </p:nvSpPr>
         <p:spPr>
           <a:xfrm>
-            <a:off x="1524000" y="218940"/>
+            <a:off x="210355" y="476517"/>
             <a:ext cx="9144000" cy="1037220"/>
           </a:xfrm>
         </p:spPr>
@@ -2997,10 +5862,10 @@
           <a:lstStyle/>
           <a:p>
             <a:r>
-              <a:rPr lang="en-US" dirty="0" smtClean="0"/>
+              <a:rPr lang="en-US" u="sng" dirty="0" smtClean="0"/>
               <a:t>Overview of Project Task</a:t>
             </a:r>
-            <a:endParaRPr lang="en-US" dirty="0"/>
+            <a:endParaRPr lang="en-US" u="sng" dirty="0"/>
           </a:p>
         </p:txBody>
       </p:sp>
@@ -3016,7 +5881,7 @@
         </p:nvSpPr>
         <p:spPr>
           <a:xfrm>
-            <a:off x="1524000" y="2005058"/>
+            <a:off x="764147" y="2005058"/>
             <a:ext cx="9144000" cy="1343449"/>
           </a:xfrm>
         </p:spPr>
@@ -3026,24 +5891,24 @@
           </a:bodyPr>
           <a:lstStyle/>
           <a:p>
-            <a:pPr>
+            <a:pPr algn="ctr">
               <a:lnSpc>
                 <a:spcPct val="150000"/>
               </a:lnSpc>
             </a:pPr>
             <a:r>
-              <a:rPr lang="en-US" sz="3000" dirty="0" smtClean="0"/>
-              <a:t>The main objective is to analyze Netflix movies and TV Shows dataset in other to gain valuable insight that will enable data driven decision and overall business performance </a:t>
-            </a:r>
-            <a:r>
-              <a:rPr lang="en-US" sz="3000" dirty="0" smtClean="0"/>
-              <a:t>optimization</a:t>
-            </a:r>
-            <a:r>
-              <a:rPr lang="en-US" sz="3000" dirty="0" smtClean="0"/>
-              <a:t> </a:t>
-            </a:r>
-            <a:endParaRPr lang="en-US" sz="3000" dirty="0"/>
+              <a:rPr lang="en-US" sz="3000" b="1" dirty="0" smtClean="0">
+                <a:solidFill>
+                  <a:schemeClr val="tx1"/>
+                </a:solidFill>
+              </a:rPr>
+              <a:t>The main objective is to analyze Netflix movies and TV Shows dataset in other to gain valuable insight that will enable data driven decision and overall business performance optimization </a:t>
+            </a:r>
+            <a:endParaRPr lang="en-US" sz="3000" b="1" dirty="0">
+              <a:solidFill>
+                <a:schemeClr val="tx1"/>
+              </a:solidFill>
+            </a:endParaRPr>
           </a:p>
         </p:txBody>
       </p:sp>
@@ -3057,6 +5922,13 @@
   <p:clrMapOvr>
     <a:masterClrMapping/>
   </p:clrMapOvr>
+  <p:timing>
+    <p:tnLst>
+      <p:par>
+        <p:cTn id="1" dur="indefinite" restart="never" nodeType="tmRoot"/>
+      </p:par>
+    </p:tnLst>
+  </p:timing>
 </p:sld>
 </file>
 
@@ -3079,56 +5951,6 @@
       </p:grpSpPr>
       <p:sp>
         <p:nvSpPr>
-          <p:cNvPr id="5" name="Title 1"/>
-          <p:cNvSpPr txBox="1">
-            <a:spLocks/>
-          </p:cNvSpPr>
-          <p:nvPr/>
-        </p:nvSpPr>
-        <p:spPr>
-          <a:xfrm>
-            <a:off x="1524000" y="0"/>
-            <a:ext cx="9144000" cy="682580"/>
-          </a:xfrm>
-          <a:prstGeom prst="rect">
-            <a:avLst/>
-          </a:prstGeom>
-        </p:spPr>
-        <p:txBody>
-          <a:bodyPr vert="horz" lIns="91440" tIns="45720" rIns="91440" bIns="45720" rtlCol="0" anchor="ctr">
-            <a:normAutofit lnSpcReduction="10000"/>
-          </a:bodyPr>
-          <a:lstStyle>
-            <a:lvl1pPr algn="l" defTabSz="914400" rtl="0" eaLnBrk="1" latinLnBrk="0" hangingPunct="1">
-              <a:lnSpc>
-                <a:spcPct val="90000"/>
-              </a:lnSpc>
-              <a:spcBef>
-                <a:spcPct val="0"/>
-              </a:spcBef>
-              <a:buNone/>
-              <a:defRPr sz="4400" kern="1200">
-                <a:solidFill>
-                  <a:schemeClr val="tx1"/>
-                </a:solidFill>
-                <a:latin typeface="+mj-lt"/>
-                <a:ea typeface="+mj-ea"/>
-                <a:cs typeface="+mj-cs"/>
-              </a:defRPr>
-            </a:lvl1pPr>
-          </a:lstStyle>
-          <a:p>
-            <a:pPr algn="ctr"/>
-            <a:r>
-              <a:rPr lang="en-US" u="sng" dirty="0" smtClean="0"/>
-              <a:t>Observations cont.</a:t>
-            </a:r>
-            <a:endParaRPr lang="en-US" u="sng" dirty="0"/>
-          </a:p>
-        </p:txBody>
-      </p:sp>
-      <p:sp>
-        <p:nvSpPr>
           <p:cNvPr id="6" name="Subtitle 3"/>
           <p:cNvSpPr txBox="1">
             <a:spLocks/>
@@ -3137,7 +5959,7 @@
         </p:nvSpPr>
         <p:spPr>
           <a:xfrm>
-            <a:off x="1524000" y="4596105"/>
+            <a:off x="583843" y="5072621"/>
             <a:ext cx="9144000" cy="1766060"/>
           </a:xfrm>
           <a:prstGeom prst="rect">
@@ -3146,7 +5968,7 @@
         </p:spPr>
         <p:txBody>
           <a:bodyPr vert="horz" lIns="91440" tIns="45720" rIns="91440" bIns="45720" rtlCol="0">
-            <a:normAutofit fontScale="92500"/>
+            <a:normAutofit fontScale="92500" lnSpcReduction="20000"/>
           </a:bodyPr>
           <a:lstStyle>
             <a:lvl1pPr marL="228600" indent="-228600" algn="l" defTabSz="914400" rtl="0" eaLnBrk="1" latinLnBrk="0" hangingPunct="1">
@@ -3348,7 +6170,7 @@
         </p:blipFill>
         <p:spPr>
           <a:xfrm>
-            <a:off x="3278372" y="592427"/>
+            <a:off x="3201099" y="850005"/>
             <a:ext cx="4951227" cy="3887767"/>
           </a:xfrm>
           <a:prstGeom prst="rect">
@@ -3356,6 +6178,109 @@
           </a:prstGeom>
         </p:spPr>
       </p:pic>
+      <p:sp>
+        <p:nvSpPr>
+          <p:cNvPr id="7" name="Title 1"/>
+          <p:cNvSpPr txBox="1">
+            <a:spLocks/>
+          </p:cNvSpPr>
+          <p:nvPr/>
+        </p:nvSpPr>
+        <p:spPr>
+          <a:xfrm>
+            <a:off x="2802710" y="0"/>
+            <a:ext cx="6010141" cy="1037220"/>
+          </a:xfrm>
+          <a:prstGeom prst="rect">
+            <a:avLst/>
+          </a:prstGeom>
+        </p:spPr>
+        <p:txBody>
+          <a:bodyPr vert="horz" lIns="91440" tIns="45720" rIns="91440" bIns="45720" rtlCol="0" anchor="t">
+            <a:normAutofit/>
+          </a:bodyPr>
+          <a:lstStyle>
+            <a:lvl1pPr algn="l" defTabSz="457200" rtl="0" eaLnBrk="1" latinLnBrk="0" hangingPunct="1">
+              <a:spcBef>
+                <a:spcPct val="0"/>
+              </a:spcBef>
+              <a:buNone/>
+              <a:defRPr sz="3600" kern="1200">
+                <a:solidFill>
+                  <a:schemeClr val="accent1"/>
+                </a:solidFill>
+                <a:latin typeface="+mj-lt"/>
+                <a:ea typeface="+mj-ea"/>
+                <a:cs typeface="+mj-cs"/>
+              </a:defRPr>
+            </a:lvl1pPr>
+            <a:lvl2pPr eaLnBrk="1" hangingPunct="1">
+              <a:defRPr>
+                <a:solidFill>
+                  <a:schemeClr val="tx2"/>
+                </a:solidFill>
+              </a:defRPr>
+            </a:lvl2pPr>
+            <a:lvl3pPr eaLnBrk="1" hangingPunct="1">
+              <a:defRPr>
+                <a:solidFill>
+                  <a:schemeClr val="tx2"/>
+                </a:solidFill>
+              </a:defRPr>
+            </a:lvl3pPr>
+            <a:lvl4pPr eaLnBrk="1" hangingPunct="1">
+              <a:defRPr>
+                <a:solidFill>
+                  <a:schemeClr val="tx2"/>
+                </a:solidFill>
+              </a:defRPr>
+            </a:lvl4pPr>
+            <a:lvl5pPr eaLnBrk="1" hangingPunct="1">
+              <a:defRPr>
+                <a:solidFill>
+                  <a:schemeClr val="tx2"/>
+                </a:solidFill>
+              </a:defRPr>
+            </a:lvl5pPr>
+            <a:lvl6pPr eaLnBrk="1" hangingPunct="1">
+              <a:defRPr>
+                <a:solidFill>
+                  <a:schemeClr val="tx2"/>
+                </a:solidFill>
+              </a:defRPr>
+            </a:lvl6pPr>
+            <a:lvl7pPr eaLnBrk="1" hangingPunct="1">
+              <a:defRPr>
+                <a:solidFill>
+                  <a:schemeClr val="tx2"/>
+                </a:solidFill>
+              </a:defRPr>
+            </a:lvl7pPr>
+            <a:lvl8pPr eaLnBrk="1" hangingPunct="1">
+              <a:defRPr>
+                <a:solidFill>
+                  <a:schemeClr val="tx2"/>
+                </a:solidFill>
+              </a:defRPr>
+            </a:lvl8pPr>
+            <a:lvl9pPr eaLnBrk="1" hangingPunct="1">
+              <a:defRPr>
+                <a:solidFill>
+                  <a:schemeClr val="tx2"/>
+                </a:solidFill>
+              </a:defRPr>
+            </a:lvl9pPr>
+          </a:lstStyle>
+          <a:p>
+            <a:pPr algn="ctr"/>
+            <a:r>
+              <a:rPr lang="en-US" u="sng" dirty="0" smtClean="0"/>
+              <a:t>Observations cont.</a:t>
+            </a:r>
+            <a:endParaRPr lang="en-US" u="sng" dirty="0"/>
+          </a:p>
+        </p:txBody>
+      </p:sp>
     </p:spTree>
     <p:extLst>
       <p:ext uri="{BB962C8B-B14F-4D97-AF65-F5344CB8AC3E}">
@@ -3366,6 +6291,13 @@
   <p:clrMapOvr>
     <a:masterClrMapping/>
   </p:clrMapOvr>
+  <p:timing>
+    <p:tnLst>
+      <p:par>
+        <p:cTn id="1" dur="indefinite" restart="never" nodeType="tmRoot"/>
+      </p:par>
+    </p:tnLst>
+  </p:timing>
 </p:sld>
 </file>
 
@@ -3396,7 +6328,7 @@
         </p:nvSpPr>
         <p:spPr>
           <a:xfrm>
-            <a:off x="1446727" y="2226392"/>
+            <a:off x="815661" y="2522606"/>
             <a:ext cx="9144000" cy="1019084"/>
           </a:xfrm>
           <a:prstGeom prst="rect">
@@ -3575,14 +6507,22 @@
             <a:pPr marL="342900" indent="-342900" algn="ctr"/>
             <a:r>
               <a:rPr lang="en-US" sz="3000" dirty="0" smtClean="0"/>
-              <a:t>No data is available for popularity score to analysis correlation with genre</a:t>
-            </a:r>
-          </a:p>
-        </p:txBody>
-      </p:sp>
-      <p:sp>
-        <p:nvSpPr>
-          <p:cNvPr id="7" name="Title 1"/>
+              <a:t>No data is available for popularity score to </a:t>
+            </a:r>
+            <a:r>
+              <a:rPr lang="en-US" sz="3000" dirty="0" smtClean="0"/>
+              <a:t>analyze </a:t>
+            </a:r>
+            <a:r>
+              <a:rPr lang="en-US" sz="3000" dirty="0" smtClean="0"/>
+              <a:t>correlation with genre</a:t>
+            </a:r>
+          </a:p>
+        </p:txBody>
+      </p:sp>
+      <p:sp>
+        <p:nvSpPr>
+          <p:cNvPr id="4" name="Title 1"/>
           <p:cNvSpPr txBox="1">
             <a:spLocks/>
           </p:cNvSpPr>
@@ -3590,41 +6530,94 @@
         </p:nvSpPr>
         <p:spPr>
           <a:xfrm>
-            <a:off x="1676400" y="152400"/>
-            <a:ext cx="9144000" cy="682580"/>
+            <a:off x="2382591" y="231819"/>
+            <a:ext cx="6010141" cy="1037220"/>
           </a:xfrm>
           <a:prstGeom prst="rect">
             <a:avLst/>
           </a:prstGeom>
         </p:spPr>
         <p:txBody>
-          <a:bodyPr vert="horz" lIns="91440" tIns="45720" rIns="91440" bIns="45720" rtlCol="0" anchor="ctr">
-            <a:normAutofit lnSpcReduction="10000"/>
+          <a:bodyPr vert="horz" lIns="91440" tIns="45720" rIns="91440" bIns="45720" rtlCol="0" anchor="t">
+            <a:normAutofit/>
           </a:bodyPr>
           <a:lstStyle>
-            <a:lvl1pPr algn="l" defTabSz="914400" rtl="0" eaLnBrk="1" latinLnBrk="0" hangingPunct="1">
-              <a:lnSpc>
-                <a:spcPct val="90000"/>
-              </a:lnSpc>
+            <a:lvl1pPr algn="l" defTabSz="457200" rtl="0" eaLnBrk="1" latinLnBrk="0" hangingPunct="1">
               <a:spcBef>
                 <a:spcPct val="0"/>
               </a:spcBef>
               <a:buNone/>
-              <a:defRPr sz="4400" kern="1200">
-                <a:solidFill>
-                  <a:schemeClr val="tx1"/>
+              <a:defRPr sz="3600" kern="1200">
+                <a:solidFill>
+                  <a:schemeClr val="accent1"/>
                 </a:solidFill>
                 <a:latin typeface="+mj-lt"/>
                 <a:ea typeface="+mj-ea"/>
                 <a:cs typeface="+mj-cs"/>
               </a:defRPr>
             </a:lvl1pPr>
+            <a:lvl2pPr eaLnBrk="1" hangingPunct="1">
+              <a:defRPr>
+                <a:solidFill>
+                  <a:schemeClr val="tx2"/>
+                </a:solidFill>
+              </a:defRPr>
+            </a:lvl2pPr>
+            <a:lvl3pPr eaLnBrk="1" hangingPunct="1">
+              <a:defRPr>
+                <a:solidFill>
+                  <a:schemeClr val="tx2"/>
+                </a:solidFill>
+              </a:defRPr>
+            </a:lvl3pPr>
+            <a:lvl4pPr eaLnBrk="1" hangingPunct="1">
+              <a:defRPr>
+                <a:solidFill>
+                  <a:schemeClr val="tx2"/>
+                </a:solidFill>
+              </a:defRPr>
+            </a:lvl4pPr>
+            <a:lvl5pPr eaLnBrk="1" hangingPunct="1">
+              <a:defRPr>
+                <a:solidFill>
+                  <a:schemeClr val="tx2"/>
+                </a:solidFill>
+              </a:defRPr>
+            </a:lvl5pPr>
+            <a:lvl6pPr eaLnBrk="1" hangingPunct="1">
+              <a:defRPr>
+                <a:solidFill>
+                  <a:schemeClr val="tx2"/>
+                </a:solidFill>
+              </a:defRPr>
+            </a:lvl6pPr>
+            <a:lvl7pPr eaLnBrk="1" hangingPunct="1">
+              <a:defRPr>
+                <a:solidFill>
+                  <a:schemeClr val="tx2"/>
+                </a:solidFill>
+              </a:defRPr>
+            </a:lvl7pPr>
+            <a:lvl8pPr eaLnBrk="1" hangingPunct="1">
+              <a:defRPr>
+                <a:solidFill>
+                  <a:schemeClr val="tx2"/>
+                </a:solidFill>
+              </a:defRPr>
+            </a:lvl8pPr>
+            <a:lvl9pPr eaLnBrk="1" hangingPunct="1">
+              <a:defRPr>
+                <a:solidFill>
+                  <a:schemeClr val="tx2"/>
+                </a:solidFill>
+              </a:defRPr>
+            </a:lvl9pPr>
           </a:lstStyle>
           <a:p>
             <a:pPr algn="ctr"/>
             <a:r>
               <a:rPr lang="en-US" u="sng" dirty="0" smtClean="0"/>
-              <a:t>Data limitation </a:t>
+              <a:t>Data Limitation</a:t>
             </a:r>
             <a:endParaRPr lang="en-US" u="sng" dirty="0"/>
           </a:p>
@@ -3640,6 +6633,13 @@
   <p:clrMapOvr>
     <a:masterClrMapping/>
   </p:clrMapOvr>
+  <p:timing>
+    <p:tnLst>
+      <p:par>
+        <p:cTn id="1" dur="indefinite" restart="never" nodeType="tmRoot"/>
+      </p:par>
+    </p:tnLst>
+  </p:timing>
 </p:sld>
 </file>
 
@@ -3670,7 +6670,209 @@
         </p:nvSpPr>
         <p:spPr>
           <a:xfrm>
-            <a:off x="1446727" y="1054414"/>
+            <a:off x="686874" y="1054414"/>
+            <a:ext cx="9144000" cy="1019084"/>
+          </a:xfrm>
+          <a:prstGeom prst="rect">
+            <a:avLst/>
+          </a:prstGeom>
+        </p:spPr>
+        <p:txBody>
+          <a:bodyPr vert="horz" lIns="91440" tIns="45720" rIns="91440" bIns="45720" rtlCol="0">
+            <a:normAutofit fontScale="92500"/>
+          </a:bodyPr>
+          <a:lstStyle>
+            <a:lvl1pPr marL="228600" indent="-228600" algn="l" defTabSz="914400" rtl="0" eaLnBrk="1" latinLnBrk="0" hangingPunct="1">
+              <a:lnSpc>
+                <a:spcPct val="90000"/>
+              </a:lnSpc>
+              <a:spcBef>
+                <a:spcPts val="1000"/>
+              </a:spcBef>
+              <a:buFont typeface="Arial" panose="020B0604020202020204" pitchFamily="34" charset="0"/>
+              <a:buChar char="•"/>
+              <a:defRPr sz="2800" kern="1200">
+                <a:solidFill>
+                  <a:schemeClr val="tx1"/>
+                </a:solidFill>
+                <a:latin typeface="+mn-lt"/>
+                <a:ea typeface="+mn-ea"/>
+                <a:cs typeface="+mn-cs"/>
+              </a:defRPr>
+            </a:lvl1pPr>
+            <a:lvl2pPr marL="685800" indent="-228600" algn="l" defTabSz="914400" rtl="0" eaLnBrk="1" latinLnBrk="0" hangingPunct="1">
+              <a:lnSpc>
+                <a:spcPct val="90000"/>
+              </a:lnSpc>
+              <a:spcBef>
+                <a:spcPts val="500"/>
+              </a:spcBef>
+              <a:buFont typeface="Arial" panose="020B0604020202020204" pitchFamily="34" charset="0"/>
+              <a:buChar char="•"/>
+              <a:defRPr sz="2400" kern="1200">
+                <a:solidFill>
+                  <a:schemeClr val="tx1"/>
+                </a:solidFill>
+                <a:latin typeface="+mn-lt"/>
+                <a:ea typeface="+mn-ea"/>
+                <a:cs typeface="+mn-cs"/>
+              </a:defRPr>
+            </a:lvl2pPr>
+            <a:lvl3pPr marL="1143000" indent="-228600" algn="l" defTabSz="914400" rtl="0" eaLnBrk="1" latinLnBrk="0" hangingPunct="1">
+              <a:lnSpc>
+                <a:spcPct val="90000"/>
+              </a:lnSpc>
+              <a:spcBef>
+                <a:spcPts val="500"/>
+              </a:spcBef>
+              <a:buFont typeface="Arial" panose="020B0604020202020204" pitchFamily="34" charset="0"/>
+              <a:buChar char="•"/>
+              <a:defRPr sz="2000" kern="1200">
+                <a:solidFill>
+                  <a:schemeClr val="tx1"/>
+                </a:solidFill>
+                <a:latin typeface="+mn-lt"/>
+                <a:ea typeface="+mn-ea"/>
+                <a:cs typeface="+mn-cs"/>
+              </a:defRPr>
+            </a:lvl3pPr>
+            <a:lvl4pPr marL="1600200" indent="-228600" algn="l" defTabSz="914400" rtl="0" eaLnBrk="1" latinLnBrk="0" hangingPunct="1">
+              <a:lnSpc>
+                <a:spcPct val="90000"/>
+              </a:lnSpc>
+              <a:spcBef>
+                <a:spcPts val="500"/>
+              </a:spcBef>
+              <a:buFont typeface="Arial" panose="020B0604020202020204" pitchFamily="34" charset="0"/>
+              <a:buChar char="•"/>
+              <a:defRPr sz="1800" kern="1200">
+                <a:solidFill>
+                  <a:schemeClr val="tx1"/>
+                </a:solidFill>
+                <a:latin typeface="+mn-lt"/>
+                <a:ea typeface="+mn-ea"/>
+                <a:cs typeface="+mn-cs"/>
+              </a:defRPr>
+            </a:lvl4pPr>
+            <a:lvl5pPr marL="2057400" indent="-228600" algn="l" defTabSz="914400" rtl="0" eaLnBrk="1" latinLnBrk="0" hangingPunct="1">
+              <a:lnSpc>
+                <a:spcPct val="90000"/>
+              </a:lnSpc>
+              <a:spcBef>
+                <a:spcPts val="500"/>
+              </a:spcBef>
+              <a:buFont typeface="Arial" panose="020B0604020202020204" pitchFamily="34" charset="0"/>
+              <a:buChar char="•"/>
+              <a:defRPr sz="1800" kern="1200">
+                <a:solidFill>
+                  <a:schemeClr val="tx1"/>
+                </a:solidFill>
+                <a:latin typeface="+mn-lt"/>
+                <a:ea typeface="+mn-ea"/>
+                <a:cs typeface="+mn-cs"/>
+              </a:defRPr>
+            </a:lvl5pPr>
+            <a:lvl6pPr marL="2514600" indent="-228600" algn="l" defTabSz="914400" rtl="0" eaLnBrk="1" latinLnBrk="0" hangingPunct="1">
+              <a:lnSpc>
+                <a:spcPct val="90000"/>
+              </a:lnSpc>
+              <a:spcBef>
+                <a:spcPts val="500"/>
+              </a:spcBef>
+              <a:buFont typeface="Arial" panose="020B0604020202020204" pitchFamily="34" charset="0"/>
+              <a:buChar char="•"/>
+              <a:defRPr sz="1800" kern="1200">
+                <a:solidFill>
+                  <a:schemeClr val="tx1"/>
+                </a:solidFill>
+                <a:latin typeface="+mn-lt"/>
+                <a:ea typeface="+mn-ea"/>
+                <a:cs typeface="+mn-cs"/>
+              </a:defRPr>
+            </a:lvl6pPr>
+            <a:lvl7pPr marL="2971800" indent="-228600" algn="l" defTabSz="914400" rtl="0" eaLnBrk="1" latinLnBrk="0" hangingPunct="1">
+              <a:lnSpc>
+                <a:spcPct val="90000"/>
+              </a:lnSpc>
+              <a:spcBef>
+                <a:spcPts val="500"/>
+              </a:spcBef>
+              <a:buFont typeface="Arial" panose="020B0604020202020204" pitchFamily="34" charset="0"/>
+              <a:buChar char="•"/>
+              <a:defRPr sz="1800" kern="1200">
+                <a:solidFill>
+                  <a:schemeClr val="tx1"/>
+                </a:solidFill>
+                <a:latin typeface="+mn-lt"/>
+                <a:ea typeface="+mn-ea"/>
+                <a:cs typeface="+mn-cs"/>
+              </a:defRPr>
+            </a:lvl7pPr>
+            <a:lvl8pPr marL="3429000" indent="-228600" algn="l" defTabSz="914400" rtl="0" eaLnBrk="1" latinLnBrk="0" hangingPunct="1">
+              <a:lnSpc>
+                <a:spcPct val="90000"/>
+              </a:lnSpc>
+              <a:spcBef>
+                <a:spcPts val="500"/>
+              </a:spcBef>
+              <a:buFont typeface="Arial" panose="020B0604020202020204" pitchFamily="34" charset="0"/>
+              <a:buChar char="•"/>
+              <a:defRPr sz="1800" kern="1200">
+                <a:solidFill>
+                  <a:schemeClr val="tx1"/>
+                </a:solidFill>
+                <a:latin typeface="+mn-lt"/>
+                <a:ea typeface="+mn-ea"/>
+                <a:cs typeface="+mn-cs"/>
+              </a:defRPr>
+            </a:lvl8pPr>
+            <a:lvl9pPr marL="3886200" indent="-228600" algn="l" defTabSz="914400" rtl="0" eaLnBrk="1" latinLnBrk="0" hangingPunct="1">
+              <a:lnSpc>
+                <a:spcPct val="90000"/>
+              </a:lnSpc>
+              <a:spcBef>
+                <a:spcPts val="500"/>
+              </a:spcBef>
+              <a:buFont typeface="Arial" panose="020B0604020202020204" pitchFamily="34" charset="0"/>
+              <a:buChar char="•"/>
+              <a:defRPr sz="1800" kern="1200">
+                <a:solidFill>
+                  <a:schemeClr val="tx1"/>
+                </a:solidFill>
+                <a:latin typeface="+mn-lt"/>
+                <a:ea typeface="+mn-ea"/>
+                <a:cs typeface="+mn-cs"/>
+              </a:defRPr>
+            </a:lvl9pPr>
+          </a:lstStyle>
+          <a:p>
+            <a:pPr marL="342900" indent="-342900"/>
+            <a:r>
+              <a:rPr lang="en-US" dirty="0" smtClean="0"/>
+              <a:t>The first genre in the available lists of genre in the </a:t>
+            </a:r>
+            <a:r>
+              <a:rPr lang="en-US" dirty="0" err="1" smtClean="0"/>
+              <a:t>list_in</a:t>
+            </a:r>
+            <a:r>
+              <a:rPr lang="en-US" dirty="0" smtClean="0"/>
+              <a:t> field was assumed as the genre of each content</a:t>
+            </a:r>
+          </a:p>
+        </p:txBody>
+      </p:sp>
+      <p:sp>
+        <p:nvSpPr>
+          <p:cNvPr id="5" name="Subtitle 3"/>
+          <p:cNvSpPr txBox="1">
+            <a:spLocks/>
+          </p:cNvSpPr>
+          <p:nvPr/>
+        </p:nvSpPr>
+        <p:spPr>
+          <a:xfrm>
+            <a:off x="815661" y="2230024"/>
             <a:ext cx="9144000" cy="1019084"/>
           </a:xfrm>
           <a:prstGeom prst="rect">
@@ -3849,258 +7051,6 @@
             <a:pPr marL="342900" indent="-342900"/>
             <a:r>
               <a:rPr lang="en-US" dirty="0" smtClean="0"/>
-              <a:t>The first genre in the available lists of genre in the </a:t>
-            </a:r>
-            <a:r>
-              <a:rPr lang="en-US" dirty="0" err="1" smtClean="0"/>
-              <a:t>list_in</a:t>
-            </a:r>
-            <a:r>
-              <a:rPr lang="en-US" dirty="0" smtClean="0"/>
-              <a:t> field was assumed as the genre of each content</a:t>
-            </a:r>
-          </a:p>
-        </p:txBody>
-      </p:sp>
-      <p:sp>
-        <p:nvSpPr>
-          <p:cNvPr id="4" name="Title 1"/>
-          <p:cNvSpPr txBox="1">
-            <a:spLocks/>
-          </p:cNvSpPr>
-          <p:nvPr/>
-        </p:nvSpPr>
-        <p:spPr>
-          <a:xfrm>
-            <a:off x="1446727" y="193184"/>
-            <a:ext cx="9144000" cy="682580"/>
-          </a:xfrm>
-          <a:prstGeom prst="rect">
-            <a:avLst/>
-          </a:prstGeom>
-        </p:spPr>
-        <p:txBody>
-          <a:bodyPr vert="horz" lIns="91440" tIns="45720" rIns="91440" bIns="45720" rtlCol="0" anchor="ctr">
-            <a:normAutofit lnSpcReduction="10000"/>
-          </a:bodyPr>
-          <a:lstStyle>
-            <a:lvl1pPr algn="l" defTabSz="914400" rtl="0" eaLnBrk="1" latinLnBrk="0" hangingPunct="1">
-              <a:lnSpc>
-                <a:spcPct val="90000"/>
-              </a:lnSpc>
-              <a:spcBef>
-                <a:spcPct val="0"/>
-              </a:spcBef>
-              <a:buNone/>
-              <a:defRPr sz="4400" kern="1200">
-                <a:solidFill>
-                  <a:schemeClr val="tx1"/>
-                </a:solidFill>
-                <a:latin typeface="+mj-lt"/>
-                <a:ea typeface="+mj-ea"/>
-                <a:cs typeface="+mj-cs"/>
-              </a:defRPr>
-            </a:lvl1pPr>
-          </a:lstStyle>
-          <a:p>
-            <a:pPr algn="ctr"/>
-            <a:r>
-              <a:rPr lang="en-US" u="sng" dirty="0" smtClean="0"/>
-              <a:t>Assumptions</a:t>
-            </a:r>
-            <a:endParaRPr lang="en-US" u="sng" dirty="0"/>
-          </a:p>
-        </p:txBody>
-      </p:sp>
-      <p:sp>
-        <p:nvSpPr>
-          <p:cNvPr id="5" name="Subtitle 3"/>
-          <p:cNvSpPr txBox="1">
-            <a:spLocks/>
-          </p:cNvSpPr>
-          <p:nvPr/>
-        </p:nvSpPr>
-        <p:spPr>
-          <a:xfrm>
-            <a:off x="1446727" y="2252148"/>
-            <a:ext cx="9144000" cy="1019084"/>
-          </a:xfrm>
-          <a:prstGeom prst="rect">
-            <a:avLst/>
-          </a:prstGeom>
-        </p:spPr>
-        <p:txBody>
-          <a:bodyPr vert="horz" lIns="91440" tIns="45720" rIns="91440" bIns="45720" rtlCol="0">
-            <a:normAutofit/>
-          </a:bodyPr>
-          <a:lstStyle>
-            <a:lvl1pPr marL="228600" indent="-228600" algn="l" defTabSz="914400" rtl="0" eaLnBrk="1" latinLnBrk="0" hangingPunct="1">
-              <a:lnSpc>
-                <a:spcPct val="90000"/>
-              </a:lnSpc>
-              <a:spcBef>
-                <a:spcPts val="1000"/>
-              </a:spcBef>
-              <a:buFont typeface="Arial" panose="020B0604020202020204" pitchFamily="34" charset="0"/>
-              <a:buChar char="•"/>
-              <a:defRPr sz="2800" kern="1200">
-                <a:solidFill>
-                  <a:schemeClr val="tx1"/>
-                </a:solidFill>
-                <a:latin typeface="+mn-lt"/>
-                <a:ea typeface="+mn-ea"/>
-                <a:cs typeface="+mn-cs"/>
-              </a:defRPr>
-            </a:lvl1pPr>
-            <a:lvl2pPr marL="685800" indent="-228600" algn="l" defTabSz="914400" rtl="0" eaLnBrk="1" latinLnBrk="0" hangingPunct="1">
-              <a:lnSpc>
-                <a:spcPct val="90000"/>
-              </a:lnSpc>
-              <a:spcBef>
-                <a:spcPts val="500"/>
-              </a:spcBef>
-              <a:buFont typeface="Arial" panose="020B0604020202020204" pitchFamily="34" charset="0"/>
-              <a:buChar char="•"/>
-              <a:defRPr sz="2400" kern="1200">
-                <a:solidFill>
-                  <a:schemeClr val="tx1"/>
-                </a:solidFill>
-                <a:latin typeface="+mn-lt"/>
-                <a:ea typeface="+mn-ea"/>
-                <a:cs typeface="+mn-cs"/>
-              </a:defRPr>
-            </a:lvl2pPr>
-            <a:lvl3pPr marL="1143000" indent="-228600" algn="l" defTabSz="914400" rtl="0" eaLnBrk="1" latinLnBrk="0" hangingPunct="1">
-              <a:lnSpc>
-                <a:spcPct val="90000"/>
-              </a:lnSpc>
-              <a:spcBef>
-                <a:spcPts val="500"/>
-              </a:spcBef>
-              <a:buFont typeface="Arial" panose="020B0604020202020204" pitchFamily="34" charset="0"/>
-              <a:buChar char="•"/>
-              <a:defRPr sz="2000" kern="1200">
-                <a:solidFill>
-                  <a:schemeClr val="tx1"/>
-                </a:solidFill>
-                <a:latin typeface="+mn-lt"/>
-                <a:ea typeface="+mn-ea"/>
-                <a:cs typeface="+mn-cs"/>
-              </a:defRPr>
-            </a:lvl3pPr>
-            <a:lvl4pPr marL="1600200" indent="-228600" algn="l" defTabSz="914400" rtl="0" eaLnBrk="1" latinLnBrk="0" hangingPunct="1">
-              <a:lnSpc>
-                <a:spcPct val="90000"/>
-              </a:lnSpc>
-              <a:spcBef>
-                <a:spcPts val="500"/>
-              </a:spcBef>
-              <a:buFont typeface="Arial" panose="020B0604020202020204" pitchFamily="34" charset="0"/>
-              <a:buChar char="•"/>
-              <a:defRPr sz="1800" kern="1200">
-                <a:solidFill>
-                  <a:schemeClr val="tx1"/>
-                </a:solidFill>
-                <a:latin typeface="+mn-lt"/>
-                <a:ea typeface="+mn-ea"/>
-                <a:cs typeface="+mn-cs"/>
-              </a:defRPr>
-            </a:lvl4pPr>
-            <a:lvl5pPr marL="2057400" indent="-228600" algn="l" defTabSz="914400" rtl="0" eaLnBrk="1" latinLnBrk="0" hangingPunct="1">
-              <a:lnSpc>
-                <a:spcPct val="90000"/>
-              </a:lnSpc>
-              <a:spcBef>
-                <a:spcPts val="500"/>
-              </a:spcBef>
-              <a:buFont typeface="Arial" panose="020B0604020202020204" pitchFamily="34" charset="0"/>
-              <a:buChar char="•"/>
-              <a:defRPr sz="1800" kern="1200">
-                <a:solidFill>
-                  <a:schemeClr val="tx1"/>
-                </a:solidFill>
-                <a:latin typeface="+mn-lt"/>
-                <a:ea typeface="+mn-ea"/>
-                <a:cs typeface="+mn-cs"/>
-              </a:defRPr>
-            </a:lvl5pPr>
-            <a:lvl6pPr marL="2514600" indent="-228600" algn="l" defTabSz="914400" rtl="0" eaLnBrk="1" latinLnBrk="0" hangingPunct="1">
-              <a:lnSpc>
-                <a:spcPct val="90000"/>
-              </a:lnSpc>
-              <a:spcBef>
-                <a:spcPts val="500"/>
-              </a:spcBef>
-              <a:buFont typeface="Arial" panose="020B0604020202020204" pitchFamily="34" charset="0"/>
-              <a:buChar char="•"/>
-              <a:defRPr sz="1800" kern="1200">
-                <a:solidFill>
-                  <a:schemeClr val="tx1"/>
-                </a:solidFill>
-                <a:latin typeface="+mn-lt"/>
-                <a:ea typeface="+mn-ea"/>
-                <a:cs typeface="+mn-cs"/>
-              </a:defRPr>
-            </a:lvl6pPr>
-            <a:lvl7pPr marL="2971800" indent="-228600" algn="l" defTabSz="914400" rtl="0" eaLnBrk="1" latinLnBrk="0" hangingPunct="1">
-              <a:lnSpc>
-                <a:spcPct val="90000"/>
-              </a:lnSpc>
-              <a:spcBef>
-                <a:spcPts val="500"/>
-              </a:spcBef>
-              <a:buFont typeface="Arial" panose="020B0604020202020204" pitchFamily="34" charset="0"/>
-              <a:buChar char="•"/>
-              <a:defRPr sz="1800" kern="1200">
-                <a:solidFill>
-                  <a:schemeClr val="tx1"/>
-                </a:solidFill>
-                <a:latin typeface="+mn-lt"/>
-                <a:ea typeface="+mn-ea"/>
-                <a:cs typeface="+mn-cs"/>
-              </a:defRPr>
-            </a:lvl7pPr>
-            <a:lvl8pPr marL="3429000" indent="-228600" algn="l" defTabSz="914400" rtl="0" eaLnBrk="1" latinLnBrk="0" hangingPunct="1">
-              <a:lnSpc>
-                <a:spcPct val="90000"/>
-              </a:lnSpc>
-              <a:spcBef>
-                <a:spcPts val="500"/>
-              </a:spcBef>
-              <a:buFont typeface="Arial" panose="020B0604020202020204" pitchFamily="34" charset="0"/>
-              <a:buChar char="•"/>
-              <a:defRPr sz="1800" kern="1200">
-                <a:solidFill>
-                  <a:schemeClr val="tx1"/>
-                </a:solidFill>
-                <a:latin typeface="+mn-lt"/>
-                <a:ea typeface="+mn-ea"/>
-                <a:cs typeface="+mn-cs"/>
-              </a:defRPr>
-            </a:lvl8pPr>
-            <a:lvl9pPr marL="3886200" indent="-228600" algn="l" defTabSz="914400" rtl="0" eaLnBrk="1" latinLnBrk="0" hangingPunct="1">
-              <a:lnSpc>
-                <a:spcPct val="90000"/>
-              </a:lnSpc>
-              <a:spcBef>
-                <a:spcPts val="500"/>
-              </a:spcBef>
-              <a:buFont typeface="Arial" panose="020B0604020202020204" pitchFamily="34" charset="0"/>
-              <a:buChar char="•"/>
-              <a:defRPr sz="1800" kern="1200">
-                <a:solidFill>
-                  <a:schemeClr val="tx1"/>
-                </a:solidFill>
-                <a:latin typeface="+mn-lt"/>
-                <a:ea typeface="+mn-ea"/>
-                <a:cs typeface="+mn-cs"/>
-              </a:defRPr>
-            </a:lvl9pPr>
-          </a:lstStyle>
-          <a:p>
-            <a:pPr marL="342900" indent="-342900"/>
-            <a:r>
-              <a:rPr lang="en-US" dirty="0" smtClean="0"/>
               <a:t>The following rating gotten from </a:t>
             </a:r>
             <a:r>
@@ -4122,7 +7072,7 @@
         </p:nvSpPr>
         <p:spPr>
           <a:xfrm>
-            <a:off x="3357094" y="3449882"/>
+            <a:off x="2017691" y="3405635"/>
             <a:ext cx="6096000" cy="2923877"/>
           </a:xfrm>
           <a:prstGeom prst="rect">
@@ -4170,6 +7120,109 @@
               <a:t>18+ (Adults) (TV-MA) (NC-17, unrated)</a:t>
             </a:r>
             <a:endParaRPr lang="en-US" sz="2300" dirty="0"/>
+          </a:p>
+        </p:txBody>
+      </p:sp>
+      <p:sp>
+        <p:nvSpPr>
+          <p:cNvPr id="7" name="Title 1"/>
+          <p:cNvSpPr txBox="1">
+            <a:spLocks/>
+          </p:cNvSpPr>
+          <p:nvPr/>
+        </p:nvSpPr>
+        <p:spPr>
+          <a:xfrm>
+            <a:off x="2382591" y="231819"/>
+            <a:ext cx="6010141" cy="1037220"/>
+          </a:xfrm>
+          <a:prstGeom prst="rect">
+            <a:avLst/>
+          </a:prstGeom>
+        </p:spPr>
+        <p:txBody>
+          <a:bodyPr vert="horz" lIns="91440" tIns="45720" rIns="91440" bIns="45720" rtlCol="0" anchor="t">
+            <a:normAutofit/>
+          </a:bodyPr>
+          <a:lstStyle>
+            <a:lvl1pPr algn="l" defTabSz="457200" rtl="0" eaLnBrk="1" latinLnBrk="0" hangingPunct="1">
+              <a:spcBef>
+                <a:spcPct val="0"/>
+              </a:spcBef>
+              <a:buNone/>
+              <a:defRPr sz="3600" kern="1200">
+                <a:solidFill>
+                  <a:schemeClr val="accent1"/>
+                </a:solidFill>
+                <a:latin typeface="+mj-lt"/>
+                <a:ea typeface="+mj-ea"/>
+                <a:cs typeface="+mj-cs"/>
+              </a:defRPr>
+            </a:lvl1pPr>
+            <a:lvl2pPr eaLnBrk="1" hangingPunct="1">
+              <a:defRPr>
+                <a:solidFill>
+                  <a:schemeClr val="tx2"/>
+                </a:solidFill>
+              </a:defRPr>
+            </a:lvl2pPr>
+            <a:lvl3pPr eaLnBrk="1" hangingPunct="1">
+              <a:defRPr>
+                <a:solidFill>
+                  <a:schemeClr val="tx2"/>
+                </a:solidFill>
+              </a:defRPr>
+            </a:lvl3pPr>
+            <a:lvl4pPr eaLnBrk="1" hangingPunct="1">
+              <a:defRPr>
+                <a:solidFill>
+                  <a:schemeClr val="tx2"/>
+                </a:solidFill>
+              </a:defRPr>
+            </a:lvl4pPr>
+            <a:lvl5pPr eaLnBrk="1" hangingPunct="1">
+              <a:defRPr>
+                <a:solidFill>
+                  <a:schemeClr val="tx2"/>
+                </a:solidFill>
+              </a:defRPr>
+            </a:lvl5pPr>
+            <a:lvl6pPr eaLnBrk="1" hangingPunct="1">
+              <a:defRPr>
+                <a:solidFill>
+                  <a:schemeClr val="tx2"/>
+                </a:solidFill>
+              </a:defRPr>
+            </a:lvl6pPr>
+            <a:lvl7pPr eaLnBrk="1" hangingPunct="1">
+              <a:defRPr>
+                <a:solidFill>
+                  <a:schemeClr val="tx2"/>
+                </a:solidFill>
+              </a:defRPr>
+            </a:lvl7pPr>
+            <a:lvl8pPr eaLnBrk="1" hangingPunct="1">
+              <a:defRPr>
+                <a:solidFill>
+                  <a:schemeClr val="tx2"/>
+                </a:solidFill>
+              </a:defRPr>
+            </a:lvl8pPr>
+            <a:lvl9pPr eaLnBrk="1" hangingPunct="1">
+              <a:defRPr>
+                <a:solidFill>
+                  <a:schemeClr val="tx2"/>
+                </a:solidFill>
+              </a:defRPr>
+            </a:lvl9pPr>
+          </a:lstStyle>
+          <a:p>
+            <a:pPr algn="ctr"/>
+            <a:r>
+              <a:rPr lang="en-US" u="sng" dirty="0" smtClean="0"/>
+              <a:t>Assumptions</a:t>
+            </a:r>
+            <a:endParaRPr lang="en-US" u="sng" dirty="0"/>
           </a:p>
         </p:txBody>
       </p:sp>
@@ -4183,6 +7236,13 @@
   <p:clrMapOvr>
     <a:masterClrMapping/>
   </p:clrMapOvr>
+  <p:timing>
+    <p:tnLst>
+      <p:par>
+        <p:cTn id="1" dur="indefinite" restart="never" nodeType="tmRoot"/>
+      </p:par>
+    </p:tnLst>
+  </p:timing>
 </p:sld>
 </file>
 
@@ -4213,7 +7273,7 @@
         </p:nvSpPr>
         <p:spPr>
           <a:xfrm>
-            <a:off x="1446727" y="2509727"/>
+            <a:off x="1137634" y="2522606"/>
             <a:ext cx="9144000" cy="1019084"/>
           </a:xfrm>
           <a:prstGeom prst="rect">
@@ -4222,7 +7282,7 @@
         </p:spPr>
         <p:txBody>
           <a:bodyPr vert="horz" lIns="91440" tIns="45720" rIns="91440" bIns="45720" rtlCol="0">
-            <a:normAutofit/>
+            <a:normAutofit fontScale="92500" lnSpcReduction="20000"/>
           </a:bodyPr>
           <a:lstStyle>
             <a:lvl1pPr marL="228600" indent="-228600" algn="l" defTabSz="914400" rtl="0" eaLnBrk="1" latinLnBrk="0" hangingPunct="1">
@@ -4399,7 +7459,7 @@
       </p:sp>
       <p:sp>
         <p:nvSpPr>
-          <p:cNvPr id="4" name="Title 1"/>
+          <p:cNvPr id="5" name="Title 1"/>
           <p:cNvSpPr txBox="1">
             <a:spLocks/>
           </p:cNvSpPr>
@@ -4407,35 +7467,88 @@
         </p:nvSpPr>
         <p:spPr>
           <a:xfrm>
-            <a:off x="1446727" y="193184"/>
-            <a:ext cx="9144000" cy="682580"/>
+            <a:off x="2228044" y="450761"/>
+            <a:ext cx="6010141" cy="1037220"/>
           </a:xfrm>
           <a:prstGeom prst="rect">
             <a:avLst/>
           </a:prstGeom>
         </p:spPr>
         <p:txBody>
-          <a:bodyPr vert="horz" lIns="91440" tIns="45720" rIns="91440" bIns="45720" rtlCol="0" anchor="ctr">
-            <a:normAutofit lnSpcReduction="10000"/>
+          <a:bodyPr vert="horz" lIns="91440" tIns="45720" rIns="91440" bIns="45720" rtlCol="0" anchor="t">
+            <a:normAutofit fontScale="92500"/>
           </a:bodyPr>
           <a:lstStyle>
-            <a:lvl1pPr algn="l" defTabSz="914400" rtl="0" eaLnBrk="1" latinLnBrk="0" hangingPunct="1">
-              <a:lnSpc>
-                <a:spcPct val="90000"/>
-              </a:lnSpc>
+            <a:lvl1pPr algn="l" defTabSz="457200" rtl="0" eaLnBrk="1" latinLnBrk="0" hangingPunct="1">
               <a:spcBef>
                 <a:spcPct val="0"/>
               </a:spcBef>
               <a:buNone/>
-              <a:defRPr sz="4400" kern="1200">
-                <a:solidFill>
-                  <a:schemeClr val="tx1"/>
+              <a:defRPr sz="3600" kern="1200">
+                <a:solidFill>
+                  <a:schemeClr val="accent1"/>
                 </a:solidFill>
                 <a:latin typeface="+mj-lt"/>
                 <a:ea typeface="+mj-ea"/>
                 <a:cs typeface="+mj-cs"/>
               </a:defRPr>
             </a:lvl1pPr>
+            <a:lvl2pPr eaLnBrk="1" hangingPunct="1">
+              <a:defRPr>
+                <a:solidFill>
+                  <a:schemeClr val="tx2"/>
+                </a:solidFill>
+              </a:defRPr>
+            </a:lvl2pPr>
+            <a:lvl3pPr eaLnBrk="1" hangingPunct="1">
+              <a:defRPr>
+                <a:solidFill>
+                  <a:schemeClr val="tx2"/>
+                </a:solidFill>
+              </a:defRPr>
+            </a:lvl3pPr>
+            <a:lvl4pPr eaLnBrk="1" hangingPunct="1">
+              <a:defRPr>
+                <a:solidFill>
+                  <a:schemeClr val="tx2"/>
+                </a:solidFill>
+              </a:defRPr>
+            </a:lvl4pPr>
+            <a:lvl5pPr eaLnBrk="1" hangingPunct="1">
+              <a:defRPr>
+                <a:solidFill>
+                  <a:schemeClr val="tx2"/>
+                </a:solidFill>
+              </a:defRPr>
+            </a:lvl5pPr>
+            <a:lvl6pPr eaLnBrk="1" hangingPunct="1">
+              <a:defRPr>
+                <a:solidFill>
+                  <a:schemeClr val="tx2"/>
+                </a:solidFill>
+              </a:defRPr>
+            </a:lvl6pPr>
+            <a:lvl7pPr eaLnBrk="1" hangingPunct="1">
+              <a:defRPr>
+                <a:solidFill>
+                  <a:schemeClr val="tx2"/>
+                </a:solidFill>
+              </a:defRPr>
+            </a:lvl7pPr>
+            <a:lvl8pPr eaLnBrk="1" hangingPunct="1">
+              <a:defRPr>
+                <a:solidFill>
+                  <a:schemeClr val="tx2"/>
+                </a:solidFill>
+              </a:defRPr>
+            </a:lvl8pPr>
+            <a:lvl9pPr eaLnBrk="1" hangingPunct="1">
+              <a:defRPr>
+                <a:solidFill>
+                  <a:schemeClr val="tx2"/>
+                </a:solidFill>
+              </a:defRPr>
+            </a:lvl9pPr>
           </a:lstStyle>
           <a:p>
             <a:pPr algn="ctr"/>
@@ -4457,6 +7570,13 @@
   <p:clrMapOvr>
     <a:masterClrMapping/>
   </p:clrMapOvr>
+  <p:timing>
+    <p:tnLst>
+      <p:par>
+        <p:cTn id="1" dur="indefinite" restart="never" nodeType="tmRoot"/>
+      </p:par>
+    </p:tnLst>
+  </p:timing>
 </p:sld>
 </file>
 
@@ -4499,11 +7619,12 @@
           </a:bodyPr>
           <a:lstStyle/>
           <a:p>
-            <a:r>
-              <a:rPr lang="en-US" dirty="0" smtClean="0"/>
+            <a:pPr algn="ctr"/>
+            <a:r>
+              <a:rPr lang="en-US" u="sng" dirty="0" smtClean="0"/>
               <a:t>Dataset Overview</a:t>
             </a:r>
-            <a:endParaRPr lang="en-US" dirty="0"/>
+            <a:endParaRPr lang="en-US" u="sng" dirty="0"/>
           </a:p>
         </p:txBody>
       </p:sp>
@@ -4519,7 +7640,7 @@
         </p:nvSpPr>
         <p:spPr>
           <a:xfrm>
-            <a:off x="1652789" y="614610"/>
+            <a:off x="944451" y="981658"/>
             <a:ext cx="9144000" cy="6082404"/>
           </a:xfrm>
         </p:spPr>
@@ -4537,7 +7658,11 @@
               <a:buChar char="•"/>
             </a:pPr>
             <a:r>
-              <a:rPr lang="en-US" sz="3000" dirty="0" smtClean="0"/>
+              <a:rPr lang="en-US" sz="2200" b="1" dirty="0" smtClean="0">
+                <a:solidFill>
+                  <a:schemeClr val="tx1"/>
+                </a:solidFill>
+              </a:rPr>
               <a:t>8810 total records in the datasets</a:t>
             </a:r>
           </a:p>
@@ -4550,7 +7675,11 @@
               <a:buChar char="•"/>
             </a:pPr>
             <a:r>
-              <a:rPr lang="en-US" sz="3000" dirty="0" smtClean="0"/>
+              <a:rPr lang="en-US" sz="2200" b="1" dirty="0" smtClean="0">
+                <a:solidFill>
+                  <a:schemeClr val="tx1"/>
+                </a:solidFill>
+              </a:rPr>
               <a:t>The key fields used are;</a:t>
             </a:r>
           </a:p>
@@ -4563,15 +7692,27 @@
               <a:buAutoNum type="arabicPeriod"/>
             </a:pPr>
             <a:r>
-              <a:rPr lang="en-US" sz="2600" dirty="0" smtClean="0"/>
+              <a:rPr lang="en-US" sz="2200" b="1" dirty="0" smtClean="0">
+                <a:solidFill>
+                  <a:schemeClr val="tx1"/>
+                </a:solidFill>
+              </a:rPr>
               <a:t>Movie type (</a:t>
             </a:r>
             <a:r>
-              <a:rPr lang="en-US" sz="2600" dirty="0" err="1" smtClean="0"/>
+              <a:rPr lang="en-US" sz="2200" b="1" dirty="0" err="1" smtClean="0">
+                <a:solidFill>
+                  <a:schemeClr val="tx1"/>
+                </a:solidFill>
+              </a:rPr>
               <a:t>i.e</a:t>
             </a:r>
             <a:r>
-              <a:rPr lang="en-US" sz="2600" dirty="0" smtClean="0"/>
+              <a:rPr lang="en-US" sz="2200" b="1" dirty="0" smtClean="0">
+                <a:solidFill>
+                  <a:schemeClr val="tx1"/>
+                </a:solidFill>
+              </a:rPr>
               <a:t> TV shows or Movies)</a:t>
             </a:r>
           </a:p>
@@ -4584,11 +7725,19 @@
               <a:buAutoNum type="arabicPeriod"/>
             </a:pPr>
             <a:r>
-              <a:rPr lang="en-US" sz="2600" dirty="0" err="1" smtClean="0"/>
+              <a:rPr lang="en-US" sz="2200" b="1" dirty="0" err="1" smtClean="0">
+                <a:solidFill>
+                  <a:schemeClr val="tx1"/>
+                </a:solidFill>
+              </a:rPr>
               <a:t>Date_add</a:t>
             </a:r>
             <a:r>
-              <a:rPr lang="en-US" sz="2600" dirty="0" smtClean="0"/>
+              <a:rPr lang="en-US" sz="2200" b="1" dirty="0" smtClean="0">
+                <a:solidFill>
+                  <a:schemeClr val="tx1"/>
+                </a:solidFill>
+              </a:rPr>
               <a:t> (Date content was added)</a:t>
             </a:r>
           </a:p>
@@ -4601,11 +7750,19 @@
               <a:buAutoNum type="arabicPeriod"/>
             </a:pPr>
             <a:r>
-              <a:rPr lang="en-US" sz="2600" dirty="0" err="1" smtClean="0"/>
+              <a:rPr lang="en-US" sz="2200" b="1" dirty="0" err="1" smtClean="0">
+                <a:solidFill>
+                  <a:schemeClr val="tx1"/>
+                </a:solidFill>
+              </a:rPr>
               <a:t>Release_year</a:t>
             </a:r>
             <a:r>
-              <a:rPr lang="en-US" sz="2600" dirty="0" smtClean="0"/>
+              <a:rPr lang="en-US" sz="2200" b="1" dirty="0" smtClean="0">
+                <a:solidFill>
+                  <a:schemeClr val="tx1"/>
+                </a:solidFill>
+              </a:rPr>
               <a:t> (The year the content was released)</a:t>
             </a:r>
           </a:p>
@@ -4618,7 +7775,11 @@
               <a:buAutoNum type="arabicPeriod"/>
             </a:pPr>
             <a:r>
-              <a:rPr lang="en-US" sz="2600" dirty="0" smtClean="0"/>
+              <a:rPr lang="en-US" sz="2200" b="1" dirty="0" smtClean="0">
+                <a:solidFill>
+                  <a:schemeClr val="tx1"/>
+                </a:solidFill>
+              </a:rPr>
               <a:t>Rating (Viewer maturing ratings)</a:t>
             </a:r>
           </a:p>
@@ -4631,7 +7792,11 @@
               <a:buAutoNum type="arabicPeriod"/>
             </a:pPr>
             <a:r>
-              <a:rPr lang="en-US" sz="2600" dirty="0" smtClean="0"/>
+              <a:rPr lang="en-US" sz="2200" b="1" dirty="0" smtClean="0">
+                <a:solidFill>
+                  <a:schemeClr val="tx1"/>
+                </a:solidFill>
+              </a:rPr>
               <a:t>Duration(The viewing duration of the content)</a:t>
             </a:r>
           </a:p>
@@ -4644,11 +7809,19 @@
               <a:buAutoNum type="arabicPeriod"/>
             </a:pPr>
             <a:r>
-              <a:rPr lang="en-US" sz="2600" dirty="0" err="1" smtClean="0"/>
+              <a:rPr lang="en-US" sz="2200" b="1" dirty="0" err="1" smtClean="0">
+                <a:solidFill>
+                  <a:schemeClr val="tx1"/>
+                </a:solidFill>
+              </a:rPr>
               <a:t>Listed_in</a:t>
             </a:r>
             <a:r>
-              <a:rPr lang="en-US" sz="2600" dirty="0" smtClean="0"/>
+              <a:rPr lang="en-US" sz="2200" b="1" dirty="0" smtClean="0">
+                <a:solidFill>
+                  <a:schemeClr val="tx1"/>
+                </a:solidFill>
+              </a:rPr>
               <a:t>(The category of the content)</a:t>
             </a:r>
           </a:p>
@@ -4661,30 +7834,37 @@
               <a:buAutoNum type="arabicPeriod"/>
             </a:pPr>
             <a:r>
-              <a:rPr lang="en-US" sz="2200" dirty="0" err="1" smtClean="0"/>
+              <a:rPr lang="en-US" sz="2200" b="1" dirty="0" err="1" smtClean="0">
+                <a:solidFill>
+                  <a:schemeClr val="tx1"/>
+                </a:solidFill>
+              </a:rPr>
               <a:t>date_add</a:t>
             </a:r>
             <a:r>
-              <a:rPr lang="en-US" sz="2200" dirty="0" smtClean="0"/>
+              <a:rPr lang="en-US" sz="2200" b="1" dirty="0" smtClean="0">
+                <a:solidFill>
+                  <a:schemeClr val="tx1"/>
+                </a:solidFill>
+              </a:rPr>
               <a:t>, </a:t>
             </a:r>
             <a:r>
-              <a:rPr lang="en-US" sz="2200" dirty="0" err="1" smtClean="0"/>
+              <a:rPr lang="en-US" sz="2200" b="1" dirty="0" err="1" smtClean="0">
+                <a:solidFill>
+                  <a:schemeClr val="tx1"/>
+                </a:solidFill>
+              </a:rPr>
               <a:t>release_year</a:t>
             </a:r>
             <a:r>
-              <a:rPr lang="en-US" sz="2200" dirty="0" smtClean="0"/>
-              <a:t>, rating, duration and </a:t>
-            </a:r>
-            <a:r>
-              <a:rPr lang="en-US" sz="2200" dirty="0" err="1" smtClean="0"/>
-              <a:t>listed_in</a:t>
-            </a:r>
-            <a:r>
-              <a:rPr lang="en-US" sz="2200" dirty="0" smtClean="0"/>
-              <a:t>.</a:t>
-            </a:r>
-            <a:endParaRPr lang="en-US" sz="2600" dirty="0" smtClean="0"/>
+              <a:rPr lang="en-US" sz="2200" b="1" dirty="0" smtClean="0">
+                <a:solidFill>
+                  <a:schemeClr val="tx1"/>
+                </a:solidFill>
+              </a:rPr>
+              <a:t>, rating, duration and listed_in.</a:t>
+            </a:r>
           </a:p>
           <a:p>
             <a:pPr>
@@ -4692,7 +7872,11 @@
                 <a:spcPct val="150000"/>
               </a:lnSpc>
             </a:pPr>
-            <a:endParaRPr lang="en-US" sz="3000" dirty="0"/>
+            <a:endParaRPr lang="en-US" sz="2200" b="1" dirty="0">
+              <a:solidFill>
+                <a:schemeClr val="tx1"/>
+              </a:solidFill>
+            </a:endParaRPr>
           </a:p>
         </p:txBody>
       </p:sp>
@@ -4706,6 +7890,13 @@
   <p:clrMapOvr>
     <a:masterClrMapping/>
   </p:clrMapOvr>
+  <p:timing>
+    <p:tnLst>
+      <p:par>
+        <p:cTn id="1" dur="indefinite" restart="never" nodeType="tmRoot"/>
+      </p:par>
+    </p:tnLst>
+  </p:timing>
 </p:sld>
 </file>
 
@@ -4738,7 +7929,7 @@
         </p:nvSpPr>
         <p:spPr>
           <a:xfrm>
-            <a:off x="1524000" y="-167426"/>
+            <a:off x="403538" y="0"/>
             <a:ext cx="9144000" cy="1037220"/>
           </a:xfrm>
         </p:spPr>
@@ -4748,11 +7939,12 @@
           </a:bodyPr>
           <a:lstStyle/>
           <a:p>
-            <a:r>
-              <a:rPr lang="en-US" dirty="0" smtClean="0"/>
+            <a:pPr algn="ctr"/>
+            <a:r>
+              <a:rPr lang="en-US" u="sng" dirty="0" smtClean="0"/>
               <a:t>Dataset Major Challenges</a:t>
             </a:r>
-            <a:endParaRPr lang="en-US" dirty="0"/>
+            <a:endParaRPr lang="en-US" u="sng" dirty="0"/>
           </a:p>
         </p:txBody>
       </p:sp>
@@ -4768,7 +7960,7 @@
         </p:nvSpPr>
         <p:spPr>
           <a:xfrm>
-            <a:off x="1652790" y="1037219"/>
+            <a:off x="1073241" y="1397828"/>
             <a:ext cx="9144000" cy="5286307"/>
           </a:xfrm>
         </p:spPr>
@@ -4786,16 +7978,12 @@
               <a:buChar char="•"/>
             </a:pPr>
             <a:r>
-              <a:rPr lang="en-US" sz="3000" dirty="0" smtClean="0"/>
-              <a:t>Each data point has one or more categories/genre in </a:t>
-            </a:r>
-            <a:r>
-              <a:rPr lang="en-US" sz="3000" dirty="0" err="1" smtClean="0"/>
-              <a:t>listed_in</a:t>
-            </a:r>
-            <a:r>
-              <a:rPr lang="en-US" sz="3000" dirty="0" smtClean="0"/>
-              <a:t> field.</a:t>
+              <a:rPr lang="en-US" sz="3000" dirty="0" smtClean="0">
+                <a:solidFill>
+                  <a:schemeClr val="tx1"/>
+                </a:solidFill>
+              </a:rPr>
+              <a:t>Each data point has one or more categories/genre in listed_in field.</a:t>
             </a:r>
           </a:p>
           <a:p>
@@ -4807,7 +7995,11 @@
               <a:buChar char="•"/>
             </a:pPr>
             <a:r>
-              <a:rPr lang="en-US" sz="3000" dirty="0" smtClean="0"/>
+              <a:rPr lang="en-US" sz="3000" dirty="0" smtClean="0">
+                <a:solidFill>
+                  <a:schemeClr val="tx1"/>
+                </a:solidFill>
+              </a:rPr>
               <a:t>Some rating code in the dataset span across multiple viewer rating categories.</a:t>
             </a:r>
           </a:p>
@@ -4820,7 +8012,11 @@
               <a:buChar char="•"/>
             </a:pPr>
             <a:r>
-              <a:rPr lang="en-US" sz="3000" dirty="0" smtClean="0"/>
+              <a:rPr lang="en-US" sz="3000" dirty="0" smtClean="0">
+                <a:solidFill>
+                  <a:schemeClr val="tx1"/>
+                </a:solidFill>
+              </a:rPr>
               <a:t>Inconsistent data value in duration fields and some values were missing as well.</a:t>
             </a:r>
           </a:p>
@@ -4833,7 +8029,11 @@
               <a:buChar char="•"/>
             </a:pPr>
             <a:r>
-              <a:rPr lang="en-US" sz="3000" dirty="0" smtClean="0"/>
+              <a:rPr lang="en-US" sz="3000" dirty="0" smtClean="0">
+                <a:solidFill>
+                  <a:schemeClr val="tx1"/>
+                </a:solidFill>
+              </a:rPr>
               <a:t>Irregular data value found in rating field.</a:t>
             </a:r>
           </a:p>
@@ -4849,6 +8049,13 @@
   <p:clrMapOvr>
     <a:masterClrMapping/>
   </p:clrMapOvr>
+  <p:timing>
+    <p:tnLst>
+      <p:par>
+        <p:cTn id="1" dur="indefinite" restart="never" nodeType="tmRoot"/>
+      </p:par>
+    </p:tnLst>
+  </p:timing>
 </p:sld>
 </file>
 
@@ -4881,7 +8088,7 @@
         </p:nvSpPr>
         <p:spPr>
           <a:xfrm>
-            <a:off x="1524000" y="-167426"/>
+            <a:off x="107324" y="115909"/>
             <a:ext cx="9144000" cy="1037220"/>
           </a:xfrm>
         </p:spPr>
@@ -4911,7 +8118,7 @@
         </p:nvSpPr>
         <p:spPr>
           <a:xfrm>
-            <a:off x="1524000" y="869793"/>
+            <a:off x="751268" y="1417146"/>
             <a:ext cx="9144000" cy="5312065"/>
           </a:xfrm>
         </p:spPr>
@@ -4929,7 +8136,11 @@
               <a:buChar char="•"/>
             </a:pPr>
             <a:r>
-              <a:rPr lang="en-US" sz="3000" dirty="0" smtClean="0"/>
+              <a:rPr lang="en-US" sz="2700" dirty="0" smtClean="0">
+                <a:solidFill>
+                  <a:schemeClr val="tx1"/>
+                </a:solidFill>
+              </a:rPr>
               <a:t>Created a new field from rating field.</a:t>
             </a:r>
           </a:p>
@@ -4942,16 +8153,12 @@
               <a:buChar char="•"/>
             </a:pPr>
             <a:r>
-              <a:rPr lang="en-US" sz="3000" dirty="0" smtClean="0"/>
-              <a:t>Handle the missing values and irregular data in duration and rating </a:t>
-            </a:r>
-            <a:r>
-              <a:rPr lang="en-US" sz="3000" dirty="0" smtClean="0"/>
-              <a:t>fields </a:t>
-            </a:r>
-            <a:r>
-              <a:rPr lang="en-US" sz="3000" dirty="0" smtClean="0"/>
-              <a:t>respectively.</a:t>
+              <a:rPr lang="en-US" sz="2700" dirty="0" smtClean="0">
+                <a:solidFill>
+                  <a:schemeClr val="tx1"/>
+                </a:solidFill>
+              </a:rPr>
+              <a:t>Handle the missing values and irregular data in duration and rating fields respectively.</a:t>
             </a:r>
           </a:p>
           <a:p>
@@ -4963,7 +8170,11 @@
               <a:buChar char="•"/>
             </a:pPr>
             <a:r>
-              <a:rPr lang="en-US" sz="3000" dirty="0"/>
+              <a:rPr lang="en-US" sz="2700" dirty="0">
+                <a:solidFill>
+                  <a:schemeClr val="tx1"/>
+                </a:solidFill>
+              </a:rPr>
               <a:t>Created a new duration field from existing field to make the values consistent, and another integer field to identify the new duration field by content type.</a:t>
             </a:r>
           </a:p>
@@ -4976,22 +8187,42 @@
               <a:buChar char="•"/>
             </a:pPr>
             <a:r>
-              <a:rPr lang="en-US" sz="3000" dirty="0"/>
+              <a:rPr lang="en-US" sz="2700" dirty="0">
+                <a:solidFill>
+                  <a:schemeClr val="tx1"/>
+                </a:solidFill>
+              </a:rPr>
               <a:t>Created a new genre column from the </a:t>
             </a:r>
             <a:r>
-              <a:rPr lang="en-US" sz="3000" dirty="0" err="1"/>
+              <a:rPr lang="en-US" sz="2700" dirty="0" err="1">
+                <a:solidFill>
+                  <a:schemeClr val="tx1"/>
+                </a:solidFill>
+              </a:rPr>
               <a:t>list_in</a:t>
             </a:r>
             <a:r>
-              <a:rPr lang="en-US" sz="3000" dirty="0"/>
+              <a:rPr lang="en-US" sz="2700" dirty="0">
+                <a:solidFill>
+                  <a:schemeClr val="tx1"/>
+                </a:solidFill>
+              </a:rPr>
               <a:t> </a:t>
             </a:r>
             <a:r>
-              <a:rPr lang="en-US" sz="3000" dirty="0" smtClean="0"/>
+              <a:rPr lang="en-US" sz="2700" dirty="0" smtClean="0">
+                <a:solidFill>
+                  <a:schemeClr val="tx1"/>
+                </a:solidFill>
+              </a:rPr>
               <a:t>field.</a:t>
             </a:r>
-            <a:endParaRPr lang="en-US" sz="3000" dirty="0"/>
+            <a:endParaRPr lang="en-US" sz="2700" dirty="0">
+              <a:solidFill>
+                <a:schemeClr val="tx1"/>
+              </a:solidFill>
+            </a:endParaRPr>
           </a:p>
           <a:p>
             <a:pPr algn="l">
@@ -4999,7 +8230,11 @@
                 <a:spcPct val="150000"/>
               </a:lnSpc>
             </a:pPr>
-            <a:endParaRPr lang="en-US" sz="3000" dirty="0" smtClean="0"/>
+            <a:endParaRPr lang="en-US" sz="2700" dirty="0" smtClean="0">
+              <a:solidFill>
+                <a:schemeClr val="tx1"/>
+              </a:solidFill>
+            </a:endParaRPr>
           </a:p>
         </p:txBody>
       </p:sp>
@@ -5013,6 +8248,13 @@
   <p:clrMapOvr>
     <a:masterClrMapping/>
   </p:clrMapOvr>
+  <p:timing>
+    <p:tnLst>
+      <p:par>
+        <p:cTn id="1" dur="indefinite" restart="never" nodeType="tmRoot"/>
+      </p:par>
+    </p:tnLst>
+  </p:timing>
 </p:sld>
 </file>
 
@@ -5045,8 +8287,8 @@
         </p:nvSpPr>
         <p:spPr>
           <a:xfrm>
-            <a:off x="1524000" y="-167426"/>
-            <a:ext cx="9144000" cy="1037220"/>
+            <a:off x="2361127" y="-155970"/>
+            <a:ext cx="6010141" cy="1037220"/>
           </a:xfrm>
         </p:spPr>
         <p:txBody>
@@ -5055,6 +8297,7 @@
           </a:bodyPr>
           <a:lstStyle/>
           <a:p>
+            <a:pPr algn="ctr"/>
             <a:r>
               <a:rPr lang="en-US" u="sng" dirty="0" smtClean="0"/>
               <a:t>Observations</a:t>
@@ -5075,12 +8318,14 @@
         </p:nvSpPr>
         <p:spPr>
           <a:xfrm>
-            <a:off x="1524000" y="4980077"/>
-            <a:ext cx="9144000" cy="1472239"/>
+            <a:off x="792050" y="5381714"/>
+            <a:ext cx="7774546" cy="1472239"/>
           </a:xfrm>
         </p:spPr>
         <p:txBody>
-          <a:bodyPr/>
+          <a:bodyPr>
+            <a:normAutofit/>
+          </a:bodyPr>
           <a:lstStyle/>
           <a:p>
             <a:pPr marL="342900" indent="-342900" algn="l">
@@ -5088,7 +8333,11 @@
               <a:buChar char="•"/>
             </a:pPr>
             <a:r>
-              <a:rPr lang="en-US" dirty="0" smtClean="0"/>
+              <a:rPr lang="en-US" sz="2000" dirty="0" smtClean="0">
+                <a:solidFill>
+                  <a:schemeClr val="tx1"/>
+                </a:solidFill>
+              </a:rPr>
               <a:t>Overall, 6131 total numbers of movie contents were released.</a:t>
             </a:r>
           </a:p>
@@ -5098,10 +8347,18 @@
               <a:buChar char="•"/>
             </a:pPr>
             <a:r>
-              <a:rPr lang="en-US" dirty="0" smtClean="0"/>
+              <a:rPr lang="en-US" sz="2000" dirty="0" smtClean="0">
+                <a:solidFill>
+                  <a:schemeClr val="tx1"/>
+                </a:solidFill>
+              </a:rPr>
               <a:t>And, 2677 total numbers of TV Shows contents.</a:t>
             </a:r>
-            <a:endParaRPr lang="en-US" dirty="0"/>
+            <a:endParaRPr lang="en-US" sz="2000" dirty="0">
+              <a:solidFill>
+                <a:schemeClr val="tx1"/>
+              </a:solidFill>
+            </a:endParaRPr>
           </a:p>
         </p:txBody>
       </p:sp>
@@ -5121,7 +8378,7 @@
         </p:blipFill>
         <p:spPr>
           <a:xfrm>
-            <a:off x="2884868" y="897414"/>
+            <a:off x="1845971" y="1188209"/>
             <a:ext cx="6130343" cy="3781123"/>
           </a:xfrm>
           <a:prstGeom prst="rect">
@@ -5139,6 +8396,13 @@
   <p:clrMapOvr>
     <a:masterClrMapping/>
   </p:clrMapOvr>
+  <p:timing>
+    <p:tnLst>
+      <p:par>
+        <p:cTn id="1" dur="indefinite" restart="never" nodeType="tmRoot"/>
+      </p:par>
+    </p:tnLst>
+  </p:timing>
 </p:sld>
 </file>
 
@@ -5175,7 +8439,7 @@
         </p:blipFill>
         <p:spPr>
           <a:xfrm>
-            <a:off x="2802710" y="682580"/>
+            <a:off x="2802710" y="856915"/>
             <a:ext cx="6392806" cy="3668778"/>
           </a:xfrm>
           <a:prstGeom prst="rect">
@@ -5185,56 +8449,6 @@
       </p:pic>
       <p:sp>
         <p:nvSpPr>
-          <p:cNvPr id="5" name="Title 1"/>
-          <p:cNvSpPr txBox="1">
-            <a:spLocks/>
-          </p:cNvSpPr>
-          <p:nvPr/>
-        </p:nvSpPr>
-        <p:spPr>
-          <a:xfrm>
-            <a:off x="1524000" y="0"/>
-            <a:ext cx="9144000" cy="682580"/>
-          </a:xfrm>
-          <a:prstGeom prst="rect">
-            <a:avLst/>
-          </a:prstGeom>
-        </p:spPr>
-        <p:txBody>
-          <a:bodyPr vert="horz" lIns="91440" tIns="45720" rIns="91440" bIns="45720" rtlCol="0" anchor="ctr">
-            <a:normAutofit lnSpcReduction="10000"/>
-          </a:bodyPr>
-          <a:lstStyle>
-            <a:lvl1pPr algn="l" defTabSz="914400" rtl="0" eaLnBrk="1" latinLnBrk="0" hangingPunct="1">
-              <a:lnSpc>
-                <a:spcPct val="90000"/>
-              </a:lnSpc>
-              <a:spcBef>
-                <a:spcPct val="0"/>
-              </a:spcBef>
-              <a:buNone/>
-              <a:defRPr sz="4400" kern="1200">
-                <a:solidFill>
-                  <a:schemeClr val="tx1"/>
-                </a:solidFill>
-                <a:latin typeface="+mj-lt"/>
-                <a:ea typeface="+mj-ea"/>
-                <a:cs typeface="+mj-cs"/>
-              </a:defRPr>
-            </a:lvl1pPr>
-          </a:lstStyle>
-          <a:p>
-            <a:pPr algn="ctr"/>
-            <a:r>
-              <a:rPr lang="en-US" u="sng" dirty="0" smtClean="0"/>
-              <a:t>Observations cont.</a:t>
-            </a:r>
-            <a:endParaRPr lang="en-US" u="sng" dirty="0"/>
-          </a:p>
-        </p:txBody>
-      </p:sp>
-      <p:sp>
-        <p:nvSpPr>
           <p:cNvPr id="6" name="Subtitle 3"/>
           <p:cNvSpPr txBox="1">
             <a:spLocks/>
@@ -5243,7 +8457,7 @@
         </p:nvSpPr>
         <p:spPr>
           <a:xfrm>
-            <a:off x="1524000" y="4774015"/>
+            <a:off x="519448" y="4892270"/>
             <a:ext cx="9144000" cy="1472239"/>
           </a:xfrm>
           <a:prstGeom prst="rect">
@@ -5429,17 +8643,112 @@
             <a:pPr marL="342900" indent="-342900"/>
             <a:r>
               <a:rPr lang="en-US" dirty="0" smtClean="0"/>
-              <a:t>Music genre has the smallest proportion of </a:t>
-            </a:r>
-            <a:r>
-              <a:rPr lang="en-US" dirty="0" smtClean="0"/>
-              <a:t>0.2%</a:t>
-            </a:r>
-            <a:r>
-              <a:rPr lang="en-US" dirty="0" smtClean="0"/>
-              <a:t> with a value of 18 total numbers of contents.</a:t>
+              <a:t>Music genre has the smallest proportion of 0.2% with a value of 18 total numbers of contents.</a:t>
             </a:r>
             <a:endParaRPr lang="en-US" dirty="0"/>
+          </a:p>
+        </p:txBody>
+      </p:sp>
+      <p:sp>
+        <p:nvSpPr>
+          <p:cNvPr id="7" name="Title 1"/>
+          <p:cNvSpPr txBox="1">
+            <a:spLocks/>
+          </p:cNvSpPr>
+          <p:nvPr/>
+        </p:nvSpPr>
+        <p:spPr>
+          <a:xfrm>
+            <a:off x="2802710" y="0"/>
+            <a:ext cx="6010141" cy="1037220"/>
+          </a:xfrm>
+          <a:prstGeom prst="rect">
+            <a:avLst/>
+          </a:prstGeom>
+        </p:spPr>
+        <p:txBody>
+          <a:bodyPr vert="horz" lIns="91440" tIns="45720" rIns="91440" bIns="45720" rtlCol="0" anchor="t">
+            <a:normAutofit/>
+          </a:bodyPr>
+          <a:lstStyle>
+            <a:lvl1pPr algn="l" defTabSz="457200" rtl="0" eaLnBrk="1" latinLnBrk="0" hangingPunct="1">
+              <a:spcBef>
+                <a:spcPct val="0"/>
+              </a:spcBef>
+              <a:buNone/>
+              <a:defRPr sz="3600" kern="1200">
+                <a:solidFill>
+                  <a:schemeClr val="accent1"/>
+                </a:solidFill>
+                <a:latin typeface="+mj-lt"/>
+                <a:ea typeface="+mj-ea"/>
+                <a:cs typeface="+mj-cs"/>
+              </a:defRPr>
+            </a:lvl1pPr>
+            <a:lvl2pPr eaLnBrk="1" hangingPunct="1">
+              <a:defRPr>
+                <a:solidFill>
+                  <a:schemeClr val="tx2"/>
+                </a:solidFill>
+              </a:defRPr>
+            </a:lvl2pPr>
+            <a:lvl3pPr eaLnBrk="1" hangingPunct="1">
+              <a:defRPr>
+                <a:solidFill>
+                  <a:schemeClr val="tx2"/>
+                </a:solidFill>
+              </a:defRPr>
+            </a:lvl3pPr>
+            <a:lvl4pPr eaLnBrk="1" hangingPunct="1">
+              <a:defRPr>
+                <a:solidFill>
+                  <a:schemeClr val="tx2"/>
+                </a:solidFill>
+              </a:defRPr>
+            </a:lvl4pPr>
+            <a:lvl5pPr eaLnBrk="1" hangingPunct="1">
+              <a:defRPr>
+                <a:solidFill>
+                  <a:schemeClr val="tx2"/>
+                </a:solidFill>
+              </a:defRPr>
+            </a:lvl5pPr>
+            <a:lvl6pPr eaLnBrk="1" hangingPunct="1">
+              <a:defRPr>
+                <a:solidFill>
+                  <a:schemeClr val="tx2"/>
+                </a:solidFill>
+              </a:defRPr>
+            </a:lvl6pPr>
+            <a:lvl7pPr eaLnBrk="1" hangingPunct="1">
+              <a:defRPr>
+                <a:solidFill>
+                  <a:schemeClr val="tx2"/>
+                </a:solidFill>
+              </a:defRPr>
+            </a:lvl7pPr>
+            <a:lvl8pPr eaLnBrk="1" hangingPunct="1">
+              <a:defRPr>
+                <a:solidFill>
+                  <a:schemeClr val="tx2"/>
+                </a:solidFill>
+              </a:defRPr>
+            </a:lvl8pPr>
+            <a:lvl9pPr eaLnBrk="1" hangingPunct="1">
+              <a:defRPr>
+                <a:solidFill>
+                  <a:schemeClr val="tx2"/>
+                </a:solidFill>
+              </a:defRPr>
+            </a:lvl9pPr>
+          </a:lstStyle>
+          <a:p>
+            <a:pPr algn="ctr"/>
+            <a:r>
+              <a:rPr lang="en-US" u="sng" dirty="0" smtClean="0"/>
+              <a:t>Observations cont.</a:t>
+            </a:r>
+            <a:endParaRPr lang="en-US" u="sng" dirty="0"/>
           </a:p>
         </p:txBody>
       </p:sp>
@@ -5453,6 +8762,13 @@
   <p:clrMapOvr>
     <a:masterClrMapping/>
   </p:clrMapOvr>
+  <p:timing>
+    <p:tnLst>
+      <p:par>
+        <p:cTn id="1" dur="indefinite" restart="never" nodeType="tmRoot"/>
+      </p:par>
+    </p:tnLst>
+  </p:timing>
 </p:sld>
 </file>
 
@@ -5475,56 +8791,6 @@
       </p:grpSpPr>
       <p:sp>
         <p:nvSpPr>
-          <p:cNvPr id="5" name="Title 1"/>
-          <p:cNvSpPr txBox="1">
-            <a:spLocks/>
-          </p:cNvSpPr>
-          <p:nvPr/>
-        </p:nvSpPr>
-        <p:spPr>
-          <a:xfrm>
-            <a:off x="1524000" y="0"/>
-            <a:ext cx="9144000" cy="682580"/>
-          </a:xfrm>
-          <a:prstGeom prst="rect">
-            <a:avLst/>
-          </a:prstGeom>
-        </p:spPr>
-        <p:txBody>
-          <a:bodyPr vert="horz" lIns="91440" tIns="45720" rIns="91440" bIns="45720" rtlCol="0" anchor="ctr">
-            <a:normAutofit lnSpcReduction="10000"/>
-          </a:bodyPr>
-          <a:lstStyle>
-            <a:lvl1pPr algn="l" defTabSz="914400" rtl="0" eaLnBrk="1" latinLnBrk="0" hangingPunct="1">
-              <a:lnSpc>
-                <a:spcPct val="90000"/>
-              </a:lnSpc>
-              <a:spcBef>
-                <a:spcPct val="0"/>
-              </a:spcBef>
-              <a:buNone/>
-              <a:defRPr sz="4400" kern="1200">
-                <a:solidFill>
-                  <a:schemeClr val="tx1"/>
-                </a:solidFill>
-                <a:latin typeface="+mj-lt"/>
-                <a:ea typeface="+mj-ea"/>
-                <a:cs typeface="+mj-cs"/>
-              </a:defRPr>
-            </a:lvl1pPr>
-          </a:lstStyle>
-          <a:p>
-            <a:pPr algn="ctr"/>
-            <a:r>
-              <a:rPr lang="en-US" u="sng" dirty="0" smtClean="0"/>
-              <a:t>Observations cont.</a:t>
-            </a:r>
-            <a:endParaRPr lang="en-US" u="sng" dirty="0"/>
-          </a:p>
-        </p:txBody>
-      </p:sp>
-      <p:sp>
-        <p:nvSpPr>
           <p:cNvPr id="6" name="Subtitle 3"/>
           <p:cNvSpPr txBox="1">
             <a:spLocks/>
@@ -5533,7 +8799,7 @@
         </p:nvSpPr>
         <p:spPr>
           <a:xfrm>
-            <a:off x="1524000" y="4245981"/>
+            <a:off x="635358" y="4484241"/>
             <a:ext cx="9144000" cy="2373759"/>
           </a:xfrm>
           <a:prstGeom prst="rect">
@@ -5765,14 +9031,117 @@
         </p:blipFill>
         <p:spPr>
           <a:xfrm>
-            <a:off x="409978" y="682580"/>
-            <a:ext cx="11372044" cy="3464417"/>
+            <a:off x="230155" y="772732"/>
+            <a:ext cx="11155250" cy="3464417"/>
           </a:xfrm>
           <a:prstGeom prst="rect">
             <a:avLst/>
           </a:prstGeom>
         </p:spPr>
       </p:pic>
+      <p:sp>
+        <p:nvSpPr>
+          <p:cNvPr id="7" name="Title 1"/>
+          <p:cNvSpPr txBox="1">
+            <a:spLocks/>
+          </p:cNvSpPr>
+          <p:nvPr/>
+        </p:nvSpPr>
+        <p:spPr>
+          <a:xfrm>
+            <a:off x="2802710" y="0"/>
+            <a:ext cx="6010141" cy="1037220"/>
+          </a:xfrm>
+          <a:prstGeom prst="rect">
+            <a:avLst/>
+          </a:prstGeom>
+        </p:spPr>
+        <p:txBody>
+          <a:bodyPr vert="horz" lIns="91440" tIns="45720" rIns="91440" bIns="45720" rtlCol="0" anchor="t">
+            <a:normAutofit/>
+          </a:bodyPr>
+          <a:lstStyle>
+            <a:lvl1pPr algn="l" defTabSz="457200" rtl="0" eaLnBrk="1" latinLnBrk="0" hangingPunct="1">
+              <a:spcBef>
+                <a:spcPct val="0"/>
+              </a:spcBef>
+              <a:buNone/>
+              <a:defRPr sz="3600" kern="1200">
+                <a:solidFill>
+                  <a:schemeClr val="accent1"/>
+                </a:solidFill>
+                <a:latin typeface="+mj-lt"/>
+                <a:ea typeface="+mj-ea"/>
+                <a:cs typeface="+mj-cs"/>
+              </a:defRPr>
+            </a:lvl1pPr>
+            <a:lvl2pPr eaLnBrk="1" hangingPunct="1">
+              <a:defRPr>
+                <a:solidFill>
+                  <a:schemeClr val="tx2"/>
+                </a:solidFill>
+              </a:defRPr>
+            </a:lvl2pPr>
+            <a:lvl3pPr eaLnBrk="1" hangingPunct="1">
+              <a:defRPr>
+                <a:solidFill>
+                  <a:schemeClr val="tx2"/>
+                </a:solidFill>
+              </a:defRPr>
+            </a:lvl3pPr>
+            <a:lvl4pPr eaLnBrk="1" hangingPunct="1">
+              <a:defRPr>
+                <a:solidFill>
+                  <a:schemeClr val="tx2"/>
+                </a:solidFill>
+              </a:defRPr>
+            </a:lvl4pPr>
+            <a:lvl5pPr eaLnBrk="1" hangingPunct="1">
+              <a:defRPr>
+                <a:solidFill>
+                  <a:schemeClr val="tx2"/>
+                </a:solidFill>
+              </a:defRPr>
+            </a:lvl5pPr>
+            <a:lvl6pPr eaLnBrk="1" hangingPunct="1">
+              <a:defRPr>
+                <a:solidFill>
+                  <a:schemeClr val="tx2"/>
+                </a:solidFill>
+              </a:defRPr>
+            </a:lvl6pPr>
+            <a:lvl7pPr eaLnBrk="1" hangingPunct="1">
+              <a:defRPr>
+                <a:solidFill>
+                  <a:schemeClr val="tx2"/>
+                </a:solidFill>
+              </a:defRPr>
+            </a:lvl7pPr>
+            <a:lvl8pPr eaLnBrk="1" hangingPunct="1">
+              <a:defRPr>
+                <a:solidFill>
+                  <a:schemeClr val="tx2"/>
+                </a:solidFill>
+              </a:defRPr>
+            </a:lvl8pPr>
+            <a:lvl9pPr eaLnBrk="1" hangingPunct="1">
+              <a:defRPr>
+                <a:solidFill>
+                  <a:schemeClr val="tx2"/>
+                </a:solidFill>
+              </a:defRPr>
+            </a:lvl9pPr>
+          </a:lstStyle>
+          <a:p>
+            <a:pPr algn="ctr"/>
+            <a:r>
+              <a:rPr lang="en-US" u="sng" dirty="0" smtClean="0"/>
+              <a:t>Observations cont.</a:t>
+            </a:r>
+            <a:endParaRPr lang="en-US" u="sng" dirty="0"/>
+          </a:p>
+        </p:txBody>
+      </p:sp>
     </p:spTree>
     <p:extLst>
       <p:ext uri="{BB962C8B-B14F-4D97-AF65-F5344CB8AC3E}">
@@ -5783,6 +9152,13 @@
   <p:clrMapOvr>
     <a:masterClrMapping/>
   </p:clrMapOvr>
+  <p:timing>
+    <p:tnLst>
+      <p:par>
+        <p:cTn id="1" dur="indefinite" restart="never" nodeType="tmRoot"/>
+      </p:par>
+    </p:tnLst>
+  </p:timing>
 </p:sld>
 </file>
 
@@ -5805,56 +9181,6 @@
       </p:grpSpPr>
       <p:sp>
         <p:nvSpPr>
-          <p:cNvPr id="5" name="Title 1"/>
-          <p:cNvSpPr txBox="1">
-            <a:spLocks/>
-          </p:cNvSpPr>
-          <p:nvPr/>
-        </p:nvSpPr>
-        <p:spPr>
-          <a:xfrm>
-            <a:off x="1524000" y="0"/>
-            <a:ext cx="9144000" cy="682580"/>
-          </a:xfrm>
-          <a:prstGeom prst="rect">
-            <a:avLst/>
-          </a:prstGeom>
-        </p:spPr>
-        <p:txBody>
-          <a:bodyPr vert="horz" lIns="91440" tIns="45720" rIns="91440" bIns="45720" rtlCol="0" anchor="ctr">
-            <a:normAutofit lnSpcReduction="10000"/>
-          </a:bodyPr>
-          <a:lstStyle>
-            <a:lvl1pPr algn="l" defTabSz="914400" rtl="0" eaLnBrk="1" latinLnBrk="0" hangingPunct="1">
-              <a:lnSpc>
-                <a:spcPct val="90000"/>
-              </a:lnSpc>
-              <a:spcBef>
-                <a:spcPct val="0"/>
-              </a:spcBef>
-              <a:buNone/>
-              <a:defRPr sz="4400" kern="1200">
-                <a:solidFill>
-                  <a:schemeClr val="tx1"/>
-                </a:solidFill>
-                <a:latin typeface="+mj-lt"/>
-                <a:ea typeface="+mj-ea"/>
-                <a:cs typeface="+mj-cs"/>
-              </a:defRPr>
-            </a:lvl1pPr>
-          </a:lstStyle>
-          <a:p>
-            <a:pPr algn="ctr"/>
-            <a:r>
-              <a:rPr lang="en-US" u="sng" dirty="0" smtClean="0"/>
-              <a:t>Observations cont.</a:t>
-            </a:r>
-            <a:endParaRPr lang="en-US" u="sng" dirty="0"/>
-          </a:p>
-        </p:txBody>
-      </p:sp>
-      <p:sp>
-        <p:nvSpPr>
           <p:cNvPr id="6" name="Subtitle 3"/>
           <p:cNvSpPr txBox="1">
             <a:spLocks/>
@@ -5863,7 +9189,7 @@
         </p:nvSpPr>
         <p:spPr>
           <a:xfrm>
-            <a:off x="1524000" y="4477801"/>
+            <a:off x="609600" y="4885878"/>
             <a:ext cx="9144000" cy="1972122"/>
           </a:xfrm>
           <a:prstGeom prst="rect">
@@ -6070,7 +9396,7 @@
         </p:blipFill>
         <p:spPr>
           <a:xfrm>
-            <a:off x="1524000" y="682580"/>
+            <a:off x="1015619" y="1037220"/>
             <a:ext cx="8737981" cy="3707360"/>
           </a:xfrm>
           <a:prstGeom prst="rect">
@@ -6078,6 +9404,109 @@
           </a:prstGeom>
         </p:spPr>
       </p:pic>
+      <p:sp>
+        <p:nvSpPr>
+          <p:cNvPr id="7" name="Title 1"/>
+          <p:cNvSpPr txBox="1">
+            <a:spLocks/>
+          </p:cNvSpPr>
+          <p:nvPr/>
+        </p:nvSpPr>
+        <p:spPr>
+          <a:xfrm>
+            <a:off x="2802710" y="0"/>
+            <a:ext cx="6010141" cy="1037220"/>
+          </a:xfrm>
+          <a:prstGeom prst="rect">
+            <a:avLst/>
+          </a:prstGeom>
+        </p:spPr>
+        <p:txBody>
+          <a:bodyPr vert="horz" lIns="91440" tIns="45720" rIns="91440" bIns="45720" rtlCol="0" anchor="t">
+            <a:normAutofit/>
+          </a:bodyPr>
+          <a:lstStyle>
+            <a:lvl1pPr algn="l" defTabSz="457200" rtl="0" eaLnBrk="1" latinLnBrk="0" hangingPunct="1">
+              <a:spcBef>
+                <a:spcPct val="0"/>
+              </a:spcBef>
+              <a:buNone/>
+              <a:defRPr sz="3600" kern="1200">
+                <a:solidFill>
+                  <a:schemeClr val="accent1"/>
+                </a:solidFill>
+                <a:latin typeface="+mj-lt"/>
+                <a:ea typeface="+mj-ea"/>
+                <a:cs typeface="+mj-cs"/>
+              </a:defRPr>
+            </a:lvl1pPr>
+            <a:lvl2pPr eaLnBrk="1" hangingPunct="1">
+              <a:defRPr>
+                <a:solidFill>
+                  <a:schemeClr val="tx2"/>
+                </a:solidFill>
+              </a:defRPr>
+            </a:lvl2pPr>
+            <a:lvl3pPr eaLnBrk="1" hangingPunct="1">
+              <a:defRPr>
+                <a:solidFill>
+                  <a:schemeClr val="tx2"/>
+                </a:solidFill>
+              </a:defRPr>
+            </a:lvl3pPr>
+            <a:lvl4pPr eaLnBrk="1" hangingPunct="1">
+              <a:defRPr>
+                <a:solidFill>
+                  <a:schemeClr val="tx2"/>
+                </a:solidFill>
+              </a:defRPr>
+            </a:lvl4pPr>
+            <a:lvl5pPr eaLnBrk="1" hangingPunct="1">
+              <a:defRPr>
+                <a:solidFill>
+                  <a:schemeClr val="tx2"/>
+                </a:solidFill>
+              </a:defRPr>
+            </a:lvl5pPr>
+            <a:lvl6pPr eaLnBrk="1" hangingPunct="1">
+              <a:defRPr>
+                <a:solidFill>
+                  <a:schemeClr val="tx2"/>
+                </a:solidFill>
+              </a:defRPr>
+            </a:lvl6pPr>
+            <a:lvl7pPr eaLnBrk="1" hangingPunct="1">
+              <a:defRPr>
+                <a:solidFill>
+                  <a:schemeClr val="tx2"/>
+                </a:solidFill>
+              </a:defRPr>
+            </a:lvl7pPr>
+            <a:lvl8pPr eaLnBrk="1" hangingPunct="1">
+              <a:defRPr>
+                <a:solidFill>
+                  <a:schemeClr val="tx2"/>
+                </a:solidFill>
+              </a:defRPr>
+            </a:lvl8pPr>
+            <a:lvl9pPr eaLnBrk="1" hangingPunct="1">
+              <a:defRPr>
+                <a:solidFill>
+                  <a:schemeClr val="tx2"/>
+                </a:solidFill>
+              </a:defRPr>
+            </a:lvl9pPr>
+          </a:lstStyle>
+          <a:p>
+            <a:pPr algn="ctr"/>
+            <a:r>
+              <a:rPr lang="en-US" u="sng" dirty="0" smtClean="0"/>
+              <a:t>Observations cont.</a:t>
+            </a:r>
+            <a:endParaRPr lang="en-US" u="sng" dirty="0"/>
+          </a:p>
+        </p:txBody>
+      </p:sp>
     </p:spTree>
     <p:extLst>
       <p:ext uri="{BB962C8B-B14F-4D97-AF65-F5344CB8AC3E}">
@@ -6088,6 +9517,13 @@
   <p:clrMapOvr>
     <a:masterClrMapping/>
   </p:clrMapOvr>
+  <p:timing>
+    <p:tnLst>
+      <p:par>
+        <p:cTn id="1" dur="indefinite" restart="never" nodeType="tmRoot"/>
+      </p:par>
+    </p:tnLst>
+  </p:timing>
 </p:sld>
 </file>
 
@@ -6110,56 +9546,6 @@
       </p:grpSpPr>
       <p:sp>
         <p:nvSpPr>
-          <p:cNvPr id="5" name="Title 1"/>
-          <p:cNvSpPr txBox="1">
-            <a:spLocks/>
-          </p:cNvSpPr>
-          <p:nvPr/>
-        </p:nvSpPr>
-        <p:spPr>
-          <a:xfrm>
-            <a:off x="1524000" y="0"/>
-            <a:ext cx="9144000" cy="682580"/>
-          </a:xfrm>
-          <a:prstGeom prst="rect">
-            <a:avLst/>
-          </a:prstGeom>
-        </p:spPr>
-        <p:txBody>
-          <a:bodyPr vert="horz" lIns="91440" tIns="45720" rIns="91440" bIns="45720" rtlCol="0" anchor="ctr">
-            <a:normAutofit lnSpcReduction="10000"/>
-          </a:bodyPr>
-          <a:lstStyle>
-            <a:lvl1pPr algn="l" defTabSz="914400" rtl="0" eaLnBrk="1" latinLnBrk="0" hangingPunct="1">
-              <a:lnSpc>
-                <a:spcPct val="90000"/>
-              </a:lnSpc>
-              <a:spcBef>
-                <a:spcPct val="0"/>
-              </a:spcBef>
-              <a:buNone/>
-              <a:defRPr sz="4400" kern="1200">
-                <a:solidFill>
-                  <a:schemeClr val="tx1"/>
-                </a:solidFill>
-                <a:latin typeface="+mj-lt"/>
-                <a:ea typeface="+mj-ea"/>
-                <a:cs typeface="+mj-cs"/>
-              </a:defRPr>
-            </a:lvl1pPr>
-          </a:lstStyle>
-          <a:p>
-            <a:pPr algn="ctr"/>
-            <a:r>
-              <a:rPr lang="en-US" u="sng" dirty="0" smtClean="0"/>
-              <a:t>Observations cont.</a:t>
-            </a:r>
-            <a:endParaRPr lang="en-US" u="sng" dirty="0"/>
-          </a:p>
-        </p:txBody>
-      </p:sp>
-      <p:sp>
-        <p:nvSpPr>
           <p:cNvPr id="6" name="Subtitle 3"/>
           <p:cNvSpPr txBox="1">
             <a:spLocks/>
@@ -6168,7 +9554,7 @@
         </p:nvSpPr>
         <p:spPr>
           <a:xfrm>
-            <a:off x="1524000" y="4480195"/>
+            <a:off x="578742" y="5140480"/>
             <a:ext cx="9144000" cy="1766060"/>
           </a:xfrm>
           <a:prstGeom prst="rect">
@@ -6383,7 +9769,7 @@
         </p:blipFill>
         <p:spPr>
           <a:xfrm>
-            <a:off x="2469258" y="636182"/>
+            <a:off x="2181038" y="1037220"/>
             <a:ext cx="7253484" cy="3844012"/>
           </a:xfrm>
           <a:prstGeom prst="rect">
@@ -6391,6 +9777,109 @@
           </a:prstGeom>
         </p:spPr>
       </p:pic>
+      <p:sp>
+        <p:nvSpPr>
+          <p:cNvPr id="7" name="Title 1"/>
+          <p:cNvSpPr txBox="1">
+            <a:spLocks/>
+          </p:cNvSpPr>
+          <p:nvPr/>
+        </p:nvSpPr>
+        <p:spPr>
+          <a:xfrm>
+            <a:off x="2802710" y="0"/>
+            <a:ext cx="6010141" cy="1037220"/>
+          </a:xfrm>
+          <a:prstGeom prst="rect">
+            <a:avLst/>
+          </a:prstGeom>
+        </p:spPr>
+        <p:txBody>
+          <a:bodyPr vert="horz" lIns="91440" tIns="45720" rIns="91440" bIns="45720" rtlCol="0" anchor="t">
+            <a:normAutofit/>
+          </a:bodyPr>
+          <a:lstStyle>
+            <a:lvl1pPr algn="l" defTabSz="457200" rtl="0" eaLnBrk="1" latinLnBrk="0" hangingPunct="1">
+              <a:spcBef>
+                <a:spcPct val="0"/>
+              </a:spcBef>
+              <a:buNone/>
+              <a:defRPr sz="3600" kern="1200">
+                <a:solidFill>
+                  <a:schemeClr val="accent1"/>
+                </a:solidFill>
+                <a:latin typeface="+mj-lt"/>
+                <a:ea typeface="+mj-ea"/>
+                <a:cs typeface="+mj-cs"/>
+              </a:defRPr>
+            </a:lvl1pPr>
+            <a:lvl2pPr eaLnBrk="1" hangingPunct="1">
+              <a:defRPr>
+                <a:solidFill>
+                  <a:schemeClr val="tx2"/>
+                </a:solidFill>
+              </a:defRPr>
+            </a:lvl2pPr>
+            <a:lvl3pPr eaLnBrk="1" hangingPunct="1">
+              <a:defRPr>
+                <a:solidFill>
+                  <a:schemeClr val="tx2"/>
+                </a:solidFill>
+              </a:defRPr>
+            </a:lvl3pPr>
+            <a:lvl4pPr eaLnBrk="1" hangingPunct="1">
+              <a:defRPr>
+                <a:solidFill>
+                  <a:schemeClr val="tx2"/>
+                </a:solidFill>
+              </a:defRPr>
+            </a:lvl4pPr>
+            <a:lvl5pPr eaLnBrk="1" hangingPunct="1">
+              <a:defRPr>
+                <a:solidFill>
+                  <a:schemeClr val="tx2"/>
+                </a:solidFill>
+              </a:defRPr>
+            </a:lvl5pPr>
+            <a:lvl6pPr eaLnBrk="1" hangingPunct="1">
+              <a:defRPr>
+                <a:solidFill>
+                  <a:schemeClr val="tx2"/>
+                </a:solidFill>
+              </a:defRPr>
+            </a:lvl6pPr>
+            <a:lvl7pPr eaLnBrk="1" hangingPunct="1">
+              <a:defRPr>
+                <a:solidFill>
+                  <a:schemeClr val="tx2"/>
+                </a:solidFill>
+              </a:defRPr>
+            </a:lvl7pPr>
+            <a:lvl8pPr eaLnBrk="1" hangingPunct="1">
+              <a:defRPr>
+                <a:solidFill>
+                  <a:schemeClr val="tx2"/>
+                </a:solidFill>
+              </a:defRPr>
+            </a:lvl8pPr>
+            <a:lvl9pPr eaLnBrk="1" hangingPunct="1">
+              <a:defRPr>
+                <a:solidFill>
+                  <a:schemeClr val="tx2"/>
+                </a:solidFill>
+              </a:defRPr>
+            </a:lvl9pPr>
+          </a:lstStyle>
+          <a:p>
+            <a:pPr algn="ctr"/>
+            <a:r>
+              <a:rPr lang="en-US" u="sng" dirty="0" smtClean="0"/>
+              <a:t>Observations cont.</a:t>
+            </a:r>
+            <a:endParaRPr lang="en-US" u="sng" dirty="0"/>
+          </a:p>
+        </p:txBody>
+      </p:sp>
     </p:spTree>
     <p:extLst>
       <p:ext uri="{BB962C8B-B14F-4D97-AF65-F5344CB8AC3E}">
@@ -6401,13 +9890,20 @@
   <p:clrMapOvr>
     <a:masterClrMapping/>
   </p:clrMapOvr>
+  <p:timing>
+    <p:tnLst>
+      <p:par>
+        <p:cTn id="1" dur="indefinite" restart="never" nodeType="tmRoot"/>
+      </p:par>
+    </p:tnLst>
+  </p:timing>
 </p:sld>
 </file>
 
 <file path=ppt/theme/theme1.xml><?xml version="1.0" encoding="utf-8"?>
-<a:theme xmlns:a="http://schemas.openxmlformats.org/drawingml/2006/main" name="Office Theme">
+<a:theme xmlns:a="http://schemas.openxmlformats.org/drawingml/2006/main" name="Facet">
   <a:themeElements>
-    <a:clrScheme name="Office">
+    <a:clrScheme name="Red">
       <a:dk1>
         <a:sysClr val="windowText" lastClr="000000"/>
       </a:dk1>
@@ -6415,52 +9911,52 @@
         <a:sysClr val="window" lastClr="FFFFFF"/>
       </a:lt1>
       <a:dk2>
-        <a:srgbClr val="44546A"/>
+        <a:srgbClr val="323232"/>
       </a:dk2>
       <a:lt2>
-        <a:srgbClr val="E7E6E6"/>
+        <a:srgbClr val="E5C243"/>
       </a:lt2>
       <a:accent1>
-        <a:srgbClr val="5B9BD5"/>
+        <a:srgbClr val="A5300F"/>
       </a:accent1>
       <a:accent2>
-        <a:srgbClr val="ED7D31"/>
+        <a:srgbClr val="D55816"/>
       </a:accent2>
       <a:accent3>
-        <a:srgbClr val="A5A5A5"/>
+        <a:srgbClr val="E19825"/>
       </a:accent3>
       <a:accent4>
-        <a:srgbClr val="FFC000"/>
+        <a:srgbClr val="B19C7D"/>
       </a:accent4>
       <a:accent5>
-        <a:srgbClr val="4472C4"/>
+        <a:srgbClr val="7F5F52"/>
       </a:accent5>
       <a:accent6>
-        <a:srgbClr val="70AD47"/>
+        <a:srgbClr val="B27D49"/>
       </a:accent6>
       <a:hlink>
-        <a:srgbClr val="0563C1"/>
+        <a:srgbClr val="6B9F25"/>
       </a:hlink>
       <a:folHlink>
-        <a:srgbClr val="954F72"/>
+        <a:srgbClr val="B26B02"/>
       </a:folHlink>
     </a:clrScheme>
-    <a:fontScheme name="Office">
+    <a:fontScheme name="Facet">
       <a:majorFont>
-        <a:latin typeface="Calibri Light" panose="020F0302020204030204"/>
+        <a:latin typeface="Trebuchet MS" panose="020B0603020202020204"/>
         <a:ea typeface=""/>
         <a:cs typeface=""/>
-        <a:font script="Jpan" typeface="ＭＳ Ｐゴシック"/>
+        <a:font script="Jpan" typeface="メイリオ"/>
         <a:font script="Hang" typeface="맑은 고딕"/>
-        <a:font script="Hans" typeface="宋体"/>
-        <a:font script="Hant" typeface="新細明體"/>
-        <a:font script="Arab" typeface="Times New Roman"/>
-        <a:font script="Hebr" typeface="Times New Roman"/>
-        <a:font script="Thai" typeface="Angsana New"/>
+        <a:font script="Hans" typeface="方正姚体"/>
+        <a:font script="Hant" typeface="微軟正黑體"/>
+        <a:font script="Arab" typeface="Tahoma"/>
+        <a:font script="Hebr" typeface="Arial"/>
+        <a:font script="Thai" typeface="Cordia New"/>
         <a:font script="Ethi" typeface="Nyala"/>
         <a:font script="Beng" typeface="Vrinda"/>
         <a:font script="Gujr" typeface="Shruti"/>
-        <a:font script="Khmr" typeface="MoolBoran"/>
+        <a:font script="Khmr" typeface="DaunPenh"/>
         <a:font script="Knda" typeface="Tunga"/>
         <a:font script="Guru" typeface="Raavi"/>
         <a:font script="Cans" typeface="Euphemia"/>
@@ -6477,21 +9973,21 @@
         <a:font script="Laoo" typeface="DokChampa"/>
         <a:font script="Sinh" typeface="Iskoola Pota"/>
         <a:font script="Mong" typeface="Mongolian Baiti"/>
-        <a:font script="Viet" typeface="Times New Roman"/>
+        <a:font script="Viet" typeface="Tahoma"/>
         <a:font script="Uigh" typeface="Microsoft Uighur"/>
         <a:font script="Geor" typeface="Sylfaen"/>
       </a:majorFont>
       <a:minorFont>
-        <a:latin typeface="Calibri" panose="020F0502020204030204"/>
+        <a:latin typeface="Trebuchet MS" panose="020B0603020202020204"/>
         <a:ea typeface=""/>
         <a:cs typeface=""/>
-        <a:font script="Jpan" typeface="ＭＳ Ｐゴシック"/>
-        <a:font script="Hang" typeface="맑은 고딕"/>
-        <a:font script="Hans" typeface="宋体"/>
-        <a:font script="Hant" typeface="新細明體"/>
-        <a:font script="Arab" typeface="Arial"/>
-        <a:font script="Hebr" typeface="Arial"/>
-        <a:font script="Thai" typeface="Cordia New"/>
+        <a:font script="Jpan" typeface="メイリオ"/>
+        <a:font script="Hang" typeface="HY그래픽M"/>
+        <a:font script="Hans" typeface="华文新魏"/>
+        <a:font script="Hant" typeface="微軟正黑體"/>
+        <a:font script="Arab" typeface="Tahoma"/>
+        <a:font script="Hebr" typeface="Gisha"/>
+        <a:font script="Thai" typeface="IrisUPC"/>
         <a:font script="Ethi" typeface="Nyala"/>
         <a:font script="Beng" typeface="Vrinda"/>
         <a:font script="Gujr" typeface="Shruti"/>
@@ -6517,7 +10013,7 @@
         <a:font script="Geor" typeface="Sylfaen"/>
       </a:minorFont>
     </a:fontScheme>
-    <a:fmtScheme name="Office">
+    <a:fmtScheme name="Facet">
       <a:fillStyleLst>
         <a:solidFill>
           <a:schemeClr val="phClr"/>
@@ -6526,23 +10022,13 @@
           <a:gsLst>
             <a:gs pos="0">
               <a:schemeClr val="phClr">
+                <a:tint val="65000"/>
                 <a:lumMod val="110000"/>
-                <a:satMod val="105000"/>
-                <a:tint val="67000"/>
               </a:schemeClr>
             </a:gs>
-            <a:gs pos="50000">
+            <a:gs pos="88000">
               <a:schemeClr val="phClr">
-                <a:lumMod val="105000"/>
-                <a:satMod val="103000"/>
-                <a:tint val="73000"/>
-              </a:schemeClr>
-            </a:gs>
-            <a:gs pos="100000">
-              <a:schemeClr val="phClr">
-                <a:lumMod val="105000"/>
-                <a:satMod val="109000"/>
-                <a:tint val="81000"/>
+                <a:tint val="90000"/>
               </a:schemeClr>
             </a:gs>
           </a:gsLst>
@@ -6552,23 +10038,14 @@
           <a:gsLst>
             <a:gs pos="0">
               <a:schemeClr val="phClr">
-                <a:satMod val="103000"/>
-                <a:lumMod val="102000"/>
-                <a:tint val="94000"/>
+                <a:tint val="96000"/>
+                <a:lumMod val="100000"/>
               </a:schemeClr>
             </a:gs>
-            <a:gs pos="50000">
+            <a:gs pos="78000">
               <a:schemeClr val="phClr">
-                <a:satMod val="110000"/>
-                <a:lumMod val="100000"/>
-                <a:shade val="100000"/>
-              </a:schemeClr>
-            </a:gs>
-            <a:gs pos="100000">
-              <a:schemeClr val="phClr">
-                <a:lumMod val="99000"/>
-                <a:satMod val="120000"/>
-                <a:shade val="78000"/>
+                <a:shade val="94000"/>
+                <a:lumMod val="94000"/>
               </a:schemeClr>
             </a:gs>
           </a:gsLst>
@@ -6576,26 +10053,23 @@
         </a:gradFill>
       </a:fillStyleLst>
       <a:lnStyleLst>
-        <a:ln w="6350" cap="flat" cmpd="sng" algn="ctr">
+        <a:ln w="12700" cap="rnd" cmpd="sng" algn="ctr">
           <a:solidFill>
             <a:schemeClr val="phClr"/>
           </a:solidFill>
           <a:prstDash val="solid"/>
-          <a:miter lim="800000"/>
         </a:ln>
-        <a:ln w="12700" cap="flat" cmpd="sng" algn="ctr">
+        <a:ln w="19050" cap="rnd" cmpd="sng" algn="ctr">
           <a:solidFill>
             <a:schemeClr val="phClr"/>
           </a:solidFill>
           <a:prstDash val="solid"/>
-          <a:miter lim="800000"/>
         </a:ln>
-        <a:ln w="19050" cap="flat" cmpd="sng" algn="ctr">
+        <a:ln w="25400" cap="rnd" cmpd="sng" algn="ctr">
           <a:solidFill>
             <a:schemeClr val="phClr"/>
           </a:solidFill>
           <a:prstDash val="solid"/>
-          <a:miter lim="800000"/>
         </a:ln>
       </a:lnStyleLst>
       <a:effectStyleLst>
@@ -6603,54 +10077,72 @@
           <a:effectLst/>
         </a:effectStyle>
         <a:effectStyle>
-          <a:effectLst/>
+          <a:effectLst>
+            <a:outerShdw blurRad="38100" dist="25400" dir="5400000" rotWithShape="0">
+              <a:srgbClr val="000000">
+                <a:alpha val="35000"/>
+              </a:srgbClr>
+            </a:outerShdw>
+          </a:effectLst>
         </a:effectStyle>
         <a:effectStyle>
           <a:effectLst>
-            <a:outerShdw blurRad="57150" dist="19050" dir="5400000" algn="ctr" rotWithShape="0">
+            <a:outerShdw blurRad="50800" dist="38100" dir="5400000" rotWithShape="0">
               <a:srgbClr val="000000">
-                <a:alpha val="63000"/>
+                <a:alpha val="35000"/>
               </a:srgbClr>
             </a:outerShdw>
           </a:effectLst>
+          <a:scene3d>
+            <a:camera prst="orthographicFront">
+              <a:rot lat="0" lon="0" rev="0"/>
+            </a:camera>
+            <a:lightRig rig="threePt" dir="tl"/>
+          </a:scene3d>
+          <a:sp3d prstMaterial="plastic">
+            <a:bevelT w="0" h="0"/>
+          </a:sp3d>
         </a:effectStyle>
       </a:effectStyleLst>
       <a:bgFillStyleLst>
         <a:solidFill>
           <a:schemeClr val="phClr"/>
         </a:solidFill>
-        <a:solidFill>
-          <a:schemeClr val="phClr">
-            <a:tint val="95000"/>
-            <a:satMod val="170000"/>
-          </a:schemeClr>
-        </a:solidFill>
         <a:gradFill rotWithShape="1">
           <a:gsLst>
             <a:gs pos="0">
               <a:schemeClr val="phClr">
-                <a:tint val="93000"/>
-                <a:satMod val="150000"/>
-                <a:shade val="98000"/>
-                <a:lumMod val="102000"/>
+                <a:tint val="90000"/>
+                <a:lumMod val="104000"/>
               </a:schemeClr>
             </a:gs>
-            <a:gs pos="50000">
+            <a:gs pos="94000">
               <a:schemeClr val="phClr">
-                <a:tint val="98000"/>
-                <a:satMod val="130000"/>
-                <a:shade val="90000"/>
-                <a:lumMod val="103000"/>
+                <a:shade val="96000"/>
+                <a:lumMod val="82000"/>
+              </a:schemeClr>
+            </a:gs>
+          </a:gsLst>
+          <a:lin ang="5400000" scaled="0"/>
+        </a:gradFill>
+        <a:gradFill rotWithShape="1">
+          <a:gsLst>
+            <a:gs pos="0">
+              <a:schemeClr val="phClr">
+                <a:tint val="90000"/>
+                <a:lumMod val="110000"/>
               </a:schemeClr>
             </a:gs>
             <a:gs pos="100000">
               <a:schemeClr val="phClr">
-                <a:shade val="63000"/>
-                <a:satMod val="120000"/>
+                <a:shade val="94000"/>
+                <a:lumMod val="96000"/>
               </a:schemeClr>
             </a:gs>
           </a:gsLst>
-          <a:lin ang="5400000" scaled="0"/>
+          <a:path path="circle">
+            <a:fillToRect l="50000" t="50000" r="100000" b="100000"/>
+          </a:path>
         </a:gradFill>
       </a:bgFillStyleLst>
     </a:fmtScheme>
@@ -6659,7 +10151,7 @@
   <a:extraClrSchemeLst/>
   <a:extLst>
     <a:ext uri="{05A4C25C-085E-4340-85A3-A5531E510DB2}">
-      <thm15:themeFamily xmlns:thm15="http://schemas.microsoft.com/office/thememl/2012/main" name="Office Theme" id="{62F939B6-93AF-4DB8-9C6B-D6C7DFDC589F}" vid="{4A3C46E8-61CC-4603-A589-7422A47A8E4A}"/>
+      <thm15:themeFamily xmlns:thm15="http://schemas.microsoft.com/office/thememl/2012/main" name="Facet" id="{C0C680CD-088A-49FC-A102-D699147F32B2}" vid="{CFBC31BA-B70F-4F30-BCAA-4F3011E16C4D}"/>
     </a:ext>
   </a:extLst>
 </a:theme>
